--- a/框图.pptx
+++ b/框图.pptx
@@ -5,19 +5,20 @@
     <p:sldMasterId id="2147483648" r:id="rId1"/>
   </p:sldMasterIdLst>
   <p:notesMasterIdLst>
-    <p:notesMasterId r:id="rId12"/>
+    <p:notesMasterId r:id="rId13"/>
   </p:notesMasterIdLst>
   <p:sldIdLst>
     <p:sldId id="263" r:id="rId2"/>
     <p:sldId id="264" r:id="rId3"/>
     <p:sldId id="265" r:id="rId4"/>
-    <p:sldId id="256" r:id="rId5"/>
-    <p:sldId id="257" r:id="rId6"/>
-    <p:sldId id="258" r:id="rId7"/>
-    <p:sldId id="259" r:id="rId8"/>
-    <p:sldId id="260" r:id="rId9"/>
-    <p:sldId id="261" r:id="rId10"/>
-    <p:sldId id="262" r:id="rId11"/>
+    <p:sldId id="266" r:id="rId5"/>
+    <p:sldId id="256" r:id="rId6"/>
+    <p:sldId id="257" r:id="rId7"/>
+    <p:sldId id="258" r:id="rId8"/>
+    <p:sldId id="259" r:id="rId9"/>
+    <p:sldId id="260" r:id="rId10"/>
+    <p:sldId id="261" r:id="rId11"/>
+    <p:sldId id="262" r:id="rId12"/>
   </p:sldIdLst>
   <p:sldSz cx="12192000" cy="6858000"/>
   <p:notesSz cx="6858000" cy="9144000"/>
@@ -128,6 +129,7 @@
         <p14:section name="无标题节" id="{FA2E000D-6D14-455D-B810-1E6BA8EB0EFD}">
           <p14:sldIdLst>
             <p14:sldId id="265"/>
+            <p14:sldId id="266"/>
           </p14:sldIdLst>
         </p14:section>
         <p14:section name="无标题节" id="{33BC9371-C191-4BED-8E16-0FE5AF06871E}">
@@ -232,7 +234,7 @@
           <a:p>
             <a:fld id="{AAF3A4A4-759C-4E04-9790-E201C3ECC1D7}" type="datetimeFigureOut">
               <a:rPr lang="zh-CN" altLang="en-US" smtClean="0"/>
-              <a:t>2018/10/1</a:t>
+              <a:t>2018/10/23</a:t>
             </a:fld>
             <a:endParaRPr lang="zh-CN" altLang="en-US"/>
           </a:p>
@@ -747,7 +749,7 @@
           <a:p>
             <a:fld id="{018A81E3-8147-46C4-8730-46DC0C7752EC}" type="slidenum">
               <a:rPr lang="zh-CN" altLang="en-US" smtClean="0"/>
-              <a:t>4</a:t>
+              <a:t>5</a:t>
             </a:fld>
             <a:endParaRPr lang="zh-CN" altLang="en-US"/>
           </a:p>
@@ -836,7 +838,7 @@
           <a:p>
             <a:fld id="{018A81E3-8147-46C4-8730-46DC0C7752EC}" type="slidenum">
               <a:rPr lang="zh-CN" altLang="en-US" smtClean="0"/>
-              <a:t>6</a:t>
+              <a:t>7</a:t>
             </a:fld>
             <a:endParaRPr lang="zh-CN" altLang="en-US"/>
           </a:p>
@@ -1002,7 +1004,7 @@
           <a:p>
             <a:fld id="{F15DBD84-8729-4FFF-94FA-B6C3CC3DEDD0}" type="datetimeFigureOut">
               <a:rPr lang="zh-CN" altLang="en-US" smtClean="0"/>
-              <a:t>2018/10/1</a:t>
+              <a:t>2018/10/23</a:t>
             </a:fld>
             <a:endParaRPr lang="zh-CN" altLang="en-US"/>
           </a:p>
@@ -1200,7 +1202,7 @@
           <a:p>
             <a:fld id="{F15DBD84-8729-4FFF-94FA-B6C3CC3DEDD0}" type="datetimeFigureOut">
               <a:rPr lang="zh-CN" altLang="en-US" smtClean="0"/>
-              <a:t>2018/10/1</a:t>
+              <a:t>2018/10/23</a:t>
             </a:fld>
             <a:endParaRPr lang="zh-CN" altLang="en-US"/>
           </a:p>
@@ -1408,7 +1410,7 @@
           <a:p>
             <a:fld id="{F15DBD84-8729-4FFF-94FA-B6C3CC3DEDD0}" type="datetimeFigureOut">
               <a:rPr lang="zh-CN" altLang="en-US" smtClean="0"/>
-              <a:t>2018/10/1</a:t>
+              <a:t>2018/10/23</a:t>
             </a:fld>
             <a:endParaRPr lang="zh-CN" altLang="en-US"/>
           </a:p>
@@ -1606,7 +1608,7 @@
           <a:p>
             <a:fld id="{F15DBD84-8729-4FFF-94FA-B6C3CC3DEDD0}" type="datetimeFigureOut">
               <a:rPr lang="zh-CN" altLang="en-US" smtClean="0"/>
-              <a:t>2018/10/1</a:t>
+              <a:t>2018/10/23</a:t>
             </a:fld>
             <a:endParaRPr lang="zh-CN" altLang="en-US"/>
           </a:p>
@@ -1881,7 +1883,7 @@
           <a:p>
             <a:fld id="{F15DBD84-8729-4FFF-94FA-B6C3CC3DEDD0}" type="datetimeFigureOut">
               <a:rPr lang="zh-CN" altLang="en-US" smtClean="0"/>
-              <a:t>2018/10/1</a:t>
+              <a:t>2018/10/23</a:t>
             </a:fld>
             <a:endParaRPr lang="zh-CN" altLang="en-US"/>
           </a:p>
@@ -2146,7 +2148,7 @@
           <a:p>
             <a:fld id="{F15DBD84-8729-4FFF-94FA-B6C3CC3DEDD0}" type="datetimeFigureOut">
               <a:rPr lang="zh-CN" altLang="en-US" smtClean="0"/>
-              <a:t>2018/10/1</a:t>
+              <a:t>2018/10/23</a:t>
             </a:fld>
             <a:endParaRPr lang="zh-CN" altLang="en-US"/>
           </a:p>
@@ -2558,7 +2560,7 @@
           <a:p>
             <a:fld id="{F15DBD84-8729-4FFF-94FA-B6C3CC3DEDD0}" type="datetimeFigureOut">
               <a:rPr lang="zh-CN" altLang="en-US" smtClean="0"/>
-              <a:t>2018/10/1</a:t>
+              <a:t>2018/10/23</a:t>
             </a:fld>
             <a:endParaRPr lang="zh-CN" altLang="en-US"/>
           </a:p>
@@ -2699,7 +2701,7 @@
           <a:p>
             <a:fld id="{F15DBD84-8729-4FFF-94FA-B6C3CC3DEDD0}" type="datetimeFigureOut">
               <a:rPr lang="zh-CN" altLang="en-US" smtClean="0"/>
-              <a:t>2018/10/1</a:t>
+              <a:t>2018/10/23</a:t>
             </a:fld>
             <a:endParaRPr lang="zh-CN" altLang="en-US"/>
           </a:p>
@@ -2812,7 +2814,7 @@
           <a:p>
             <a:fld id="{F15DBD84-8729-4FFF-94FA-B6C3CC3DEDD0}" type="datetimeFigureOut">
               <a:rPr lang="zh-CN" altLang="en-US" smtClean="0"/>
-              <a:t>2018/10/1</a:t>
+              <a:t>2018/10/23</a:t>
             </a:fld>
             <a:endParaRPr lang="zh-CN" altLang="en-US"/>
           </a:p>
@@ -3123,7 +3125,7 @@
           <a:p>
             <a:fld id="{F15DBD84-8729-4FFF-94FA-B6C3CC3DEDD0}" type="datetimeFigureOut">
               <a:rPr lang="zh-CN" altLang="en-US" smtClean="0"/>
-              <a:t>2018/10/1</a:t>
+              <a:t>2018/10/23</a:t>
             </a:fld>
             <a:endParaRPr lang="zh-CN" altLang="en-US"/>
           </a:p>
@@ -3411,7 +3413,7 @@
           <a:p>
             <a:fld id="{F15DBD84-8729-4FFF-94FA-B6C3CC3DEDD0}" type="datetimeFigureOut">
               <a:rPr lang="zh-CN" altLang="en-US" smtClean="0"/>
-              <a:t>2018/10/1</a:t>
+              <a:t>2018/10/23</a:t>
             </a:fld>
             <a:endParaRPr lang="zh-CN" altLang="en-US"/>
           </a:p>
@@ -3652,7 +3654,7 @@
           <a:p>
             <a:fld id="{F15DBD84-8729-4FFF-94FA-B6C3CC3DEDD0}" type="datetimeFigureOut">
               <a:rPr lang="zh-CN" altLang="en-US" smtClean="0"/>
-              <a:t>2018/10/1</a:t>
+              <a:t>2018/10/23</a:t>
             </a:fld>
             <a:endParaRPr lang="zh-CN" altLang="en-US"/>
           </a:p>
@@ -6560,6 +6562,667 @@
         </p:nvCxnSpPr>
         <p:spPr>
           <a:xfrm>
+            <a:off x="3409950" y="2600325"/>
+            <a:ext cx="482600" cy="1600200"/>
+          </a:xfrm>
+          <a:prstGeom prst="straightConnector1">
+            <a:avLst/>
+          </a:prstGeom>
+          <a:ln w="254000">
+            <a:solidFill>
+              <a:srgbClr val="92D050"/>
+            </a:solidFill>
+            <a:headEnd type="none" w="med" len="med"/>
+            <a:tailEnd type="none" w="med" len="med"/>
+          </a:ln>
+        </p:spPr>
+        <p:style>
+          <a:lnRef idx="1">
+            <a:schemeClr val="accent1"/>
+          </a:lnRef>
+          <a:fillRef idx="0">
+            <a:schemeClr val="accent1"/>
+          </a:fillRef>
+          <a:effectRef idx="0">
+            <a:schemeClr val="accent1"/>
+          </a:effectRef>
+          <a:fontRef idx="minor">
+            <a:schemeClr val="tx1"/>
+          </a:fontRef>
+        </p:style>
+      </p:cxnSp>
+      <p:cxnSp>
+        <p:nvCxnSpPr>
+          <p:cNvPr id="22" name="直接箭头连接符 21">
+            <a:extLst>
+              <a:ext uri="{FF2B5EF4-FFF2-40B4-BE49-F238E27FC236}">
+                <a16:creationId xmlns:a16="http://schemas.microsoft.com/office/drawing/2014/main" id="{E8B4A8AA-F3BD-474F-B719-C79BFDFC0F4B}"/>
+              </a:ext>
+            </a:extLst>
+          </p:cNvPr>
+          <p:cNvCxnSpPr>
+            <a:cxnSpLocks/>
+          </p:cNvCxnSpPr>
+          <p:nvPr/>
+        </p:nvCxnSpPr>
+        <p:spPr>
+          <a:xfrm>
+            <a:off x="2667000" y="2600325"/>
+            <a:ext cx="0" cy="1600200"/>
+          </a:xfrm>
+          <a:prstGeom prst="straightConnector1">
+            <a:avLst/>
+          </a:prstGeom>
+          <a:ln w="254000">
+            <a:solidFill>
+              <a:srgbClr val="92D050"/>
+            </a:solidFill>
+            <a:headEnd type="none" w="med" len="med"/>
+            <a:tailEnd type="none" w="med" len="med"/>
+          </a:ln>
+        </p:spPr>
+        <p:style>
+          <a:lnRef idx="1">
+            <a:schemeClr val="accent1"/>
+          </a:lnRef>
+          <a:fillRef idx="0">
+            <a:schemeClr val="accent1"/>
+          </a:fillRef>
+          <a:effectRef idx="0">
+            <a:schemeClr val="accent1"/>
+          </a:effectRef>
+          <a:fontRef idx="minor">
+            <a:schemeClr val="tx1"/>
+          </a:fontRef>
+        </p:style>
+      </p:cxnSp>
+      <p:cxnSp>
+        <p:nvCxnSpPr>
+          <p:cNvPr id="24" name="直接箭头连接符 23">
+            <a:extLst>
+              <a:ext uri="{FF2B5EF4-FFF2-40B4-BE49-F238E27FC236}">
+                <a16:creationId xmlns:a16="http://schemas.microsoft.com/office/drawing/2014/main" id="{B9CE6F49-C924-439A-B92F-3CF2F5D8344C}"/>
+              </a:ext>
+            </a:extLst>
+          </p:cNvPr>
+          <p:cNvCxnSpPr>
+            <a:cxnSpLocks/>
+          </p:cNvCxnSpPr>
+          <p:nvPr/>
+        </p:nvCxnSpPr>
+        <p:spPr>
+          <a:xfrm flipH="1">
+            <a:off x="1435101" y="2600325"/>
+            <a:ext cx="482600" cy="1600200"/>
+          </a:xfrm>
+          <a:prstGeom prst="straightConnector1">
+            <a:avLst/>
+          </a:prstGeom>
+          <a:ln w="254000">
+            <a:solidFill>
+              <a:srgbClr val="92D050"/>
+            </a:solidFill>
+            <a:headEnd type="none" w="med" len="med"/>
+            <a:tailEnd type="none" w="med" len="med"/>
+          </a:ln>
+        </p:spPr>
+        <p:style>
+          <a:lnRef idx="1">
+            <a:schemeClr val="accent1"/>
+          </a:lnRef>
+          <a:fillRef idx="0">
+            <a:schemeClr val="accent1"/>
+          </a:fillRef>
+          <a:effectRef idx="0">
+            <a:schemeClr val="accent1"/>
+          </a:effectRef>
+          <a:fontRef idx="minor">
+            <a:schemeClr val="tx1"/>
+          </a:fontRef>
+        </p:style>
+      </p:cxnSp>
+      <p:sp>
+        <p:nvSpPr>
+          <p:cNvPr id="25" name="矩形 24">
+            <a:extLst>
+              <a:ext uri="{FF2B5EF4-FFF2-40B4-BE49-F238E27FC236}">
+                <a16:creationId xmlns:a16="http://schemas.microsoft.com/office/drawing/2014/main" id="{FCF0F767-54C6-42C4-A71B-C2A70AF06E4D}"/>
+              </a:ext>
+            </a:extLst>
+          </p:cNvPr>
+          <p:cNvSpPr/>
+          <p:nvPr/>
+        </p:nvSpPr>
+        <p:spPr>
+          <a:xfrm>
+            <a:off x="889000" y="2435225"/>
+            <a:ext cx="3556000" cy="1993900"/>
+          </a:xfrm>
+          <a:prstGeom prst="rect">
+            <a:avLst/>
+          </a:prstGeom>
+          <a:noFill/>
+          <a:ln>
+            <a:solidFill>
+              <a:schemeClr val="tx1"/>
+            </a:solidFill>
+          </a:ln>
+        </p:spPr>
+        <p:style>
+          <a:lnRef idx="2">
+            <a:schemeClr val="accent1">
+              <a:shade val="50000"/>
+            </a:schemeClr>
+          </a:lnRef>
+          <a:fillRef idx="1">
+            <a:schemeClr val="accent1"/>
+          </a:fillRef>
+          <a:effectRef idx="0">
+            <a:schemeClr val="accent1"/>
+          </a:effectRef>
+          <a:fontRef idx="minor">
+            <a:schemeClr val="lt1"/>
+          </a:fontRef>
+        </p:style>
+        <p:txBody>
+          <a:bodyPr rtlCol="0" anchor="ctr"/>
+          <a:lstStyle/>
+          <a:p>
+            <a:pPr algn="ctr"/>
+            <a:endParaRPr lang="zh-CN" altLang="en-US" dirty="0">
+              <a:solidFill>
+                <a:schemeClr val="tx1"/>
+              </a:solidFill>
+            </a:endParaRPr>
+          </a:p>
+        </p:txBody>
+      </p:sp>
+      <p:cxnSp>
+        <p:nvCxnSpPr>
+          <p:cNvPr id="26" name="直接箭头连接符 25">
+            <a:extLst>
+              <a:ext uri="{FF2B5EF4-FFF2-40B4-BE49-F238E27FC236}">
+                <a16:creationId xmlns:a16="http://schemas.microsoft.com/office/drawing/2014/main" id="{1CA9B91F-4693-42A8-8D63-195CF0F46E56}"/>
+              </a:ext>
+            </a:extLst>
+          </p:cNvPr>
+          <p:cNvCxnSpPr>
+            <a:cxnSpLocks/>
+          </p:cNvCxnSpPr>
+          <p:nvPr/>
+        </p:nvCxnSpPr>
+        <p:spPr>
+          <a:xfrm>
+            <a:off x="8890000" y="2600325"/>
+            <a:ext cx="0" cy="1600200"/>
+          </a:xfrm>
+          <a:prstGeom prst="straightConnector1">
+            <a:avLst/>
+          </a:prstGeom>
+          <a:ln w="254000">
+            <a:solidFill>
+              <a:srgbClr val="92D050"/>
+            </a:solidFill>
+            <a:headEnd type="none" w="med" len="med"/>
+            <a:tailEnd type="none" w="med" len="med"/>
+          </a:ln>
+        </p:spPr>
+        <p:style>
+          <a:lnRef idx="1">
+            <a:schemeClr val="accent1"/>
+          </a:lnRef>
+          <a:fillRef idx="0">
+            <a:schemeClr val="accent1"/>
+          </a:fillRef>
+          <a:effectRef idx="0">
+            <a:schemeClr val="accent1"/>
+          </a:effectRef>
+          <a:fontRef idx="minor">
+            <a:schemeClr val="tx1"/>
+          </a:fontRef>
+        </p:style>
+      </p:cxnSp>
+      <p:cxnSp>
+        <p:nvCxnSpPr>
+          <p:cNvPr id="27" name="直接箭头连接符 26">
+            <a:extLst>
+              <a:ext uri="{FF2B5EF4-FFF2-40B4-BE49-F238E27FC236}">
+                <a16:creationId xmlns:a16="http://schemas.microsoft.com/office/drawing/2014/main" id="{E8074AC6-88BB-4E6B-9107-B8DB09DAF0FE}"/>
+              </a:ext>
+            </a:extLst>
+          </p:cNvPr>
+          <p:cNvCxnSpPr>
+            <a:cxnSpLocks/>
+          </p:cNvCxnSpPr>
+          <p:nvPr/>
+        </p:nvCxnSpPr>
+        <p:spPr>
+          <a:xfrm>
+            <a:off x="8039100" y="2600325"/>
+            <a:ext cx="0" cy="1600200"/>
+          </a:xfrm>
+          <a:prstGeom prst="straightConnector1">
+            <a:avLst/>
+          </a:prstGeom>
+          <a:ln w="254000">
+            <a:solidFill>
+              <a:srgbClr val="92D050"/>
+            </a:solidFill>
+            <a:headEnd type="none" w="med" len="med"/>
+            <a:tailEnd type="none" w="med" len="med"/>
+          </a:ln>
+        </p:spPr>
+        <p:style>
+          <a:lnRef idx="1">
+            <a:schemeClr val="accent1"/>
+          </a:lnRef>
+          <a:fillRef idx="0">
+            <a:schemeClr val="accent1"/>
+          </a:fillRef>
+          <a:effectRef idx="0">
+            <a:schemeClr val="accent1"/>
+          </a:effectRef>
+          <a:fontRef idx="minor">
+            <a:schemeClr val="tx1"/>
+          </a:fontRef>
+        </p:style>
+      </p:cxnSp>
+      <p:cxnSp>
+        <p:nvCxnSpPr>
+          <p:cNvPr id="28" name="直接箭头连接符 27">
+            <a:extLst>
+              <a:ext uri="{FF2B5EF4-FFF2-40B4-BE49-F238E27FC236}">
+                <a16:creationId xmlns:a16="http://schemas.microsoft.com/office/drawing/2014/main" id="{8C116723-5477-4CD7-9EEB-8EEBC4465B84}"/>
+              </a:ext>
+            </a:extLst>
+          </p:cNvPr>
+          <p:cNvCxnSpPr>
+            <a:cxnSpLocks/>
+          </p:cNvCxnSpPr>
+          <p:nvPr/>
+        </p:nvCxnSpPr>
+        <p:spPr>
+          <a:xfrm>
+            <a:off x="7188201" y="2600325"/>
+            <a:ext cx="0" cy="1600200"/>
+          </a:xfrm>
+          <a:prstGeom prst="straightConnector1">
+            <a:avLst/>
+          </a:prstGeom>
+          <a:ln w="254000">
+            <a:solidFill>
+              <a:srgbClr val="92D050"/>
+            </a:solidFill>
+            <a:headEnd type="none" w="med" len="med"/>
+            <a:tailEnd type="none" w="med" len="med"/>
+          </a:ln>
+        </p:spPr>
+        <p:style>
+          <a:lnRef idx="1">
+            <a:schemeClr val="accent1"/>
+          </a:lnRef>
+          <a:fillRef idx="0">
+            <a:schemeClr val="accent1"/>
+          </a:fillRef>
+          <a:effectRef idx="0">
+            <a:schemeClr val="accent1"/>
+          </a:effectRef>
+          <a:fontRef idx="minor">
+            <a:schemeClr val="tx1"/>
+          </a:fontRef>
+        </p:style>
+      </p:cxnSp>
+      <p:sp>
+        <p:nvSpPr>
+          <p:cNvPr id="29" name="矩形 28">
+            <a:extLst>
+              <a:ext uri="{FF2B5EF4-FFF2-40B4-BE49-F238E27FC236}">
+                <a16:creationId xmlns:a16="http://schemas.microsoft.com/office/drawing/2014/main" id="{89C9600E-F72E-421E-9B6D-373D9D5D2467}"/>
+              </a:ext>
+            </a:extLst>
+          </p:cNvPr>
+          <p:cNvSpPr/>
+          <p:nvPr/>
+        </p:nvSpPr>
+        <p:spPr>
+          <a:xfrm>
+            <a:off x="6261100" y="2435225"/>
+            <a:ext cx="3556000" cy="1987550"/>
+          </a:xfrm>
+          <a:custGeom>
+            <a:avLst/>
+            <a:gdLst>
+              <a:gd name="connsiteX0" fmla="*/ 0 w 3556000"/>
+              <a:gd name="connsiteY0" fmla="*/ 0 h 1993900"/>
+              <a:gd name="connsiteX1" fmla="*/ 3556000 w 3556000"/>
+              <a:gd name="connsiteY1" fmla="*/ 0 h 1993900"/>
+              <a:gd name="connsiteX2" fmla="*/ 3556000 w 3556000"/>
+              <a:gd name="connsiteY2" fmla="*/ 1993900 h 1993900"/>
+              <a:gd name="connsiteX3" fmla="*/ 0 w 3556000"/>
+              <a:gd name="connsiteY3" fmla="*/ 1993900 h 1993900"/>
+              <a:gd name="connsiteX4" fmla="*/ 0 w 3556000"/>
+              <a:gd name="connsiteY4" fmla="*/ 0 h 1993900"/>
+              <a:gd name="connsiteX0" fmla="*/ 0 w 3556000"/>
+              <a:gd name="connsiteY0" fmla="*/ 0 h 1993900"/>
+              <a:gd name="connsiteX1" fmla="*/ 3556000 w 3556000"/>
+              <a:gd name="connsiteY1" fmla="*/ 0 h 1993900"/>
+              <a:gd name="connsiteX2" fmla="*/ 3556000 w 3556000"/>
+              <a:gd name="connsiteY2" fmla="*/ 1993900 h 1993900"/>
+              <a:gd name="connsiteX3" fmla="*/ 673100 w 3556000"/>
+              <a:gd name="connsiteY3" fmla="*/ 1962150 h 1993900"/>
+              <a:gd name="connsiteX4" fmla="*/ 0 w 3556000"/>
+              <a:gd name="connsiteY4" fmla="*/ 1993900 h 1993900"/>
+              <a:gd name="connsiteX5" fmla="*/ 0 w 3556000"/>
+              <a:gd name="connsiteY5" fmla="*/ 0 h 1993900"/>
+              <a:gd name="connsiteX0" fmla="*/ 0 w 3556000"/>
+              <a:gd name="connsiteY0" fmla="*/ 0 h 1993900"/>
+              <a:gd name="connsiteX1" fmla="*/ 3556000 w 3556000"/>
+              <a:gd name="connsiteY1" fmla="*/ 0 h 1993900"/>
+              <a:gd name="connsiteX2" fmla="*/ 3556000 w 3556000"/>
+              <a:gd name="connsiteY2" fmla="*/ 1993900 h 1993900"/>
+              <a:gd name="connsiteX3" fmla="*/ 673100 w 3556000"/>
+              <a:gd name="connsiteY3" fmla="*/ 1962150 h 1993900"/>
+              <a:gd name="connsiteX4" fmla="*/ 0 w 3556000"/>
+              <a:gd name="connsiteY4" fmla="*/ 0 h 1993900"/>
+              <a:gd name="connsiteX0" fmla="*/ 0 w 3556000"/>
+              <a:gd name="connsiteY0" fmla="*/ 0 h 1993900"/>
+              <a:gd name="connsiteX1" fmla="*/ 3556000 w 3556000"/>
+              <a:gd name="connsiteY1" fmla="*/ 0 h 1993900"/>
+              <a:gd name="connsiteX2" fmla="*/ 3556000 w 3556000"/>
+              <a:gd name="connsiteY2" fmla="*/ 1993900 h 1993900"/>
+              <a:gd name="connsiteX3" fmla="*/ 2794000 w 3556000"/>
+              <a:gd name="connsiteY3" fmla="*/ 1987550 h 1993900"/>
+              <a:gd name="connsiteX4" fmla="*/ 673100 w 3556000"/>
+              <a:gd name="connsiteY4" fmla="*/ 1962150 h 1993900"/>
+              <a:gd name="connsiteX5" fmla="*/ 0 w 3556000"/>
+              <a:gd name="connsiteY5" fmla="*/ 0 h 1993900"/>
+              <a:gd name="connsiteX0" fmla="*/ 0 w 3556000"/>
+              <a:gd name="connsiteY0" fmla="*/ 0 h 1987550"/>
+              <a:gd name="connsiteX1" fmla="*/ 3556000 w 3556000"/>
+              <a:gd name="connsiteY1" fmla="*/ 0 h 1987550"/>
+              <a:gd name="connsiteX2" fmla="*/ 2794000 w 3556000"/>
+              <a:gd name="connsiteY2" fmla="*/ 1987550 h 1987550"/>
+              <a:gd name="connsiteX3" fmla="*/ 673100 w 3556000"/>
+              <a:gd name="connsiteY3" fmla="*/ 1962150 h 1987550"/>
+              <a:gd name="connsiteX4" fmla="*/ 0 w 3556000"/>
+              <a:gd name="connsiteY4" fmla="*/ 0 h 1987550"/>
+            </a:gdLst>
+            <a:ahLst/>
+            <a:cxnLst>
+              <a:cxn ang="0">
+                <a:pos x="connsiteX0" y="connsiteY0"/>
+              </a:cxn>
+              <a:cxn ang="0">
+                <a:pos x="connsiteX1" y="connsiteY1"/>
+              </a:cxn>
+              <a:cxn ang="0">
+                <a:pos x="connsiteX2" y="connsiteY2"/>
+              </a:cxn>
+              <a:cxn ang="0">
+                <a:pos x="connsiteX3" y="connsiteY3"/>
+              </a:cxn>
+              <a:cxn ang="0">
+                <a:pos x="connsiteX4" y="connsiteY4"/>
+              </a:cxn>
+            </a:cxnLst>
+            <a:rect l="l" t="t" r="r" b="b"/>
+            <a:pathLst>
+              <a:path w="3556000" h="1987550">
+                <a:moveTo>
+                  <a:pt x="0" y="0"/>
+                </a:moveTo>
+                <a:lnTo>
+                  <a:pt x="3556000" y="0"/>
+                </a:lnTo>
+                <a:lnTo>
+                  <a:pt x="2794000" y="1987550"/>
+                </a:lnTo>
+                <a:lnTo>
+                  <a:pt x="673100" y="1962150"/>
+                </a:lnTo>
+                <a:lnTo>
+                  <a:pt x="0" y="0"/>
+                </a:lnTo>
+                <a:close/>
+              </a:path>
+            </a:pathLst>
+          </a:custGeom>
+          <a:noFill/>
+          <a:ln>
+            <a:solidFill>
+              <a:schemeClr val="tx1"/>
+            </a:solidFill>
+          </a:ln>
+        </p:spPr>
+        <p:style>
+          <a:lnRef idx="2">
+            <a:schemeClr val="accent1">
+              <a:shade val="50000"/>
+            </a:schemeClr>
+          </a:lnRef>
+          <a:fillRef idx="1">
+            <a:schemeClr val="accent1"/>
+          </a:fillRef>
+          <a:effectRef idx="0">
+            <a:schemeClr val="accent1"/>
+          </a:effectRef>
+          <a:fontRef idx="minor">
+            <a:schemeClr val="lt1"/>
+          </a:fontRef>
+        </p:style>
+        <p:txBody>
+          <a:bodyPr rtlCol="0" anchor="ctr"/>
+          <a:lstStyle/>
+          <a:p>
+            <a:pPr algn="ctr"/>
+            <a:endParaRPr lang="zh-CN" altLang="en-US" dirty="0">
+              <a:solidFill>
+                <a:schemeClr val="tx1"/>
+              </a:solidFill>
+            </a:endParaRPr>
+          </a:p>
+        </p:txBody>
+      </p:sp>
+      <p:cxnSp>
+        <p:nvCxnSpPr>
+          <p:cNvPr id="33" name="直接箭头连接符 32">
+            <a:extLst>
+              <a:ext uri="{FF2B5EF4-FFF2-40B4-BE49-F238E27FC236}">
+                <a16:creationId xmlns:a16="http://schemas.microsoft.com/office/drawing/2014/main" id="{D42B3530-5BAB-4312-94F5-E306F39FBE51}"/>
+              </a:ext>
+            </a:extLst>
+          </p:cNvPr>
+          <p:cNvCxnSpPr/>
+          <p:nvPr/>
+        </p:nvCxnSpPr>
+        <p:spPr>
+          <a:xfrm>
+            <a:off x="4800600" y="3432175"/>
+            <a:ext cx="1295400" cy="0"/>
+          </a:xfrm>
+          <a:prstGeom prst="straightConnector1">
+            <a:avLst/>
+          </a:prstGeom>
+          <a:ln w="19050">
+            <a:solidFill>
+              <a:schemeClr val="tx1"/>
+            </a:solidFill>
+            <a:tailEnd type="triangle"/>
+          </a:ln>
+        </p:spPr>
+        <p:style>
+          <a:lnRef idx="1">
+            <a:schemeClr val="accent1"/>
+          </a:lnRef>
+          <a:fillRef idx="0">
+            <a:schemeClr val="accent1"/>
+          </a:fillRef>
+          <a:effectRef idx="0">
+            <a:schemeClr val="accent1"/>
+          </a:effectRef>
+          <a:fontRef idx="minor">
+            <a:schemeClr val="tx1"/>
+          </a:fontRef>
+        </p:style>
+      </p:cxnSp>
+      <p:sp>
+        <p:nvSpPr>
+          <p:cNvPr id="34" name="文本框 33">
+            <a:extLst>
+              <a:ext uri="{FF2B5EF4-FFF2-40B4-BE49-F238E27FC236}">
+                <a16:creationId xmlns:a16="http://schemas.microsoft.com/office/drawing/2014/main" id="{53D244E3-AEBE-4C1C-896A-C4E127E4BE71}"/>
+              </a:ext>
+            </a:extLst>
+          </p:cNvPr>
+          <p:cNvSpPr txBox="1"/>
+          <p:nvPr/>
+        </p:nvSpPr>
+        <p:spPr>
+          <a:xfrm>
+            <a:off x="4754510" y="2924178"/>
+            <a:ext cx="1338828" cy="369332"/>
+          </a:xfrm>
+          <a:prstGeom prst="rect">
+            <a:avLst/>
+          </a:prstGeom>
+          <a:noFill/>
+        </p:spPr>
+        <p:txBody>
+          <a:bodyPr wrap="none" rtlCol="0">
+            <a:spAutoFit/>
+          </a:bodyPr>
+          <a:lstStyle/>
+          <a:p>
+            <a:r>
+              <a:rPr lang="zh-CN" altLang="en-US" dirty="0"/>
+              <a:t>逆透视变换</a:t>
+            </a:r>
+          </a:p>
+        </p:txBody>
+      </p:sp>
+      <p:cxnSp>
+        <p:nvCxnSpPr>
+          <p:cNvPr id="38" name="直接箭头连接符 37">
+            <a:extLst>
+              <a:ext uri="{FF2B5EF4-FFF2-40B4-BE49-F238E27FC236}">
+                <a16:creationId xmlns:a16="http://schemas.microsoft.com/office/drawing/2014/main" id="{76DE8F9B-5188-439A-A16A-3EF3D9D7811B}"/>
+              </a:ext>
+            </a:extLst>
+          </p:cNvPr>
+          <p:cNvCxnSpPr/>
+          <p:nvPr/>
+        </p:nvCxnSpPr>
+        <p:spPr>
+          <a:xfrm>
+            <a:off x="9652000" y="3429000"/>
+            <a:ext cx="1295400" cy="0"/>
+          </a:xfrm>
+          <a:prstGeom prst="straightConnector1">
+            <a:avLst/>
+          </a:prstGeom>
+          <a:ln w="19050">
+            <a:solidFill>
+              <a:schemeClr val="tx1"/>
+            </a:solidFill>
+            <a:tailEnd type="triangle"/>
+          </a:ln>
+        </p:spPr>
+        <p:style>
+          <a:lnRef idx="1">
+            <a:schemeClr val="accent1"/>
+          </a:lnRef>
+          <a:fillRef idx="0">
+            <a:schemeClr val="accent1"/>
+          </a:fillRef>
+          <a:effectRef idx="0">
+            <a:schemeClr val="accent1"/>
+          </a:effectRef>
+          <a:fontRef idx="minor">
+            <a:schemeClr val="tx1"/>
+          </a:fontRef>
+        </p:style>
+      </p:cxnSp>
+      <p:sp>
+        <p:nvSpPr>
+          <p:cNvPr id="39" name="文本框 38">
+            <a:extLst>
+              <a:ext uri="{FF2B5EF4-FFF2-40B4-BE49-F238E27FC236}">
+                <a16:creationId xmlns:a16="http://schemas.microsoft.com/office/drawing/2014/main" id="{F9D819F6-EEF8-43D4-A01D-F91BE05C197D}"/>
+              </a:ext>
+            </a:extLst>
+          </p:cNvPr>
+          <p:cNvSpPr txBox="1"/>
+          <p:nvPr/>
+        </p:nvSpPr>
+        <p:spPr>
+          <a:xfrm>
+            <a:off x="9817100" y="2757269"/>
+            <a:ext cx="1130300" cy="646331"/>
+          </a:xfrm>
+          <a:prstGeom prst="rect">
+            <a:avLst/>
+          </a:prstGeom>
+          <a:noFill/>
+        </p:spPr>
+        <p:txBody>
+          <a:bodyPr wrap="square" rtlCol="0">
+            <a:spAutoFit/>
+          </a:bodyPr>
+          <a:lstStyle/>
+          <a:p>
+            <a:r>
+              <a:rPr lang="zh-CN" altLang="en-US" dirty="0"/>
+              <a:t>处理得到导航参数</a:t>
+            </a:r>
+          </a:p>
+        </p:txBody>
+      </p:sp>
+    </p:spTree>
+    <p:extLst>
+      <p:ext uri="{BB962C8B-B14F-4D97-AF65-F5344CB8AC3E}">
+        <p14:creationId xmlns:p14="http://schemas.microsoft.com/office/powerpoint/2010/main" val="2073283311"/>
+      </p:ext>
+    </p:extLst>
+  </p:cSld>
+  <p:clrMapOvr>
+    <a:masterClrMapping/>
+  </p:clrMapOvr>
+</p:sld>
+</file>
+
+<file path=ppt/slides/slide11.xml><?xml version="1.0" encoding="utf-8"?>
+<p:sld xmlns:a="http://schemas.openxmlformats.org/drawingml/2006/main" xmlns:r="http://schemas.openxmlformats.org/officeDocument/2006/relationships" xmlns:p="http://schemas.openxmlformats.org/presentationml/2006/main">
+  <p:cSld>
+    <p:spTree>
+      <p:nvGrpSpPr>
+        <p:cNvPr id="1" name=""/>
+        <p:cNvGrpSpPr/>
+        <p:nvPr/>
+      </p:nvGrpSpPr>
+      <p:grpSpPr>
+        <a:xfrm>
+          <a:off x="0" y="0"/>
+          <a:ext cx="0" cy="0"/>
+          <a:chOff x="0" y="0"/>
+          <a:chExt cx="0" cy="0"/>
+        </a:xfrm>
+      </p:grpSpPr>
+      <p:cxnSp>
+        <p:nvCxnSpPr>
+          <p:cNvPr id="17" name="直接箭头连接符 16">
+            <a:extLst>
+              <a:ext uri="{FF2B5EF4-FFF2-40B4-BE49-F238E27FC236}">
+                <a16:creationId xmlns:a16="http://schemas.microsoft.com/office/drawing/2014/main" id="{878044BF-7A8F-46A7-A1DD-B718CDE4699A}"/>
+              </a:ext>
+            </a:extLst>
+          </p:cNvPr>
+          <p:cNvCxnSpPr>
+            <a:cxnSpLocks/>
+          </p:cNvCxnSpPr>
+          <p:nvPr/>
+        </p:nvCxnSpPr>
+        <p:spPr>
+          <a:xfrm>
             <a:off x="8597900" y="2597150"/>
             <a:ext cx="482600" cy="1600200"/>
           </a:xfrm>
@@ -11372,1460 +12035,106 @@
           <a:chExt cx="0" cy="0"/>
         </a:xfrm>
       </p:grpSpPr>
-      <p:sp>
-        <p:nvSpPr>
-          <p:cNvPr id="4" name="矩形 3">
-            <a:extLst>
-              <a:ext uri="{FF2B5EF4-FFF2-40B4-BE49-F238E27FC236}">
-                <a16:creationId xmlns:a16="http://schemas.microsoft.com/office/drawing/2014/main" id="{1042FC63-08BC-4C6B-B48A-F8296558E598}"/>
-              </a:ext>
-            </a:extLst>
-          </p:cNvPr>
-          <p:cNvSpPr/>
-          <p:nvPr/>
-        </p:nvSpPr>
-        <p:spPr>
-          <a:xfrm>
-            <a:off x="5262479" y="1228735"/>
-            <a:ext cx="1652874" cy="483712"/>
-          </a:xfrm>
-          <a:prstGeom prst="rect">
-            <a:avLst/>
-          </a:prstGeom>
-          <a:noFill/>
-          <a:ln>
-            <a:solidFill>
-              <a:schemeClr val="tx1"/>
-            </a:solidFill>
-          </a:ln>
-        </p:spPr>
-        <p:style>
-          <a:lnRef idx="2">
-            <a:schemeClr val="accent1">
-              <a:shade val="50000"/>
-            </a:schemeClr>
-          </a:lnRef>
-          <a:fillRef idx="1">
-            <a:schemeClr val="accent1"/>
-          </a:fillRef>
-          <a:effectRef idx="0">
-            <a:schemeClr val="accent1"/>
-          </a:effectRef>
-          <a:fontRef idx="minor">
-            <a:schemeClr val="lt1"/>
-          </a:fontRef>
-        </p:style>
-        <p:txBody>
-          <a:bodyPr rot="0" spcFirstLastPara="0" vertOverflow="overflow" horzOverflow="overflow" vert="horz" wrap="square" lIns="91440" tIns="45720" rIns="91440" bIns="45720" numCol="1" spcCol="0" rtlCol="0" fromWordArt="0" anchor="ctr" anchorCtr="0" forceAA="0" compatLnSpc="1">
-            <a:prstTxWarp prst="textNoShape">
+      <p:grpSp>
+        <p:nvGrpSpPr>
+          <p:cNvPr id="9" name="组合 8"/>
+          <p:cNvGrpSpPr/>
+          <p:nvPr/>
+        </p:nvGrpSpPr>
+        <p:grpSpPr>
+          <a:xfrm>
+            <a:off x="742203" y="799733"/>
+            <a:ext cx="10707594" cy="5258534"/>
+            <a:chOff x="742203" y="799733"/>
+            <a:chExt cx="10707594" cy="5258534"/>
+          </a:xfrm>
+        </p:grpSpPr>
+        <p:pic>
+          <p:nvPicPr>
+            <p:cNvPr id="8" name="图片 7" descr="屏幕剪辑"/>
+            <p:cNvPicPr>
+              <a:picLocks noChangeAspect="1"/>
+            </p:cNvPicPr>
+            <p:nvPr/>
+          </p:nvPicPr>
+          <p:blipFill>
+            <a:blip r:embed="rId2">
+              <a:extLst>
+                <a:ext uri="{28A0092B-C50C-407E-A947-70E740481C1C}">
+                  <a14:useLocalDpi xmlns:a14="http://schemas.microsoft.com/office/drawing/2010/main" val="0"/>
+                </a:ext>
+              </a:extLst>
+            </a:blip>
+            <a:stretch>
+              <a:fillRect/>
+            </a:stretch>
+          </p:blipFill>
+          <p:spPr>
+            <a:xfrm>
+              <a:off x="742203" y="799733"/>
+              <a:ext cx="10707594" cy="5258534"/>
+            </a:xfrm>
+            <a:prstGeom prst="rect">
               <a:avLst/>
-            </a:prstTxWarp>
-            <a:noAutofit/>
-          </a:bodyPr>
-          <a:lstStyle/>
-          <a:p>
-            <a:pPr algn="ctr"/>
-            <a:r>
-              <a:rPr lang="zh-CN" altLang="en-US" dirty="0">
+            </a:prstGeom>
+          </p:spPr>
+        </p:pic>
+        <p:sp>
+          <p:nvSpPr>
+            <p:cNvPr id="5" name="矩形 4"/>
+            <p:cNvSpPr/>
+            <p:nvPr/>
+          </p:nvSpPr>
+          <p:spPr>
+            <a:xfrm>
+              <a:off x="2809875" y="1300765"/>
+              <a:ext cx="6965190" cy="4572001"/>
+            </a:xfrm>
+            <a:prstGeom prst="rect">
+              <a:avLst/>
+            </a:prstGeom>
+            <a:noFill/>
+            <a:ln>
+              <a:solidFill>
+                <a:schemeClr val="tx1"/>
+              </a:solidFill>
+              <a:prstDash val="dash"/>
+            </a:ln>
+          </p:spPr>
+          <p:style>
+            <a:lnRef idx="2">
+              <a:schemeClr val="accent1">
+                <a:shade val="50000"/>
+              </a:schemeClr>
+            </a:lnRef>
+            <a:fillRef idx="1">
+              <a:schemeClr val="accent1"/>
+            </a:fillRef>
+            <a:effectRef idx="0">
+              <a:schemeClr val="accent1"/>
+            </a:effectRef>
+            <a:fontRef idx="minor">
+              <a:schemeClr val="lt1"/>
+            </a:fontRef>
+          </p:style>
+          <p:txBody>
+            <a:bodyPr rtlCol="0" anchor="ctr"/>
+            <a:lstStyle/>
+            <a:p>
+              <a:pPr algn="ctr"/>
+              <a:endParaRPr lang="zh-CN" altLang="en-US" dirty="0" smtClean="0">
                 <a:solidFill>
                   <a:schemeClr val="tx1"/>
                 </a:solidFill>
-              </a:rPr>
-              <a:t>灰度转换</a:t>
-            </a:r>
-          </a:p>
-        </p:txBody>
-      </p:sp>
-      <p:sp>
-        <p:nvSpPr>
-          <p:cNvPr id="6" name="矩形 5">
-            <a:extLst>
-              <a:ext uri="{FF2B5EF4-FFF2-40B4-BE49-F238E27FC236}">
-                <a16:creationId xmlns:a16="http://schemas.microsoft.com/office/drawing/2014/main" id="{4EA74A79-44BE-4AC2-8F92-0012400B9E07}"/>
-              </a:ext>
-            </a:extLst>
-          </p:cNvPr>
-          <p:cNvSpPr/>
-          <p:nvPr/>
-        </p:nvSpPr>
-        <p:spPr>
-          <a:xfrm>
-            <a:off x="5262482" y="390490"/>
-            <a:ext cx="1652873" cy="483712"/>
-          </a:xfrm>
-          <a:prstGeom prst="rect">
-            <a:avLst/>
-          </a:prstGeom>
-          <a:noFill/>
-          <a:ln>
-            <a:solidFill>
-              <a:schemeClr val="tx1"/>
-            </a:solidFill>
-          </a:ln>
-        </p:spPr>
-        <p:style>
-          <a:lnRef idx="2">
-            <a:schemeClr val="accent1">
-              <a:shade val="50000"/>
-            </a:schemeClr>
-          </a:lnRef>
-          <a:fillRef idx="1">
-            <a:schemeClr val="accent1"/>
-          </a:fillRef>
-          <a:effectRef idx="0">
-            <a:schemeClr val="accent1"/>
-          </a:effectRef>
-          <a:fontRef idx="minor">
-            <a:schemeClr val="lt1"/>
-          </a:fontRef>
-        </p:style>
-        <p:txBody>
-          <a:bodyPr rot="0" spcFirstLastPara="0" vertOverflow="overflow" horzOverflow="overflow" vert="horz" wrap="square" lIns="91440" tIns="45720" rIns="91440" bIns="45720" numCol="1" spcCol="0" rtlCol="0" fromWordArt="0" anchor="ctr" anchorCtr="0" forceAA="0" compatLnSpc="1">
-            <a:prstTxWarp prst="textNoShape">
-              <a:avLst/>
-            </a:prstTxWarp>
-            <a:noAutofit/>
-          </a:bodyPr>
-          <a:lstStyle/>
-          <a:p>
-            <a:pPr algn="ctr"/>
-            <a:r>
-              <a:rPr lang="en-US" altLang="zh-CN" dirty="0">
-                <a:solidFill>
-                  <a:schemeClr val="tx1"/>
-                </a:solidFill>
-              </a:rPr>
-              <a:t>(ROI</a:t>
-            </a:r>
-            <a:r>
-              <a:rPr lang="zh-CN" altLang="en-US" dirty="0">
-                <a:solidFill>
-                  <a:schemeClr val="tx1"/>
-                </a:solidFill>
-              </a:rPr>
-              <a:t>等预处理</a:t>
-            </a:r>
-            <a:r>
-              <a:rPr lang="en-US" altLang="zh-CN" dirty="0">
-                <a:solidFill>
-                  <a:schemeClr val="tx1"/>
-                </a:solidFill>
-              </a:rPr>
-              <a:t>)</a:t>
-            </a:r>
-            <a:endParaRPr lang="zh-CN" altLang="en-US" dirty="0">
-              <a:solidFill>
-                <a:schemeClr val="tx1"/>
-              </a:solidFill>
-            </a:endParaRPr>
-          </a:p>
-        </p:txBody>
-      </p:sp>
-      <p:sp>
-        <p:nvSpPr>
-          <p:cNvPr id="7" name="矩形 6">
-            <a:extLst>
-              <a:ext uri="{FF2B5EF4-FFF2-40B4-BE49-F238E27FC236}">
-                <a16:creationId xmlns:a16="http://schemas.microsoft.com/office/drawing/2014/main" id="{97FFCD26-C264-48FF-8191-81F00266747B}"/>
-              </a:ext>
-            </a:extLst>
-          </p:cNvPr>
-          <p:cNvSpPr/>
-          <p:nvPr/>
-        </p:nvSpPr>
-        <p:spPr>
-          <a:xfrm>
-            <a:off x="5262482" y="2066980"/>
-            <a:ext cx="1652873" cy="483712"/>
-          </a:xfrm>
-          <a:prstGeom prst="rect">
-            <a:avLst/>
-          </a:prstGeom>
-          <a:noFill/>
-          <a:ln>
-            <a:solidFill>
-              <a:schemeClr val="tx1"/>
-            </a:solidFill>
-          </a:ln>
-        </p:spPr>
-        <p:style>
-          <a:lnRef idx="2">
-            <a:schemeClr val="accent1">
-              <a:shade val="50000"/>
-            </a:schemeClr>
-          </a:lnRef>
-          <a:fillRef idx="1">
-            <a:schemeClr val="accent1"/>
-          </a:fillRef>
-          <a:effectRef idx="0">
-            <a:schemeClr val="accent1"/>
-          </a:effectRef>
-          <a:fontRef idx="minor">
-            <a:schemeClr val="lt1"/>
-          </a:fontRef>
-        </p:style>
-        <p:txBody>
-          <a:bodyPr rot="0" spcFirstLastPara="0" vertOverflow="overflow" horzOverflow="overflow" vert="horz" wrap="square" lIns="91440" tIns="45720" rIns="91440" bIns="45720" numCol="1" spcCol="0" rtlCol="0" fromWordArt="0" anchor="ctr" anchorCtr="0" forceAA="0" compatLnSpc="1">
-            <a:prstTxWarp prst="textNoShape">
-              <a:avLst/>
-            </a:prstTxWarp>
-            <a:noAutofit/>
-          </a:bodyPr>
-          <a:lstStyle/>
-          <a:p>
-            <a:pPr algn="ctr"/>
-            <a:r>
-              <a:rPr lang="zh-CN" altLang="en-US" dirty="0">
-                <a:solidFill>
-                  <a:schemeClr val="tx1"/>
-                </a:solidFill>
-              </a:rPr>
-              <a:t>分割</a:t>
-            </a:r>
-          </a:p>
-        </p:txBody>
-      </p:sp>
-      <p:sp>
-        <p:nvSpPr>
-          <p:cNvPr id="8" name="矩形 7">
-            <a:extLst>
-              <a:ext uri="{FF2B5EF4-FFF2-40B4-BE49-F238E27FC236}">
-                <a16:creationId xmlns:a16="http://schemas.microsoft.com/office/drawing/2014/main" id="{DF17E8FB-15D2-4C59-A126-E7FE569C5398}"/>
-              </a:ext>
-            </a:extLst>
-          </p:cNvPr>
-          <p:cNvSpPr/>
-          <p:nvPr/>
-        </p:nvSpPr>
-        <p:spPr>
-          <a:xfrm>
-            <a:off x="5262478" y="2905225"/>
-            <a:ext cx="1652874" cy="483712"/>
-          </a:xfrm>
-          <a:prstGeom prst="rect">
-            <a:avLst/>
-          </a:prstGeom>
-          <a:noFill/>
-          <a:ln>
-            <a:solidFill>
-              <a:schemeClr val="tx1"/>
-            </a:solidFill>
-          </a:ln>
-        </p:spPr>
-        <p:style>
-          <a:lnRef idx="2">
-            <a:schemeClr val="accent1">
-              <a:shade val="50000"/>
-            </a:schemeClr>
-          </a:lnRef>
-          <a:fillRef idx="1">
-            <a:schemeClr val="accent1"/>
-          </a:fillRef>
-          <a:effectRef idx="0">
-            <a:schemeClr val="accent1"/>
-          </a:effectRef>
-          <a:fontRef idx="minor">
-            <a:schemeClr val="lt1"/>
-          </a:fontRef>
-        </p:style>
-        <p:txBody>
-          <a:bodyPr rot="0" spcFirstLastPara="0" vertOverflow="overflow" horzOverflow="overflow" vert="horz" wrap="square" lIns="91440" tIns="45720" rIns="91440" bIns="45720" numCol="1" spcCol="0" rtlCol="0" fromWordArt="0" anchor="ctr" anchorCtr="0" forceAA="0" compatLnSpc="1">
-            <a:prstTxWarp prst="textNoShape">
-              <a:avLst/>
-            </a:prstTxWarp>
-            <a:noAutofit/>
-          </a:bodyPr>
-          <a:lstStyle/>
-          <a:p>
-            <a:pPr algn="ctr"/>
-            <a:r>
-              <a:rPr lang="en-US" altLang="zh-CN" dirty="0">
-                <a:solidFill>
-                  <a:schemeClr val="tx1"/>
-                </a:solidFill>
-              </a:rPr>
-              <a:t>(</a:t>
-            </a:r>
-            <a:r>
-              <a:rPr lang="zh-CN" altLang="en-US" dirty="0">
-                <a:solidFill>
-                  <a:schemeClr val="tx1"/>
-                </a:solidFill>
-              </a:rPr>
-              <a:t>去噪</a:t>
-            </a:r>
-            <a:r>
-              <a:rPr lang="en-US" altLang="zh-CN" dirty="0">
-                <a:solidFill>
-                  <a:schemeClr val="tx1"/>
-                </a:solidFill>
-              </a:rPr>
-              <a:t>)</a:t>
-            </a:r>
-            <a:endParaRPr lang="zh-CN" altLang="en-US" dirty="0">
-              <a:solidFill>
-                <a:schemeClr val="tx1"/>
-              </a:solidFill>
-            </a:endParaRPr>
-          </a:p>
-        </p:txBody>
-      </p:sp>
-      <p:sp>
-        <p:nvSpPr>
-          <p:cNvPr id="9" name="矩形 8">
-            <a:extLst>
-              <a:ext uri="{FF2B5EF4-FFF2-40B4-BE49-F238E27FC236}">
-                <a16:creationId xmlns:a16="http://schemas.microsoft.com/office/drawing/2014/main" id="{91C85829-5B1A-48D8-BC5E-A412D9EE4EF2}"/>
-              </a:ext>
-            </a:extLst>
-          </p:cNvPr>
-          <p:cNvSpPr/>
-          <p:nvPr/>
-        </p:nvSpPr>
-        <p:spPr>
-          <a:xfrm>
-            <a:off x="5262478" y="3743470"/>
-            <a:ext cx="1652874" cy="483712"/>
-          </a:xfrm>
-          <a:prstGeom prst="rect">
-            <a:avLst/>
-          </a:prstGeom>
-          <a:noFill/>
-          <a:ln>
-            <a:solidFill>
-              <a:schemeClr val="tx1"/>
-            </a:solidFill>
-          </a:ln>
-        </p:spPr>
-        <p:style>
-          <a:lnRef idx="2">
-            <a:schemeClr val="accent1">
-              <a:shade val="50000"/>
-            </a:schemeClr>
-          </a:lnRef>
-          <a:fillRef idx="1">
-            <a:schemeClr val="accent1"/>
-          </a:fillRef>
-          <a:effectRef idx="0">
-            <a:schemeClr val="accent1"/>
-          </a:effectRef>
-          <a:fontRef idx="minor">
-            <a:schemeClr val="lt1"/>
-          </a:fontRef>
-        </p:style>
-        <p:txBody>
-          <a:bodyPr rot="0" spcFirstLastPara="0" vertOverflow="overflow" horzOverflow="overflow" vert="horz" wrap="square" lIns="91440" tIns="45720" rIns="91440" bIns="45720" numCol="1" spcCol="0" rtlCol="0" fromWordArt="0" anchor="ctr" anchorCtr="0" forceAA="0" compatLnSpc="1">
-            <a:prstTxWarp prst="textNoShape">
-              <a:avLst/>
-            </a:prstTxWarp>
-            <a:noAutofit/>
-          </a:bodyPr>
-          <a:lstStyle/>
-          <a:p>
-            <a:pPr algn="ctr"/>
-            <a:r>
-              <a:rPr lang="zh-CN" altLang="en-US" dirty="0">
-                <a:solidFill>
-                  <a:schemeClr val="tx1"/>
-                </a:solidFill>
-              </a:rPr>
-              <a:t>（特征点提取）</a:t>
-            </a:r>
-          </a:p>
-        </p:txBody>
-      </p:sp>
-      <p:sp>
-        <p:nvSpPr>
-          <p:cNvPr id="10" name="矩形 9">
-            <a:extLst>
-              <a:ext uri="{FF2B5EF4-FFF2-40B4-BE49-F238E27FC236}">
-                <a16:creationId xmlns:a16="http://schemas.microsoft.com/office/drawing/2014/main" id="{B3FF8CE1-EB89-4295-9400-20A5C14D59CA}"/>
-              </a:ext>
-            </a:extLst>
-          </p:cNvPr>
-          <p:cNvSpPr/>
-          <p:nvPr/>
-        </p:nvSpPr>
-        <p:spPr>
-          <a:xfrm>
-            <a:off x="5262478" y="4581715"/>
-            <a:ext cx="1652874" cy="483712"/>
-          </a:xfrm>
-          <a:prstGeom prst="rect">
-            <a:avLst/>
-          </a:prstGeom>
-          <a:noFill/>
-          <a:ln>
-            <a:solidFill>
-              <a:schemeClr val="tx1"/>
-            </a:solidFill>
-          </a:ln>
-        </p:spPr>
-        <p:style>
-          <a:lnRef idx="2">
-            <a:schemeClr val="accent1">
-              <a:shade val="50000"/>
-            </a:schemeClr>
-          </a:lnRef>
-          <a:fillRef idx="1">
-            <a:schemeClr val="accent1"/>
-          </a:fillRef>
-          <a:effectRef idx="0">
-            <a:schemeClr val="accent1"/>
-          </a:effectRef>
-          <a:fontRef idx="minor">
-            <a:schemeClr val="lt1"/>
-          </a:fontRef>
-        </p:style>
-        <p:txBody>
-          <a:bodyPr rot="0" spcFirstLastPara="0" vertOverflow="overflow" horzOverflow="overflow" vert="horz" wrap="square" lIns="91440" tIns="45720" rIns="91440" bIns="45720" numCol="1" spcCol="0" rtlCol="0" fromWordArt="0" anchor="ctr" anchorCtr="0" forceAA="0" compatLnSpc="1">
-            <a:prstTxWarp prst="textNoShape">
-              <a:avLst/>
-            </a:prstTxWarp>
-            <a:noAutofit/>
-          </a:bodyPr>
-          <a:lstStyle/>
-          <a:p>
-            <a:pPr algn="ctr"/>
-            <a:r>
-              <a:rPr lang="zh-CN" altLang="en-US" dirty="0">
-                <a:solidFill>
-                  <a:schemeClr val="tx1"/>
-                </a:solidFill>
-              </a:rPr>
-              <a:t>特征点聚类</a:t>
-            </a:r>
-          </a:p>
-        </p:txBody>
-      </p:sp>
-      <p:sp>
-        <p:nvSpPr>
-          <p:cNvPr id="11" name="矩形 10">
-            <a:extLst>
-              <a:ext uri="{FF2B5EF4-FFF2-40B4-BE49-F238E27FC236}">
-                <a16:creationId xmlns:a16="http://schemas.microsoft.com/office/drawing/2014/main" id="{4286C554-8252-4804-8560-AF5418DE7CC6}"/>
-              </a:ext>
-            </a:extLst>
-          </p:cNvPr>
-          <p:cNvSpPr/>
-          <p:nvPr/>
-        </p:nvSpPr>
-        <p:spPr>
-          <a:xfrm>
-            <a:off x="5262478" y="5419960"/>
-            <a:ext cx="1652874" cy="483712"/>
-          </a:xfrm>
-          <a:prstGeom prst="rect">
-            <a:avLst/>
-          </a:prstGeom>
-          <a:noFill/>
-          <a:ln>
-            <a:solidFill>
-              <a:schemeClr val="tx1"/>
-            </a:solidFill>
-          </a:ln>
-        </p:spPr>
-        <p:style>
-          <a:lnRef idx="2">
-            <a:schemeClr val="accent1">
-              <a:shade val="50000"/>
-            </a:schemeClr>
-          </a:lnRef>
-          <a:fillRef idx="1">
-            <a:schemeClr val="accent1"/>
-          </a:fillRef>
-          <a:effectRef idx="0">
-            <a:schemeClr val="accent1"/>
-          </a:effectRef>
-          <a:fontRef idx="minor">
-            <a:schemeClr val="lt1"/>
-          </a:fontRef>
-        </p:style>
-        <p:txBody>
-          <a:bodyPr rot="0" spcFirstLastPara="0" vertOverflow="overflow" horzOverflow="overflow" vert="horz" wrap="square" lIns="91440" tIns="45720" rIns="91440" bIns="45720" numCol="1" spcCol="0" rtlCol="0" fromWordArt="0" anchor="ctr" anchorCtr="0" forceAA="0" compatLnSpc="1">
-            <a:prstTxWarp prst="textNoShape">
-              <a:avLst/>
-            </a:prstTxWarp>
-            <a:noAutofit/>
-          </a:bodyPr>
-          <a:lstStyle/>
-          <a:p>
-            <a:pPr algn="ctr"/>
-            <a:r>
-              <a:rPr lang="zh-CN" altLang="en-US" dirty="0">
-                <a:solidFill>
-                  <a:schemeClr val="tx1"/>
-                </a:solidFill>
-              </a:rPr>
-              <a:t>导航线线拟合</a:t>
-            </a:r>
-          </a:p>
-        </p:txBody>
-      </p:sp>
-      <p:sp>
-        <p:nvSpPr>
-          <p:cNvPr id="12" name="矩形 11">
-            <a:extLst>
-              <a:ext uri="{FF2B5EF4-FFF2-40B4-BE49-F238E27FC236}">
-                <a16:creationId xmlns:a16="http://schemas.microsoft.com/office/drawing/2014/main" id="{11B54470-4B49-4651-9054-7AE95D31E473}"/>
-              </a:ext>
-            </a:extLst>
-          </p:cNvPr>
-          <p:cNvSpPr/>
-          <p:nvPr/>
-        </p:nvSpPr>
-        <p:spPr>
-          <a:xfrm>
-            <a:off x="4313139" y="3779560"/>
-            <a:ext cx="768489" cy="483712"/>
-          </a:xfrm>
-          <a:prstGeom prst="rect">
-            <a:avLst/>
-          </a:prstGeom>
-          <a:noFill/>
-          <a:ln>
-            <a:solidFill>
-              <a:schemeClr val="tx1"/>
-            </a:solidFill>
-          </a:ln>
-        </p:spPr>
-        <p:style>
-          <a:lnRef idx="2">
-            <a:schemeClr val="accent1">
-              <a:shade val="50000"/>
-            </a:schemeClr>
-          </a:lnRef>
-          <a:fillRef idx="1">
-            <a:schemeClr val="accent1"/>
-          </a:fillRef>
-          <a:effectRef idx="0">
-            <a:schemeClr val="accent1"/>
-          </a:effectRef>
-          <a:fontRef idx="minor">
-            <a:schemeClr val="lt1"/>
-          </a:fontRef>
-        </p:style>
-        <p:txBody>
-          <a:bodyPr rot="0" spcFirstLastPara="0" vertOverflow="overflow" horzOverflow="overflow" vert="horz" wrap="square" lIns="91440" tIns="45720" rIns="91440" bIns="45720" numCol="1" spcCol="0" rtlCol="0" fromWordArt="0" anchor="ctr" anchorCtr="0" forceAA="0" compatLnSpc="1">
-            <a:prstTxWarp prst="textNoShape">
-              <a:avLst/>
-            </a:prstTxWarp>
-            <a:noAutofit/>
-          </a:bodyPr>
-          <a:lstStyle/>
-          <a:p>
-            <a:pPr algn="ctr"/>
-            <a:r>
-              <a:rPr lang="zh-CN" altLang="en-US" dirty="0">
-                <a:solidFill>
-                  <a:schemeClr val="tx1"/>
-                </a:solidFill>
-              </a:rPr>
-              <a:t>其他</a:t>
-            </a:r>
-          </a:p>
-        </p:txBody>
-      </p:sp>
-      <p:sp>
-        <p:nvSpPr>
-          <p:cNvPr id="13" name="矩形 12">
-            <a:extLst>
-              <a:ext uri="{FF2B5EF4-FFF2-40B4-BE49-F238E27FC236}">
-                <a16:creationId xmlns:a16="http://schemas.microsoft.com/office/drawing/2014/main" id="{F481CAB3-D8AD-47EB-B125-281544C869A9}"/>
-              </a:ext>
-            </a:extLst>
-          </p:cNvPr>
-          <p:cNvSpPr/>
-          <p:nvPr/>
-        </p:nvSpPr>
-        <p:spPr>
-          <a:xfrm>
-            <a:off x="5262478" y="6258202"/>
-            <a:ext cx="1652874" cy="483712"/>
-          </a:xfrm>
-          <a:prstGeom prst="rect">
-            <a:avLst/>
-          </a:prstGeom>
-          <a:noFill/>
-          <a:ln>
-            <a:solidFill>
-              <a:schemeClr val="tx1"/>
-            </a:solidFill>
-          </a:ln>
-        </p:spPr>
-        <p:style>
-          <a:lnRef idx="2">
-            <a:schemeClr val="accent1">
-              <a:shade val="50000"/>
-            </a:schemeClr>
-          </a:lnRef>
-          <a:fillRef idx="1">
-            <a:schemeClr val="accent1"/>
-          </a:fillRef>
-          <a:effectRef idx="0">
-            <a:schemeClr val="accent1"/>
-          </a:effectRef>
-          <a:fontRef idx="minor">
-            <a:schemeClr val="lt1"/>
-          </a:fontRef>
-        </p:style>
-        <p:txBody>
-          <a:bodyPr rot="0" spcFirstLastPara="0" vertOverflow="overflow" horzOverflow="overflow" vert="horz" wrap="square" lIns="91440" tIns="45720" rIns="91440" bIns="45720" numCol="1" spcCol="0" rtlCol="0" fromWordArt="0" anchor="ctr" anchorCtr="0" forceAA="0" compatLnSpc="1">
-            <a:prstTxWarp prst="textNoShape">
-              <a:avLst/>
-            </a:prstTxWarp>
-            <a:noAutofit/>
-          </a:bodyPr>
-          <a:lstStyle/>
-          <a:p>
-            <a:pPr algn="ctr"/>
-            <a:r>
-              <a:rPr lang="zh-CN" altLang="en-US" dirty="0">
-                <a:solidFill>
-                  <a:schemeClr val="tx1"/>
-                </a:solidFill>
-              </a:rPr>
-              <a:t>导航参数</a:t>
-            </a:r>
-          </a:p>
-        </p:txBody>
-      </p:sp>
-      <p:sp>
-        <p:nvSpPr>
-          <p:cNvPr id="14" name="矩形 13">
-            <a:extLst>
-              <a:ext uri="{FF2B5EF4-FFF2-40B4-BE49-F238E27FC236}">
-                <a16:creationId xmlns:a16="http://schemas.microsoft.com/office/drawing/2014/main" id="{3D7D8551-4A93-4923-8183-D4E6425B069F}"/>
-              </a:ext>
-            </a:extLst>
-          </p:cNvPr>
-          <p:cNvSpPr/>
-          <p:nvPr/>
-        </p:nvSpPr>
-        <p:spPr>
-          <a:xfrm>
-            <a:off x="1330255" y="4462675"/>
-            <a:ext cx="1652874" cy="483712"/>
-          </a:xfrm>
-          <a:prstGeom prst="rect">
-            <a:avLst/>
-          </a:prstGeom>
-          <a:noFill/>
-          <a:ln>
-            <a:solidFill>
-              <a:schemeClr val="tx1"/>
-            </a:solidFill>
-          </a:ln>
-        </p:spPr>
-        <p:style>
-          <a:lnRef idx="2">
-            <a:schemeClr val="accent1">
-              <a:shade val="50000"/>
-            </a:schemeClr>
-          </a:lnRef>
-          <a:fillRef idx="1">
-            <a:schemeClr val="accent1"/>
-          </a:fillRef>
-          <a:effectRef idx="0">
-            <a:schemeClr val="accent1"/>
-          </a:effectRef>
-          <a:fontRef idx="minor">
-            <a:schemeClr val="lt1"/>
-          </a:fontRef>
-        </p:style>
-        <p:txBody>
-          <a:bodyPr rot="0" spcFirstLastPara="0" vertOverflow="overflow" horzOverflow="overflow" vert="horz" wrap="square" lIns="91440" tIns="45720" rIns="91440" bIns="45720" numCol="1" spcCol="0" rtlCol="0" fromWordArt="0" anchor="ctr" anchorCtr="0" forceAA="0" compatLnSpc="1">
-            <a:prstTxWarp prst="textNoShape">
-              <a:avLst/>
-            </a:prstTxWarp>
-            <a:noAutofit/>
-          </a:bodyPr>
-          <a:lstStyle/>
-          <a:p>
-            <a:pPr algn="ctr"/>
-            <a:r>
-              <a:rPr lang="zh-CN" altLang="en-US" dirty="0">
-                <a:solidFill>
-                  <a:schemeClr val="tx1"/>
-                </a:solidFill>
-              </a:rPr>
-              <a:t>机器学习</a:t>
-            </a:r>
-          </a:p>
-        </p:txBody>
-      </p:sp>
-      <p:sp>
-        <p:nvSpPr>
-          <p:cNvPr id="15" name="矩形 14">
-            <a:extLst>
-              <a:ext uri="{FF2B5EF4-FFF2-40B4-BE49-F238E27FC236}">
-                <a16:creationId xmlns:a16="http://schemas.microsoft.com/office/drawing/2014/main" id="{8C20CA5E-6E4E-4E4F-8D46-F7EB4B477674}"/>
-              </a:ext>
-            </a:extLst>
-          </p:cNvPr>
-          <p:cNvSpPr/>
-          <p:nvPr/>
-        </p:nvSpPr>
-        <p:spPr>
-          <a:xfrm>
-            <a:off x="1328509" y="3564912"/>
-            <a:ext cx="1652874" cy="483712"/>
-          </a:xfrm>
-          <a:prstGeom prst="rect">
-            <a:avLst/>
-          </a:prstGeom>
-          <a:noFill/>
-          <a:ln>
-            <a:solidFill>
-              <a:schemeClr val="tx1"/>
-            </a:solidFill>
-          </a:ln>
-        </p:spPr>
-        <p:style>
-          <a:lnRef idx="2">
-            <a:schemeClr val="accent1">
-              <a:shade val="50000"/>
-            </a:schemeClr>
-          </a:lnRef>
-          <a:fillRef idx="1">
-            <a:schemeClr val="accent1"/>
-          </a:fillRef>
-          <a:effectRef idx="0">
-            <a:schemeClr val="accent1"/>
-          </a:effectRef>
-          <a:fontRef idx="minor">
-            <a:schemeClr val="lt1"/>
-          </a:fontRef>
-        </p:style>
-        <p:txBody>
-          <a:bodyPr rot="0" spcFirstLastPara="0" vertOverflow="overflow" horzOverflow="overflow" vert="horz" wrap="square" lIns="91440" tIns="45720" rIns="91440" bIns="45720" numCol="1" spcCol="0" rtlCol="0" fromWordArt="0" anchor="ctr" anchorCtr="0" forceAA="0" compatLnSpc="1">
-            <a:prstTxWarp prst="textNoShape">
-              <a:avLst/>
-            </a:prstTxWarp>
-            <a:noAutofit/>
-          </a:bodyPr>
-          <a:lstStyle/>
-          <a:p>
-            <a:pPr algn="ctr"/>
-            <a:r>
-              <a:rPr lang="zh-CN" altLang="en-US" dirty="0">
-                <a:solidFill>
-                  <a:schemeClr val="tx1"/>
-                </a:solidFill>
-              </a:rPr>
-              <a:t>模板匹配</a:t>
-            </a:r>
-          </a:p>
-        </p:txBody>
-      </p:sp>
-      <p:cxnSp>
-        <p:nvCxnSpPr>
-          <p:cNvPr id="19" name="直接箭头连接符 18">
-            <a:extLst>
-              <a:ext uri="{FF2B5EF4-FFF2-40B4-BE49-F238E27FC236}">
-                <a16:creationId xmlns:a16="http://schemas.microsoft.com/office/drawing/2014/main" id="{C54B1FA9-B199-47F7-BC91-5EA26045AB93}"/>
-              </a:ext>
-            </a:extLst>
-          </p:cNvPr>
-          <p:cNvCxnSpPr>
-            <a:cxnSpLocks/>
-            <a:stCxn id="14" idx="3"/>
-            <a:endCxn id="11" idx="1"/>
-          </p:cNvCxnSpPr>
-          <p:nvPr/>
-        </p:nvCxnSpPr>
-        <p:spPr>
-          <a:xfrm>
-            <a:off x="2983129" y="4704531"/>
-            <a:ext cx="2279349" cy="957285"/>
-          </a:xfrm>
-          <a:prstGeom prst="straightConnector1">
-            <a:avLst/>
-          </a:prstGeom>
-          <a:ln>
-            <a:tailEnd type="triangle"/>
-          </a:ln>
-        </p:spPr>
-        <p:style>
-          <a:lnRef idx="1">
-            <a:schemeClr val="accent1"/>
-          </a:lnRef>
-          <a:fillRef idx="0">
-            <a:schemeClr val="accent1"/>
-          </a:fillRef>
-          <a:effectRef idx="0">
-            <a:schemeClr val="accent1"/>
-          </a:effectRef>
-          <a:fontRef idx="minor">
-            <a:schemeClr val="tx1"/>
-          </a:fontRef>
-        </p:style>
-      </p:cxnSp>
-      <p:cxnSp>
-        <p:nvCxnSpPr>
-          <p:cNvPr id="21" name="连接符: 肘形 20">
-            <a:extLst>
-              <a:ext uri="{FF2B5EF4-FFF2-40B4-BE49-F238E27FC236}">
-                <a16:creationId xmlns:a16="http://schemas.microsoft.com/office/drawing/2014/main" id="{CDC2DE1C-E83B-4EE4-831B-8FD129029FE8}"/>
-              </a:ext>
-            </a:extLst>
-          </p:cNvPr>
-          <p:cNvCxnSpPr>
-            <a:cxnSpLocks/>
-            <a:stCxn id="8" idx="1"/>
-            <a:endCxn id="12" idx="0"/>
-          </p:cNvCxnSpPr>
-          <p:nvPr/>
-        </p:nvCxnSpPr>
-        <p:spPr>
-          <a:xfrm rot="10800000" flipV="1">
-            <a:off x="4697385" y="3147083"/>
-            <a:ext cx="565097" cy="632479"/>
-          </a:xfrm>
-          <a:prstGeom prst="bentConnector2">
-            <a:avLst/>
-          </a:prstGeom>
-          <a:ln>
-            <a:tailEnd type="triangle"/>
-          </a:ln>
-        </p:spPr>
-        <p:style>
-          <a:lnRef idx="1">
-            <a:schemeClr val="accent1"/>
-          </a:lnRef>
-          <a:fillRef idx="0">
-            <a:schemeClr val="accent1"/>
-          </a:fillRef>
-          <a:effectRef idx="0">
-            <a:schemeClr val="accent1"/>
-          </a:effectRef>
-          <a:fontRef idx="minor">
-            <a:schemeClr val="tx1"/>
-          </a:fontRef>
-        </p:style>
-      </p:cxnSp>
-      <p:cxnSp>
-        <p:nvCxnSpPr>
-          <p:cNvPr id="26" name="直接箭头连接符 25">
-            <a:extLst>
-              <a:ext uri="{FF2B5EF4-FFF2-40B4-BE49-F238E27FC236}">
-                <a16:creationId xmlns:a16="http://schemas.microsoft.com/office/drawing/2014/main" id="{5627EE4F-BB3E-46ED-BF94-750628FC2628}"/>
-              </a:ext>
-            </a:extLst>
-          </p:cNvPr>
-          <p:cNvCxnSpPr>
-            <a:cxnSpLocks/>
-            <a:stCxn id="15" idx="3"/>
-            <a:endCxn id="11" idx="1"/>
-          </p:cNvCxnSpPr>
-          <p:nvPr/>
-        </p:nvCxnSpPr>
-        <p:spPr>
-          <a:xfrm>
-            <a:off x="2981383" y="3806768"/>
-            <a:ext cx="2281095" cy="1855048"/>
-          </a:xfrm>
-          <a:prstGeom prst="straightConnector1">
-            <a:avLst/>
-          </a:prstGeom>
-          <a:ln>
-            <a:tailEnd type="triangle"/>
-          </a:ln>
-        </p:spPr>
-        <p:style>
-          <a:lnRef idx="1">
-            <a:schemeClr val="accent1"/>
-          </a:lnRef>
-          <a:fillRef idx="0">
-            <a:schemeClr val="accent1"/>
-          </a:fillRef>
-          <a:effectRef idx="0">
-            <a:schemeClr val="accent1"/>
-          </a:effectRef>
-          <a:fontRef idx="minor">
-            <a:schemeClr val="tx1"/>
-          </a:fontRef>
-        </p:style>
-      </p:cxnSp>
-      <p:sp>
-        <p:nvSpPr>
-          <p:cNvPr id="33" name="文本框 32">
-            <a:extLst>
-              <a:ext uri="{FF2B5EF4-FFF2-40B4-BE49-F238E27FC236}">
-                <a16:creationId xmlns:a16="http://schemas.microsoft.com/office/drawing/2014/main" id="{F4EC1504-ECDC-4B86-B118-76FCB3FA363D}"/>
-              </a:ext>
-            </a:extLst>
-          </p:cNvPr>
-          <p:cNvSpPr txBox="1"/>
-          <p:nvPr/>
-        </p:nvSpPr>
-        <p:spPr>
-          <a:xfrm>
-            <a:off x="8453838" y="499463"/>
-            <a:ext cx="3606800" cy="1754326"/>
-          </a:xfrm>
-          <a:prstGeom prst="rect">
-            <a:avLst/>
-          </a:prstGeom>
-          <a:noFill/>
-        </p:spPr>
-        <p:txBody>
-          <a:bodyPr wrap="square" rtlCol="0">
-            <a:spAutoFit/>
-          </a:bodyPr>
-          <a:lstStyle/>
-          <a:p>
-            <a:r>
-              <a:rPr lang="zh-CN" altLang="en-US" dirty="0"/>
-              <a:t>对象：轨迹、作物、分界线</a:t>
-            </a:r>
-            <a:endParaRPr lang="en-US" altLang="zh-CN" dirty="0"/>
-          </a:p>
-          <a:p>
-            <a:r>
-              <a:rPr lang="zh-CN" altLang="en-US" dirty="0"/>
-              <a:t>不同生长时期</a:t>
-            </a:r>
-            <a:endParaRPr lang="en-US" altLang="zh-CN" dirty="0"/>
-          </a:p>
-          <a:p>
-            <a:r>
-              <a:rPr lang="zh-CN" altLang="en-US" dirty="0"/>
-              <a:t>不同天气环境</a:t>
-            </a:r>
-            <a:endParaRPr lang="en-US" altLang="zh-CN" dirty="0"/>
-          </a:p>
-          <a:p>
-            <a:endParaRPr lang="en-US" altLang="zh-CN" dirty="0"/>
-          </a:p>
-          <a:p>
-            <a:r>
-              <a:rPr lang="zh-CN" altLang="en-US" dirty="0"/>
-              <a:t>水田、旱地</a:t>
-            </a:r>
-            <a:endParaRPr lang="en-US" altLang="zh-CN" dirty="0"/>
-          </a:p>
-          <a:p>
-            <a:endParaRPr lang="en-US" altLang="zh-CN" dirty="0"/>
-          </a:p>
-        </p:txBody>
-      </p:sp>
-      <p:sp>
-        <p:nvSpPr>
-          <p:cNvPr id="34" name="文本框 33">
-            <a:extLst>
-              <a:ext uri="{FF2B5EF4-FFF2-40B4-BE49-F238E27FC236}">
-                <a16:creationId xmlns:a16="http://schemas.microsoft.com/office/drawing/2014/main" id="{6B0C7FE7-3A99-42E0-AAEB-602040D8B6FA}"/>
-              </a:ext>
-            </a:extLst>
-          </p:cNvPr>
-          <p:cNvSpPr txBox="1"/>
-          <p:nvPr/>
-        </p:nvSpPr>
-        <p:spPr>
-          <a:xfrm>
-            <a:off x="8453838" y="2216896"/>
-            <a:ext cx="3606800" cy="369332"/>
-          </a:xfrm>
-          <a:prstGeom prst="rect">
-            <a:avLst/>
-          </a:prstGeom>
-          <a:noFill/>
-        </p:spPr>
-        <p:txBody>
-          <a:bodyPr wrap="square" rtlCol="0">
-            <a:spAutoFit/>
-          </a:bodyPr>
-          <a:lstStyle/>
-          <a:p>
-            <a:r>
-              <a:rPr lang="zh-CN" altLang="en-US" dirty="0"/>
-              <a:t>精度</a:t>
-            </a:r>
-            <a:endParaRPr lang="en-US" altLang="zh-CN" dirty="0"/>
-          </a:p>
-        </p:txBody>
-      </p:sp>
-      <p:sp>
-        <p:nvSpPr>
-          <p:cNvPr id="36" name="矩形: 圆角 35">
-            <a:extLst>
-              <a:ext uri="{FF2B5EF4-FFF2-40B4-BE49-F238E27FC236}">
-                <a16:creationId xmlns:a16="http://schemas.microsoft.com/office/drawing/2014/main" id="{A958173C-6CCE-454F-9287-E6C20130B87C}"/>
-              </a:ext>
-            </a:extLst>
-          </p:cNvPr>
-          <p:cNvSpPr/>
-          <p:nvPr/>
-        </p:nvSpPr>
-        <p:spPr>
-          <a:xfrm>
-            <a:off x="4130776" y="88900"/>
-            <a:ext cx="3191359" cy="6007094"/>
-          </a:xfrm>
-          <a:prstGeom prst="roundRect">
-            <a:avLst/>
-          </a:prstGeom>
-          <a:noFill/>
-          <a:ln>
-            <a:solidFill>
-              <a:schemeClr val="tx1"/>
-            </a:solidFill>
-          </a:ln>
-        </p:spPr>
-        <p:style>
-          <a:lnRef idx="2">
-            <a:schemeClr val="accent1">
-              <a:shade val="50000"/>
-            </a:schemeClr>
-          </a:lnRef>
-          <a:fillRef idx="1">
-            <a:schemeClr val="accent1"/>
-          </a:fillRef>
-          <a:effectRef idx="0">
-            <a:schemeClr val="accent1"/>
-          </a:effectRef>
-          <a:fontRef idx="minor">
-            <a:schemeClr val="lt1"/>
-          </a:fontRef>
-        </p:style>
-        <p:txBody>
-          <a:bodyPr rot="0" spcFirstLastPara="0" vertOverflow="overflow" horzOverflow="overflow" vert="horz" wrap="square" lIns="91440" tIns="45720" rIns="91440" bIns="45720" numCol="1" spcCol="0" rtlCol="0" fromWordArt="0" anchor="ctr" anchorCtr="0" forceAA="0" compatLnSpc="1">
-            <a:prstTxWarp prst="textNoShape">
-              <a:avLst/>
-            </a:prstTxWarp>
-            <a:noAutofit/>
-          </a:bodyPr>
-          <a:lstStyle/>
-          <a:p>
-            <a:pPr algn="ctr"/>
-            <a:endParaRPr lang="zh-CN" altLang="en-US" dirty="0">
-              <a:solidFill>
-                <a:schemeClr val="tx1"/>
-              </a:solidFill>
-            </a:endParaRPr>
-          </a:p>
-        </p:txBody>
-      </p:sp>
-      <p:sp>
-        <p:nvSpPr>
-          <p:cNvPr id="43" name="文本框 42">
-            <a:extLst>
-              <a:ext uri="{FF2B5EF4-FFF2-40B4-BE49-F238E27FC236}">
-                <a16:creationId xmlns:a16="http://schemas.microsoft.com/office/drawing/2014/main" id="{C780F6F4-0CDF-4101-A38F-4A4DF8B798BF}"/>
-              </a:ext>
-            </a:extLst>
-          </p:cNvPr>
-          <p:cNvSpPr txBox="1"/>
-          <p:nvPr/>
-        </p:nvSpPr>
-        <p:spPr>
-          <a:xfrm>
-            <a:off x="4512477" y="1712450"/>
-            <a:ext cx="457200" cy="1200329"/>
-          </a:xfrm>
-          <a:prstGeom prst="rect">
-            <a:avLst/>
-          </a:prstGeom>
-          <a:noFill/>
-        </p:spPr>
-        <p:txBody>
-          <a:bodyPr wrap="square" rtlCol="0">
-            <a:spAutoFit/>
-          </a:bodyPr>
-          <a:lstStyle/>
-          <a:p>
-            <a:r>
-              <a:rPr lang="zh-CN" altLang="en-US" dirty="0"/>
-              <a:t>传统方法</a:t>
-            </a:r>
-          </a:p>
-        </p:txBody>
-      </p:sp>
-      <p:sp>
-        <p:nvSpPr>
-          <p:cNvPr id="44" name="矩形: 圆角 43">
-            <a:extLst>
-              <a:ext uri="{FF2B5EF4-FFF2-40B4-BE49-F238E27FC236}">
-                <a16:creationId xmlns:a16="http://schemas.microsoft.com/office/drawing/2014/main" id="{38B36C71-59B5-4EC0-9798-E4FA19C4FF19}"/>
-              </a:ext>
-            </a:extLst>
-          </p:cNvPr>
-          <p:cNvSpPr/>
-          <p:nvPr/>
-        </p:nvSpPr>
-        <p:spPr>
-          <a:xfrm>
-            <a:off x="812799" y="2066980"/>
-            <a:ext cx="2641601" cy="4581687"/>
-          </a:xfrm>
-          <a:prstGeom prst="roundRect">
-            <a:avLst/>
-          </a:prstGeom>
-          <a:noFill/>
-          <a:ln>
-            <a:solidFill>
-              <a:schemeClr val="tx1"/>
-            </a:solidFill>
-          </a:ln>
-        </p:spPr>
-        <p:style>
-          <a:lnRef idx="2">
-            <a:schemeClr val="accent1">
-              <a:shade val="50000"/>
-            </a:schemeClr>
-          </a:lnRef>
-          <a:fillRef idx="1">
-            <a:schemeClr val="accent1"/>
-          </a:fillRef>
-          <a:effectRef idx="0">
-            <a:schemeClr val="accent1"/>
-          </a:effectRef>
-          <a:fontRef idx="minor">
-            <a:schemeClr val="lt1"/>
-          </a:fontRef>
-        </p:style>
-        <p:txBody>
-          <a:bodyPr rot="0" spcFirstLastPara="0" vertOverflow="overflow" horzOverflow="overflow" vert="horz" wrap="square" lIns="91440" tIns="45720" rIns="91440" bIns="45720" numCol="1" spcCol="0" rtlCol="0" fromWordArt="0" anchor="ctr" anchorCtr="0" forceAA="0" compatLnSpc="1">
-            <a:prstTxWarp prst="textNoShape">
-              <a:avLst/>
-            </a:prstTxWarp>
-            <a:noAutofit/>
-          </a:bodyPr>
-          <a:lstStyle/>
-          <a:p>
-            <a:pPr algn="ctr"/>
-            <a:endParaRPr lang="zh-CN" altLang="en-US" dirty="0">
-              <a:solidFill>
-                <a:schemeClr val="tx1"/>
-              </a:solidFill>
-            </a:endParaRPr>
-          </a:p>
-        </p:txBody>
-      </p:sp>
-      <p:sp>
-        <p:nvSpPr>
-          <p:cNvPr id="45" name="文本框 44">
-            <a:extLst>
-              <a:ext uri="{FF2B5EF4-FFF2-40B4-BE49-F238E27FC236}">
-                <a16:creationId xmlns:a16="http://schemas.microsoft.com/office/drawing/2014/main" id="{701B75CB-7E15-43F4-8B58-B9083E25E6D9}"/>
-              </a:ext>
-            </a:extLst>
-          </p:cNvPr>
-          <p:cNvSpPr txBox="1"/>
-          <p:nvPr/>
-        </p:nvSpPr>
-        <p:spPr>
-          <a:xfrm>
-            <a:off x="1600948" y="2355007"/>
-            <a:ext cx="1107996" cy="369332"/>
-          </a:xfrm>
-          <a:prstGeom prst="rect">
-            <a:avLst/>
-          </a:prstGeom>
-          <a:noFill/>
-        </p:spPr>
-        <p:txBody>
-          <a:bodyPr wrap="none" rtlCol="0">
-            <a:spAutoFit/>
-          </a:bodyPr>
-          <a:lstStyle/>
-          <a:p>
-            <a:r>
-              <a:rPr lang="zh-CN" altLang="en-US" dirty="0"/>
-              <a:t>新型方法</a:t>
-            </a:r>
-          </a:p>
-        </p:txBody>
-      </p:sp>
-      <p:cxnSp>
-        <p:nvCxnSpPr>
-          <p:cNvPr id="50" name="直接箭头连接符 49">
-            <a:extLst>
-              <a:ext uri="{FF2B5EF4-FFF2-40B4-BE49-F238E27FC236}">
-                <a16:creationId xmlns:a16="http://schemas.microsoft.com/office/drawing/2014/main" id="{EC762128-7465-4C89-BF3B-25CF1AF2A61A}"/>
-              </a:ext>
-            </a:extLst>
-          </p:cNvPr>
-          <p:cNvCxnSpPr>
-            <a:cxnSpLocks/>
-            <a:stCxn id="12" idx="2"/>
-            <a:endCxn id="11" idx="1"/>
-          </p:cNvCxnSpPr>
-          <p:nvPr/>
-        </p:nvCxnSpPr>
-        <p:spPr>
-          <a:xfrm>
-            <a:off x="4697384" y="4263272"/>
-            <a:ext cx="565097" cy="1398544"/>
-          </a:xfrm>
-          <a:prstGeom prst="straightConnector1">
-            <a:avLst/>
-          </a:prstGeom>
-          <a:ln>
-            <a:tailEnd type="triangle"/>
-          </a:ln>
-        </p:spPr>
-        <p:style>
-          <a:lnRef idx="1">
-            <a:schemeClr val="accent1"/>
-          </a:lnRef>
-          <a:fillRef idx="0">
-            <a:schemeClr val="accent1"/>
-          </a:fillRef>
-          <a:effectRef idx="0">
-            <a:schemeClr val="accent1"/>
-          </a:effectRef>
-          <a:fontRef idx="minor">
-            <a:schemeClr val="tx1"/>
-          </a:fontRef>
-        </p:style>
-      </p:cxnSp>
-      <p:sp>
-        <p:nvSpPr>
-          <p:cNvPr id="64" name="文本框 63">
-            <a:extLst>
-              <a:ext uri="{FF2B5EF4-FFF2-40B4-BE49-F238E27FC236}">
-                <a16:creationId xmlns:a16="http://schemas.microsoft.com/office/drawing/2014/main" id="{1E632D61-F4A0-417F-9139-AD45FE303F9A}"/>
-              </a:ext>
-            </a:extLst>
-          </p:cNvPr>
-          <p:cNvSpPr txBox="1"/>
-          <p:nvPr/>
-        </p:nvSpPr>
-        <p:spPr>
-          <a:xfrm>
-            <a:off x="1816392" y="6143902"/>
-            <a:ext cx="677108" cy="390465"/>
-          </a:xfrm>
-          <a:prstGeom prst="rect">
-            <a:avLst/>
-          </a:prstGeom>
-          <a:noFill/>
-        </p:spPr>
-        <p:txBody>
-          <a:bodyPr vert="eaVert" wrap="square" rtlCol="0">
-            <a:spAutoFit/>
-          </a:bodyPr>
-          <a:lstStyle/>
-          <a:p>
-            <a:r>
-              <a:rPr lang="en-US" altLang="zh-CN" sz="3200" dirty="0"/>
-              <a:t>···</a:t>
-            </a:r>
-          </a:p>
-        </p:txBody>
-      </p:sp>
-      <p:sp>
-        <p:nvSpPr>
-          <p:cNvPr id="69" name="矩形 68">
-            <a:extLst>
-              <a:ext uri="{FF2B5EF4-FFF2-40B4-BE49-F238E27FC236}">
-                <a16:creationId xmlns:a16="http://schemas.microsoft.com/office/drawing/2014/main" id="{21D68848-F529-4E96-B1EB-BF4DA6D83FF1}"/>
-              </a:ext>
-            </a:extLst>
-          </p:cNvPr>
-          <p:cNvSpPr/>
-          <p:nvPr/>
-        </p:nvSpPr>
-        <p:spPr>
-          <a:xfrm>
-            <a:off x="1328509" y="5360438"/>
-            <a:ext cx="1652874" cy="483712"/>
-          </a:xfrm>
-          <a:prstGeom prst="rect">
-            <a:avLst/>
-          </a:prstGeom>
-          <a:noFill/>
-          <a:ln>
-            <a:solidFill>
-              <a:schemeClr val="tx1"/>
-            </a:solidFill>
-          </a:ln>
-        </p:spPr>
-        <p:style>
-          <a:lnRef idx="2">
-            <a:schemeClr val="accent1">
-              <a:shade val="50000"/>
-            </a:schemeClr>
-          </a:lnRef>
-          <a:fillRef idx="1">
-            <a:schemeClr val="accent1"/>
-          </a:fillRef>
-          <a:effectRef idx="0">
-            <a:schemeClr val="accent1"/>
-          </a:effectRef>
-          <a:fontRef idx="minor">
-            <a:schemeClr val="lt1"/>
-          </a:fontRef>
-        </p:style>
-        <p:txBody>
-          <a:bodyPr rot="0" spcFirstLastPara="0" vertOverflow="overflow" horzOverflow="overflow" vert="horz" wrap="square" lIns="91440" tIns="45720" rIns="91440" bIns="45720" numCol="1" spcCol="0" rtlCol="0" fromWordArt="0" anchor="ctr" anchorCtr="0" forceAA="0" compatLnSpc="1">
-            <a:prstTxWarp prst="textNoShape">
-              <a:avLst/>
-            </a:prstTxWarp>
-            <a:noAutofit/>
-          </a:bodyPr>
-          <a:lstStyle/>
-          <a:p>
-            <a:pPr algn="ctr"/>
-            <a:r>
-              <a:rPr lang="zh-CN" altLang="en-US" dirty="0">
-                <a:solidFill>
-                  <a:schemeClr val="tx1"/>
-                </a:solidFill>
-              </a:rPr>
-              <a:t>动态规划</a:t>
-            </a:r>
-          </a:p>
-        </p:txBody>
-      </p:sp>
-      <p:cxnSp>
-        <p:nvCxnSpPr>
-          <p:cNvPr id="77" name="直接箭头连接符 76">
-            <a:extLst>
-              <a:ext uri="{FF2B5EF4-FFF2-40B4-BE49-F238E27FC236}">
-                <a16:creationId xmlns:a16="http://schemas.microsoft.com/office/drawing/2014/main" id="{956235E4-2504-490F-BBC1-61E60532D94A}"/>
-              </a:ext>
-            </a:extLst>
-          </p:cNvPr>
-          <p:cNvCxnSpPr>
-            <a:cxnSpLocks/>
-            <a:stCxn id="69" idx="3"/>
-            <a:endCxn id="11" idx="1"/>
-          </p:cNvCxnSpPr>
-          <p:nvPr/>
-        </p:nvCxnSpPr>
-        <p:spPr>
-          <a:xfrm>
-            <a:off x="2981383" y="5602294"/>
-            <a:ext cx="2281095" cy="59522"/>
-          </a:xfrm>
-          <a:prstGeom prst="straightConnector1">
-            <a:avLst/>
-          </a:prstGeom>
-          <a:ln>
-            <a:tailEnd type="triangle"/>
-          </a:ln>
-        </p:spPr>
-        <p:style>
-          <a:lnRef idx="1">
-            <a:schemeClr val="accent1"/>
-          </a:lnRef>
-          <a:fillRef idx="0">
-            <a:schemeClr val="accent1"/>
-          </a:fillRef>
-          <a:effectRef idx="0">
-            <a:schemeClr val="accent1"/>
-          </a:effectRef>
-          <a:fontRef idx="minor">
-            <a:schemeClr val="tx1"/>
-          </a:fontRef>
-        </p:style>
-      </p:cxnSp>
-      <p:sp>
-        <p:nvSpPr>
-          <p:cNvPr id="107" name="文本框 106">
-            <a:extLst>
-              <a:ext uri="{FF2B5EF4-FFF2-40B4-BE49-F238E27FC236}">
-                <a16:creationId xmlns:a16="http://schemas.microsoft.com/office/drawing/2014/main" id="{3E4B6559-B1ED-4552-8DEB-9E3C2975BD0C}"/>
-              </a:ext>
-            </a:extLst>
-          </p:cNvPr>
-          <p:cNvSpPr txBox="1"/>
-          <p:nvPr/>
-        </p:nvSpPr>
-        <p:spPr>
-          <a:xfrm>
-            <a:off x="8453837" y="2719883"/>
-            <a:ext cx="1107996" cy="369332"/>
-          </a:xfrm>
-          <a:prstGeom prst="rect">
-            <a:avLst/>
-          </a:prstGeom>
-          <a:noFill/>
-        </p:spPr>
-        <p:txBody>
-          <a:bodyPr wrap="none" rtlCol="0">
-            <a:spAutoFit/>
-          </a:bodyPr>
-          <a:lstStyle/>
-          <a:p>
-            <a:r>
-              <a:rPr lang="zh-CN" altLang="en-US" dirty="0"/>
-              <a:t>适用对象</a:t>
-            </a:r>
-          </a:p>
-        </p:txBody>
-      </p:sp>
-      <p:sp>
-        <p:nvSpPr>
-          <p:cNvPr id="28" name="矩形 27">
-            <a:extLst>
-              <a:ext uri="{FF2B5EF4-FFF2-40B4-BE49-F238E27FC236}">
-                <a16:creationId xmlns:a16="http://schemas.microsoft.com/office/drawing/2014/main" id="{7C458922-A487-45AD-8E91-C2BEC5D0A75E}"/>
-              </a:ext>
-            </a:extLst>
-          </p:cNvPr>
-          <p:cNvSpPr/>
-          <p:nvPr/>
-        </p:nvSpPr>
-        <p:spPr>
-          <a:xfrm>
-            <a:off x="1313277" y="2857500"/>
-            <a:ext cx="1652874" cy="483712"/>
-          </a:xfrm>
-          <a:prstGeom prst="rect">
-            <a:avLst/>
-          </a:prstGeom>
-          <a:noFill/>
-          <a:ln>
-            <a:solidFill>
-              <a:schemeClr val="tx1"/>
-            </a:solidFill>
-          </a:ln>
-        </p:spPr>
-        <p:style>
-          <a:lnRef idx="2">
-            <a:schemeClr val="accent1">
-              <a:shade val="50000"/>
-            </a:schemeClr>
-          </a:lnRef>
-          <a:fillRef idx="1">
-            <a:schemeClr val="accent1"/>
-          </a:fillRef>
-          <a:effectRef idx="0">
-            <a:schemeClr val="accent1"/>
-          </a:effectRef>
-          <a:fontRef idx="minor">
-            <a:schemeClr val="lt1"/>
-          </a:fontRef>
-        </p:style>
-        <p:txBody>
-          <a:bodyPr rot="0" spcFirstLastPara="0" vertOverflow="overflow" horzOverflow="overflow" vert="horz" wrap="square" lIns="91440" tIns="45720" rIns="91440" bIns="45720" numCol="1" spcCol="0" rtlCol="0" fromWordArt="0" anchor="ctr" anchorCtr="0" forceAA="0" compatLnSpc="1">
-            <a:prstTxWarp prst="textNoShape">
-              <a:avLst/>
-            </a:prstTxWarp>
-            <a:noAutofit/>
-          </a:bodyPr>
-          <a:lstStyle/>
-          <a:p>
-            <a:pPr algn="ctr"/>
-            <a:r>
-              <a:rPr lang="zh-CN" altLang="en-US" dirty="0">
-                <a:solidFill>
-                  <a:schemeClr val="tx1"/>
-                </a:solidFill>
-              </a:rPr>
-              <a:t>外接矩形</a:t>
-            </a:r>
-          </a:p>
-        </p:txBody>
-      </p:sp>
+              </a:endParaRPr>
+            </a:p>
+          </p:txBody>
+        </p:sp>
+      </p:grpSp>
     </p:spTree>
     <p:extLst>
       <p:ext uri="{BB962C8B-B14F-4D97-AF65-F5344CB8AC3E}">
-        <p14:creationId xmlns:p14="http://schemas.microsoft.com/office/powerpoint/2010/main" val="925224395"/>
+        <p14:creationId xmlns:p14="http://schemas.microsoft.com/office/powerpoint/2010/main" val="337551173"/>
       </p:ext>
     </p:extLst>
   </p:cSld>
@@ -12854,6 +12163,1486 @@
       </p:grpSpPr>
       <p:sp>
         <p:nvSpPr>
+          <p:cNvPr id="4" name="矩形 3">
+            <a:extLst>
+              <a:ext uri="{FF2B5EF4-FFF2-40B4-BE49-F238E27FC236}">
+                <a16:creationId xmlns:a16="http://schemas.microsoft.com/office/drawing/2014/main" id="{1042FC63-08BC-4C6B-B48A-F8296558E598}"/>
+              </a:ext>
+            </a:extLst>
+          </p:cNvPr>
+          <p:cNvSpPr/>
+          <p:nvPr/>
+        </p:nvSpPr>
+        <p:spPr>
+          <a:xfrm>
+            <a:off x="5262479" y="1228735"/>
+            <a:ext cx="1652874" cy="483712"/>
+          </a:xfrm>
+          <a:prstGeom prst="rect">
+            <a:avLst/>
+          </a:prstGeom>
+          <a:noFill/>
+          <a:ln>
+            <a:solidFill>
+              <a:schemeClr val="tx1"/>
+            </a:solidFill>
+          </a:ln>
+        </p:spPr>
+        <p:style>
+          <a:lnRef idx="2">
+            <a:schemeClr val="accent1">
+              <a:shade val="50000"/>
+            </a:schemeClr>
+          </a:lnRef>
+          <a:fillRef idx="1">
+            <a:schemeClr val="accent1"/>
+          </a:fillRef>
+          <a:effectRef idx="0">
+            <a:schemeClr val="accent1"/>
+          </a:effectRef>
+          <a:fontRef idx="minor">
+            <a:schemeClr val="lt1"/>
+          </a:fontRef>
+        </p:style>
+        <p:txBody>
+          <a:bodyPr rot="0" spcFirstLastPara="0" vertOverflow="overflow" horzOverflow="overflow" vert="horz" wrap="square" lIns="91440" tIns="45720" rIns="91440" bIns="45720" numCol="1" spcCol="0" rtlCol="0" fromWordArt="0" anchor="ctr" anchorCtr="0" forceAA="0" compatLnSpc="1">
+            <a:prstTxWarp prst="textNoShape">
+              <a:avLst/>
+            </a:prstTxWarp>
+            <a:noAutofit/>
+          </a:bodyPr>
+          <a:lstStyle/>
+          <a:p>
+            <a:pPr algn="ctr"/>
+            <a:r>
+              <a:rPr lang="zh-CN" altLang="en-US" dirty="0">
+                <a:solidFill>
+                  <a:schemeClr val="tx1"/>
+                </a:solidFill>
+              </a:rPr>
+              <a:t>灰度转换</a:t>
+            </a:r>
+          </a:p>
+        </p:txBody>
+      </p:sp>
+      <p:sp>
+        <p:nvSpPr>
+          <p:cNvPr id="6" name="矩形 5">
+            <a:extLst>
+              <a:ext uri="{FF2B5EF4-FFF2-40B4-BE49-F238E27FC236}">
+                <a16:creationId xmlns:a16="http://schemas.microsoft.com/office/drawing/2014/main" id="{4EA74A79-44BE-4AC2-8F92-0012400B9E07}"/>
+              </a:ext>
+            </a:extLst>
+          </p:cNvPr>
+          <p:cNvSpPr/>
+          <p:nvPr/>
+        </p:nvSpPr>
+        <p:spPr>
+          <a:xfrm>
+            <a:off x="5262482" y="390490"/>
+            <a:ext cx="1652873" cy="483712"/>
+          </a:xfrm>
+          <a:prstGeom prst="rect">
+            <a:avLst/>
+          </a:prstGeom>
+          <a:noFill/>
+          <a:ln>
+            <a:solidFill>
+              <a:schemeClr val="tx1"/>
+            </a:solidFill>
+          </a:ln>
+        </p:spPr>
+        <p:style>
+          <a:lnRef idx="2">
+            <a:schemeClr val="accent1">
+              <a:shade val="50000"/>
+            </a:schemeClr>
+          </a:lnRef>
+          <a:fillRef idx="1">
+            <a:schemeClr val="accent1"/>
+          </a:fillRef>
+          <a:effectRef idx="0">
+            <a:schemeClr val="accent1"/>
+          </a:effectRef>
+          <a:fontRef idx="minor">
+            <a:schemeClr val="lt1"/>
+          </a:fontRef>
+        </p:style>
+        <p:txBody>
+          <a:bodyPr rot="0" spcFirstLastPara="0" vertOverflow="overflow" horzOverflow="overflow" vert="horz" wrap="square" lIns="91440" tIns="45720" rIns="91440" bIns="45720" numCol="1" spcCol="0" rtlCol="0" fromWordArt="0" anchor="ctr" anchorCtr="0" forceAA="0" compatLnSpc="1">
+            <a:prstTxWarp prst="textNoShape">
+              <a:avLst/>
+            </a:prstTxWarp>
+            <a:noAutofit/>
+          </a:bodyPr>
+          <a:lstStyle/>
+          <a:p>
+            <a:pPr algn="ctr"/>
+            <a:r>
+              <a:rPr lang="en-US" altLang="zh-CN" dirty="0">
+                <a:solidFill>
+                  <a:schemeClr val="tx1"/>
+                </a:solidFill>
+              </a:rPr>
+              <a:t>(ROI</a:t>
+            </a:r>
+            <a:r>
+              <a:rPr lang="zh-CN" altLang="en-US" dirty="0">
+                <a:solidFill>
+                  <a:schemeClr val="tx1"/>
+                </a:solidFill>
+              </a:rPr>
+              <a:t>等预处理</a:t>
+            </a:r>
+            <a:r>
+              <a:rPr lang="en-US" altLang="zh-CN" dirty="0">
+                <a:solidFill>
+                  <a:schemeClr val="tx1"/>
+                </a:solidFill>
+              </a:rPr>
+              <a:t>)</a:t>
+            </a:r>
+            <a:endParaRPr lang="zh-CN" altLang="en-US" dirty="0">
+              <a:solidFill>
+                <a:schemeClr val="tx1"/>
+              </a:solidFill>
+            </a:endParaRPr>
+          </a:p>
+        </p:txBody>
+      </p:sp>
+      <p:sp>
+        <p:nvSpPr>
+          <p:cNvPr id="7" name="矩形 6">
+            <a:extLst>
+              <a:ext uri="{FF2B5EF4-FFF2-40B4-BE49-F238E27FC236}">
+                <a16:creationId xmlns:a16="http://schemas.microsoft.com/office/drawing/2014/main" id="{97FFCD26-C264-48FF-8191-81F00266747B}"/>
+              </a:ext>
+            </a:extLst>
+          </p:cNvPr>
+          <p:cNvSpPr/>
+          <p:nvPr/>
+        </p:nvSpPr>
+        <p:spPr>
+          <a:xfrm>
+            <a:off x="5262482" y="2066980"/>
+            <a:ext cx="1652873" cy="483712"/>
+          </a:xfrm>
+          <a:prstGeom prst="rect">
+            <a:avLst/>
+          </a:prstGeom>
+          <a:noFill/>
+          <a:ln>
+            <a:solidFill>
+              <a:schemeClr val="tx1"/>
+            </a:solidFill>
+          </a:ln>
+        </p:spPr>
+        <p:style>
+          <a:lnRef idx="2">
+            <a:schemeClr val="accent1">
+              <a:shade val="50000"/>
+            </a:schemeClr>
+          </a:lnRef>
+          <a:fillRef idx="1">
+            <a:schemeClr val="accent1"/>
+          </a:fillRef>
+          <a:effectRef idx="0">
+            <a:schemeClr val="accent1"/>
+          </a:effectRef>
+          <a:fontRef idx="minor">
+            <a:schemeClr val="lt1"/>
+          </a:fontRef>
+        </p:style>
+        <p:txBody>
+          <a:bodyPr rot="0" spcFirstLastPara="0" vertOverflow="overflow" horzOverflow="overflow" vert="horz" wrap="square" lIns="91440" tIns="45720" rIns="91440" bIns="45720" numCol="1" spcCol="0" rtlCol="0" fromWordArt="0" anchor="ctr" anchorCtr="0" forceAA="0" compatLnSpc="1">
+            <a:prstTxWarp prst="textNoShape">
+              <a:avLst/>
+            </a:prstTxWarp>
+            <a:noAutofit/>
+          </a:bodyPr>
+          <a:lstStyle/>
+          <a:p>
+            <a:pPr algn="ctr"/>
+            <a:r>
+              <a:rPr lang="zh-CN" altLang="en-US" dirty="0">
+                <a:solidFill>
+                  <a:schemeClr val="tx1"/>
+                </a:solidFill>
+              </a:rPr>
+              <a:t>分割</a:t>
+            </a:r>
+          </a:p>
+        </p:txBody>
+      </p:sp>
+      <p:sp>
+        <p:nvSpPr>
+          <p:cNvPr id="8" name="矩形 7">
+            <a:extLst>
+              <a:ext uri="{FF2B5EF4-FFF2-40B4-BE49-F238E27FC236}">
+                <a16:creationId xmlns:a16="http://schemas.microsoft.com/office/drawing/2014/main" id="{DF17E8FB-15D2-4C59-A126-E7FE569C5398}"/>
+              </a:ext>
+            </a:extLst>
+          </p:cNvPr>
+          <p:cNvSpPr/>
+          <p:nvPr/>
+        </p:nvSpPr>
+        <p:spPr>
+          <a:xfrm>
+            <a:off x="5262478" y="2905225"/>
+            <a:ext cx="1652874" cy="483712"/>
+          </a:xfrm>
+          <a:prstGeom prst="rect">
+            <a:avLst/>
+          </a:prstGeom>
+          <a:noFill/>
+          <a:ln>
+            <a:solidFill>
+              <a:schemeClr val="tx1"/>
+            </a:solidFill>
+          </a:ln>
+        </p:spPr>
+        <p:style>
+          <a:lnRef idx="2">
+            <a:schemeClr val="accent1">
+              <a:shade val="50000"/>
+            </a:schemeClr>
+          </a:lnRef>
+          <a:fillRef idx="1">
+            <a:schemeClr val="accent1"/>
+          </a:fillRef>
+          <a:effectRef idx="0">
+            <a:schemeClr val="accent1"/>
+          </a:effectRef>
+          <a:fontRef idx="minor">
+            <a:schemeClr val="lt1"/>
+          </a:fontRef>
+        </p:style>
+        <p:txBody>
+          <a:bodyPr rot="0" spcFirstLastPara="0" vertOverflow="overflow" horzOverflow="overflow" vert="horz" wrap="square" lIns="91440" tIns="45720" rIns="91440" bIns="45720" numCol="1" spcCol="0" rtlCol="0" fromWordArt="0" anchor="ctr" anchorCtr="0" forceAA="0" compatLnSpc="1">
+            <a:prstTxWarp prst="textNoShape">
+              <a:avLst/>
+            </a:prstTxWarp>
+            <a:noAutofit/>
+          </a:bodyPr>
+          <a:lstStyle/>
+          <a:p>
+            <a:pPr algn="ctr"/>
+            <a:r>
+              <a:rPr lang="en-US" altLang="zh-CN" dirty="0">
+                <a:solidFill>
+                  <a:schemeClr val="tx1"/>
+                </a:solidFill>
+              </a:rPr>
+              <a:t>(</a:t>
+            </a:r>
+            <a:r>
+              <a:rPr lang="zh-CN" altLang="en-US" dirty="0">
+                <a:solidFill>
+                  <a:schemeClr val="tx1"/>
+                </a:solidFill>
+              </a:rPr>
+              <a:t>去噪</a:t>
+            </a:r>
+            <a:r>
+              <a:rPr lang="en-US" altLang="zh-CN" dirty="0">
+                <a:solidFill>
+                  <a:schemeClr val="tx1"/>
+                </a:solidFill>
+              </a:rPr>
+              <a:t>)</a:t>
+            </a:r>
+            <a:endParaRPr lang="zh-CN" altLang="en-US" dirty="0">
+              <a:solidFill>
+                <a:schemeClr val="tx1"/>
+              </a:solidFill>
+            </a:endParaRPr>
+          </a:p>
+        </p:txBody>
+      </p:sp>
+      <p:sp>
+        <p:nvSpPr>
+          <p:cNvPr id="9" name="矩形 8">
+            <a:extLst>
+              <a:ext uri="{FF2B5EF4-FFF2-40B4-BE49-F238E27FC236}">
+                <a16:creationId xmlns:a16="http://schemas.microsoft.com/office/drawing/2014/main" id="{91C85829-5B1A-48D8-BC5E-A412D9EE4EF2}"/>
+              </a:ext>
+            </a:extLst>
+          </p:cNvPr>
+          <p:cNvSpPr/>
+          <p:nvPr/>
+        </p:nvSpPr>
+        <p:spPr>
+          <a:xfrm>
+            <a:off x="5262478" y="3743470"/>
+            <a:ext cx="1652874" cy="483712"/>
+          </a:xfrm>
+          <a:prstGeom prst="rect">
+            <a:avLst/>
+          </a:prstGeom>
+          <a:noFill/>
+          <a:ln>
+            <a:solidFill>
+              <a:schemeClr val="tx1"/>
+            </a:solidFill>
+          </a:ln>
+        </p:spPr>
+        <p:style>
+          <a:lnRef idx="2">
+            <a:schemeClr val="accent1">
+              <a:shade val="50000"/>
+            </a:schemeClr>
+          </a:lnRef>
+          <a:fillRef idx="1">
+            <a:schemeClr val="accent1"/>
+          </a:fillRef>
+          <a:effectRef idx="0">
+            <a:schemeClr val="accent1"/>
+          </a:effectRef>
+          <a:fontRef idx="minor">
+            <a:schemeClr val="lt1"/>
+          </a:fontRef>
+        </p:style>
+        <p:txBody>
+          <a:bodyPr rot="0" spcFirstLastPara="0" vertOverflow="overflow" horzOverflow="overflow" vert="horz" wrap="square" lIns="91440" tIns="45720" rIns="91440" bIns="45720" numCol="1" spcCol="0" rtlCol="0" fromWordArt="0" anchor="ctr" anchorCtr="0" forceAA="0" compatLnSpc="1">
+            <a:prstTxWarp prst="textNoShape">
+              <a:avLst/>
+            </a:prstTxWarp>
+            <a:noAutofit/>
+          </a:bodyPr>
+          <a:lstStyle/>
+          <a:p>
+            <a:pPr algn="ctr"/>
+            <a:r>
+              <a:rPr lang="zh-CN" altLang="en-US" dirty="0">
+                <a:solidFill>
+                  <a:schemeClr val="tx1"/>
+                </a:solidFill>
+              </a:rPr>
+              <a:t>（特征点提取）</a:t>
+            </a:r>
+          </a:p>
+        </p:txBody>
+      </p:sp>
+      <p:sp>
+        <p:nvSpPr>
+          <p:cNvPr id="10" name="矩形 9">
+            <a:extLst>
+              <a:ext uri="{FF2B5EF4-FFF2-40B4-BE49-F238E27FC236}">
+                <a16:creationId xmlns:a16="http://schemas.microsoft.com/office/drawing/2014/main" id="{B3FF8CE1-EB89-4295-9400-20A5C14D59CA}"/>
+              </a:ext>
+            </a:extLst>
+          </p:cNvPr>
+          <p:cNvSpPr/>
+          <p:nvPr/>
+        </p:nvSpPr>
+        <p:spPr>
+          <a:xfrm>
+            <a:off x="5262478" y="4581715"/>
+            <a:ext cx="1652874" cy="483712"/>
+          </a:xfrm>
+          <a:prstGeom prst="rect">
+            <a:avLst/>
+          </a:prstGeom>
+          <a:noFill/>
+          <a:ln>
+            <a:solidFill>
+              <a:schemeClr val="tx1"/>
+            </a:solidFill>
+          </a:ln>
+        </p:spPr>
+        <p:style>
+          <a:lnRef idx="2">
+            <a:schemeClr val="accent1">
+              <a:shade val="50000"/>
+            </a:schemeClr>
+          </a:lnRef>
+          <a:fillRef idx="1">
+            <a:schemeClr val="accent1"/>
+          </a:fillRef>
+          <a:effectRef idx="0">
+            <a:schemeClr val="accent1"/>
+          </a:effectRef>
+          <a:fontRef idx="minor">
+            <a:schemeClr val="lt1"/>
+          </a:fontRef>
+        </p:style>
+        <p:txBody>
+          <a:bodyPr rot="0" spcFirstLastPara="0" vertOverflow="overflow" horzOverflow="overflow" vert="horz" wrap="square" lIns="91440" tIns="45720" rIns="91440" bIns="45720" numCol="1" spcCol="0" rtlCol="0" fromWordArt="0" anchor="ctr" anchorCtr="0" forceAA="0" compatLnSpc="1">
+            <a:prstTxWarp prst="textNoShape">
+              <a:avLst/>
+            </a:prstTxWarp>
+            <a:noAutofit/>
+          </a:bodyPr>
+          <a:lstStyle/>
+          <a:p>
+            <a:pPr algn="ctr"/>
+            <a:r>
+              <a:rPr lang="zh-CN" altLang="en-US" dirty="0">
+                <a:solidFill>
+                  <a:schemeClr val="tx1"/>
+                </a:solidFill>
+              </a:rPr>
+              <a:t>特征点聚类</a:t>
+            </a:r>
+          </a:p>
+        </p:txBody>
+      </p:sp>
+      <p:sp>
+        <p:nvSpPr>
+          <p:cNvPr id="11" name="矩形 10">
+            <a:extLst>
+              <a:ext uri="{FF2B5EF4-FFF2-40B4-BE49-F238E27FC236}">
+                <a16:creationId xmlns:a16="http://schemas.microsoft.com/office/drawing/2014/main" id="{4286C554-8252-4804-8560-AF5418DE7CC6}"/>
+              </a:ext>
+            </a:extLst>
+          </p:cNvPr>
+          <p:cNvSpPr/>
+          <p:nvPr/>
+        </p:nvSpPr>
+        <p:spPr>
+          <a:xfrm>
+            <a:off x="5262478" y="5419960"/>
+            <a:ext cx="1652874" cy="483712"/>
+          </a:xfrm>
+          <a:prstGeom prst="rect">
+            <a:avLst/>
+          </a:prstGeom>
+          <a:noFill/>
+          <a:ln>
+            <a:solidFill>
+              <a:schemeClr val="tx1"/>
+            </a:solidFill>
+          </a:ln>
+        </p:spPr>
+        <p:style>
+          <a:lnRef idx="2">
+            <a:schemeClr val="accent1">
+              <a:shade val="50000"/>
+            </a:schemeClr>
+          </a:lnRef>
+          <a:fillRef idx="1">
+            <a:schemeClr val="accent1"/>
+          </a:fillRef>
+          <a:effectRef idx="0">
+            <a:schemeClr val="accent1"/>
+          </a:effectRef>
+          <a:fontRef idx="minor">
+            <a:schemeClr val="lt1"/>
+          </a:fontRef>
+        </p:style>
+        <p:txBody>
+          <a:bodyPr rot="0" spcFirstLastPara="0" vertOverflow="overflow" horzOverflow="overflow" vert="horz" wrap="square" lIns="91440" tIns="45720" rIns="91440" bIns="45720" numCol="1" spcCol="0" rtlCol="0" fromWordArt="0" anchor="ctr" anchorCtr="0" forceAA="0" compatLnSpc="1">
+            <a:prstTxWarp prst="textNoShape">
+              <a:avLst/>
+            </a:prstTxWarp>
+            <a:noAutofit/>
+          </a:bodyPr>
+          <a:lstStyle/>
+          <a:p>
+            <a:pPr algn="ctr"/>
+            <a:r>
+              <a:rPr lang="zh-CN" altLang="en-US" dirty="0">
+                <a:solidFill>
+                  <a:schemeClr val="tx1"/>
+                </a:solidFill>
+              </a:rPr>
+              <a:t>导航线线拟合</a:t>
+            </a:r>
+          </a:p>
+        </p:txBody>
+      </p:sp>
+      <p:sp>
+        <p:nvSpPr>
+          <p:cNvPr id="12" name="矩形 11">
+            <a:extLst>
+              <a:ext uri="{FF2B5EF4-FFF2-40B4-BE49-F238E27FC236}">
+                <a16:creationId xmlns:a16="http://schemas.microsoft.com/office/drawing/2014/main" id="{11B54470-4B49-4651-9054-7AE95D31E473}"/>
+              </a:ext>
+            </a:extLst>
+          </p:cNvPr>
+          <p:cNvSpPr/>
+          <p:nvPr/>
+        </p:nvSpPr>
+        <p:spPr>
+          <a:xfrm>
+            <a:off x="4313139" y="3779560"/>
+            <a:ext cx="768489" cy="483712"/>
+          </a:xfrm>
+          <a:prstGeom prst="rect">
+            <a:avLst/>
+          </a:prstGeom>
+          <a:noFill/>
+          <a:ln>
+            <a:solidFill>
+              <a:schemeClr val="tx1"/>
+            </a:solidFill>
+          </a:ln>
+        </p:spPr>
+        <p:style>
+          <a:lnRef idx="2">
+            <a:schemeClr val="accent1">
+              <a:shade val="50000"/>
+            </a:schemeClr>
+          </a:lnRef>
+          <a:fillRef idx="1">
+            <a:schemeClr val="accent1"/>
+          </a:fillRef>
+          <a:effectRef idx="0">
+            <a:schemeClr val="accent1"/>
+          </a:effectRef>
+          <a:fontRef idx="minor">
+            <a:schemeClr val="lt1"/>
+          </a:fontRef>
+        </p:style>
+        <p:txBody>
+          <a:bodyPr rot="0" spcFirstLastPara="0" vertOverflow="overflow" horzOverflow="overflow" vert="horz" wrap="square" lIns="91440" tIns="45720" rIns="91440" bIns="45720" numCol="1" spcCol="0" rtlCol="0" fromWordArt="0" anchor="ctr" anchorCtr="0" forceAA="0" compatLnSpc="1">
+            <a:prstTxWarp prst="textNoShape">
+              <a:avLst/>
+            </a:prstTxWarp>
+            <a:noAutofit/>
+          </a:bodyPr>
+          <a:lstStyle/>
+          <a:p>
+            <a:pPr algn="ctr"/>
+            <a:r>
+              <a:rPr lang="zh-CN" altLang="en-US" dirty="0">
+                <a:solidFill>
+                  <a:schemeClr val="tx1"/>
+                </a:solidFill>
+              </a:rPr>
+              <a:t>其他</a:t>
+            </a:r>
+          </a:p>
+        </p:txBody>
+      </p:sp>
+      <p:sp>
+        <p:nvSpPr>
+          <p:cNvPr id="13" name="矩形 12">
+            <a:extLst>
+              <a:ext uri="{FF2B5EF4-FFF2-40B4-BE49-F238E27FC236}">
+                <a16:creationId xmlns:a16="http://schemas.microsoft.com/office/drawing/2014/main" id="{F481CAB3-D8AD-47EB-B125-281544C869A9}"/>
+              </a:ext>
+            </a:extLst>
+          </p:cNvPr>
+          <p:cNvSpPr/>
+          <p:nvPr/>
+        </p:nvSpPr>
+        <p:spPr>
+          <a:xfrm>
+            <a:off x="5262478" y="6258202"/>
+            <a:ext cx="1652874" cy="483712"/>
+          </a:xfrm>
+          <a:prstGeom prst="rect">
+            <a:avLst/>
+          </a:prstGeom>
+          <a:noFill/>
+          <a:ln>
+            <a:solidFill>
+              <a:schemeClr val="tx1"/>
+            </a:solidFill>
+          </a:ln>
+        </p:spPr>
+        <p:style>
+          <a:lnRef idx="2">
+            <a:schemeClr val="accent1">
+              <a:shade val="50000"/>
+            </a:schemeClr>
+          </a:lnRef>
+          <a:fillRef idx="1">
+            <a:schemeClr val="accent1"/>
+          </a:fillRef>
+          <a:effectRef idx="0">
+            <a:schemeClr val="accent1"/>
+          </a:effectRef>
+          <a:fontRef idx="minor">
+            <a:schemeClr val="lt1"/>
+          </a:fontRef>
+        </p:style>
+        <p:txBody>
+          <a:bodyPr rot="0" spcFirstLastPara="0" vertOverflow="overflow" horzOverflow="overflow" vert="horz" wrap="square" lIns="91440" tIns="45720" rIns="91440" bIns="45720" numCol="1" spcCol="0" rtlCol="0" fromWordArt="0" anchor="ctr" anchorCtr="0" forceAA="0" compatLnSpc="1">
+            <a:prstTxWarp prst="textNoShape">
+              <a:avLst/>
+            </a:prstTxWarp>
+            <a:noAutofit/>
+          </a:bodyPr>
+          <a:lstStyle/>
+          <a:p>
+            <a:pPr algn="ctr"/>
+            <a:r>
+              <a:rPr lang="zh-CN" altLang="en-US" dirty="0">
+                <a:solidFill>
+                  <a:schemeClr val="tx1"/>
+                </a:solidFill>
+              </a:rPr>
+              <a:t>导航参数</a:t>
+            </a:r>
+          </a:p>
+        </p:txBody>
+      </p:sp>
+      <p:sp>
+        <p:nvSpPr>
+          <p:cNvPr id="14" name="矩形 13">
+            <a:extLst>
+              <a:ext uri="{FF2B5EF4-FFF2-40B4-BE49-F238E27FC236}">
+                <a16:creationId xmlns:a16="http://schemas.microsoft.com/office/drawing/2014/main" id="{3D7D8551-4A93-4923-8183-D4E6425B069F}"/>
+              </a:ext>
+            </a:extLst>
+          </p:cNvPr>
+          <p:cNvSpPr/>
+          <p:nvPr/>
+        </p:nvSpPr>
+        <p:spPr>
+          <a:xfrm>
+            <a:off x="1330255" y="4462675"/>
+            <a:ext cx="1652874" cy="483712"/>
+          </a:xfrm>
+          <a:prstGeom prst="rect">
+            <a:avLst/>
+          </a:prstGeom>
+          <a:noFill/>
+          <a:ln>
+            <a:solidFill>
+              <a:schemeClr val="tx1"/>
+            </a:solidFill>
+          </a:ln>
+        </p:spPr>
+        <p:style>
+          <a:lnRef idx="2">
+            <a:schemeClr val="accent1">
+              <a:shade val="50000"/>
+            </a:schemeClr>
+          </a:lnRef>
+          <a:fillRef idx="1">
+            <a:schemeClr val="accent1"/>
+          </a:fillRef>
+          <a:effectRef idx="0">
+            <a:schemeClr val="accent1"/>
+          </a:effectRef>
+          <a:fontRef idx="minor">
+            <a:schemeClr val="lt1"/>
+          </a:fontRef>
+        </p:style>
+        <p:txBody>
+          <a:bodyPr rot="0" spcFirstLastPara="0" vertOverflow="overflow" horzOverflow="overflow" vert="horz" wrap="square" lIns="91440" tIns="45720" rIns="91440" bIns="45720" numCol="1" spcCol="0" rtlCol="0" fromWordArt="0" anchor="ctr" anchorCtr="0" forceAA="0" compatLnSpc="1">
+            <a:prstTxWarp prst="textNoShape">
+              <a:avLst/>
+            </a:prstTxWarp>
+            <a:noAutofit/>
+          </a:bodyPr>
+          <a:lstStyle/>
+          <a:p>
+            <a:pPr algn="ctr"/>
+            <a:r>
+              <a:rPr lang="zh-CN" altLang="en-US" dirty="0">
+                <a:solidFill>
+                  <a:schemeClr val="tx1"/>
+                </a:solidFill>
+              </a:rPr>
+              <a:t>机器学习</a:t>
+            </a:r>
+          </a:p>
+        </p:txBody>
+      </p:sp>
+      <p:sp>
+        <p:nvSpPr>
+          <p:cNvPr id="15" name="矩形 14">
+            <a:extLst>
+              <a:ext uri="{FF2B5EF4-FFF2-40B4-BE49-F238E27FC236}">
+                <a16:creationId xmlns:a16="http://schemas.microsoft.com/office/drawing/2014/main" id="{8C20CA5E-6E4E-4E4F-8D46-F7EB4B477674}"/>
+              </a:ext>
+            </a:extLst>
+          </p:cNvPr>
+          <p:cNvSpPr/>
+          <p:nvPr/>
+        </p:nvSpPr>
+        <p:spPr>
+          <a:xfrm>
+            <a:off x="1328509" y="3564912"/>
+            <a:ext cx="1652874" cy="483712"/>
+          </a:xfrm>
+          <a:prstGeom prst="rect">
+            <a:avLst/>
+          </a:prstGeom>
+          <a:noFill/>
+          <a:ln>
+            <a:solidFill>
+              <a:schemeClr val="tx1"/>
+            </a:solidFill>
+          </a:ln>
+        </p:spPr>
+        <p:style>
+          <a:lnRef idx="2">
+            <a:schemeClr val="accent1">
+              <a:shade val="50000"/>
+            </a:schemeClr>
+          </a:lnRef>
+          <a:fillRef idx="1">
+            <a:schemeClr val="accent1"/>
+          </a:fillRef>
+          <a:effectRef idx="0">
+            <a:schemeClr val="accent1"/>
+          </a:effectRef>
+          <a:fontRef idx="minor">
+            <a:schemeClr val="lt1"/>
+          </a:fontRef>
+        </p:style>
+        <p:txBody>
+          <a:bodyPr rot="0" spcFirstLastPara="0" vertOverflow="overflow" horzOverflow="overflow" vert="horz" wrap="square" lIns="91440" tIns="45720" rIns="91440" bIns="45720" numCol="1" spcCol="0" rtlCol="0" fromWordArt="0" anchor="ctr" anchorCtr="0" forceAA="0" compatLnSpc="1">
+            <a:prstTxWarp prst="textNoShape">
+              <a:avLst/>
+            </a:prstTxWarp>
+            <a:noAutofit/>
+          </a:bodyPr>
+          <a:lstStyle/>
+          <a:p>
+            <a:pPr algn="ctr"/>
+            <a:r>
+              <a:rPr lang="zh-CN" altLang="en-US" dirty="0">
+                <a:solidFill>
+                  <a:schemeClr val="tx1"/>
+                </a:solidFill>
+              </a:rPr>
+              <a:t>模板匹配</a:t>
+            </a:r>
+          </a:p>
+        </p:txBody>
+      </p:sp>
+      <p:cxnSp>
+        <p:nvCxnSpPr>
+          <p:cNvPr id="19" name="直接箭头连接符 18">
+            <a:extLst>
+              <a:ext uri="{FF2B5EF4-FFF2-40B4-BE49-F238E27FC236}">
+                <a16:creationId xmlns:a16="http://schemas.microsoft.com/office/drawing/2014/main" id="{C54B1FA9-B199-47F7-BC91-5EA26045AB93}"/>
+              </a:ext>
+            </a:extLst>
+          </p:cNvPr>
+          <p:cNvCxnSpPr>
+            <a:cxnSpLocks/>
+            <a:stCxn id="14" idx="3"/>
+            <a:endCxn id="11" idx="1"/>
+          </p:cNvCxnSpPr>
+          <p:nvPr/>
+        </p:nvCxnSpPr>
+        <p:spPr>
+          <a:xfrm>
+            <a:off x="2983129" y="4704531"/>
+            <a:ext cx="2279349" cy="957285"/>
+          </a:xfrm>
+          <a:prstGeom prst="straightConnector1">
+            <a:avLst/>
+          </a:prstGeom>
+          <a:ln>
+            <a:tailEnd type="triangle"/>
+          </a:ln>
+        </p:spPr>
+        <p:style>
+          <a:lnRef idx="1">
+            <a:schemeClr val="accent1"/>
+          </a:lnRef>
+          <a:fillRef idx="0">
+            <a:schemeClr val="accent1"/>
+          </a:fillRef>
+          <a:effectRef idx="0">
+            <a:schemeClr val="accent1"/>
+          </a:effectRef>
+          <a:fontRef idx="minor">
+            <a:schemeClr val="tx1"/>
+          </a:fontRef>
+        </p:style>
+      </p:cxnSp>
+      <p:cxnSp>
+        <p:nvCxnSpPr>
+          <p:cNvPr id="21" name="连接符: 肘形 20">
+            <a:extLst>
+              <a:ext uri="{FF2B5EF4-FFF2-40B4-BE49-F238E27FC236}">
+                <a16:creationId xmlns:a16="http://schemas.microsoft.com/office/drawing/2014/main" id="{CDC2DE1C-E83B-4EE4-831B-8FD129029FE8}"/>
+              </a:ext>
+            </a:extLst>
+          </p:cNvPr>
+          <p:cNvCxnSpPr>
+            <a:cxnSpLocks/>
+            <a:stCxn id="8" idx="1"/>
+            <a:endCxn id="12" idx="0"/>
+          </p:cNvCxnSpPr>
+          <p:nvPr/>
+        </p:nvCxnSpPr>
+        <p:spPr>
+          <a:xfrm rot="10800000" flipV="1">
+            <a:off x="4697385" y="3147083"/>
+            <a:ext cx="565097" cy="632479"/>
+          </a:xfrm>
+          <a:prstGeom prst="bentConnector2">
+            <a:avLst/>
+          </a:prstGeom>
+          <a:ln>
+            <a:tailEnd type="triangle"/>
+          </a:ln>
+        </p:spPr>
+        <p:style>
+          <a:lnRef idx="1">
+            <a:schemeClr val="accent1"/>
+          </a:lnRef>
+          <a:fillRef idx="0">
+            <a:schemeClr val="accent1"/>
+          </a:fillRef>
+          <a:effectRef idx="0">
+            <a:schemeClr val="accent1"/>
+          </a:effectRef>
+          <a:fontRef idx="minor">
+            <a:schemeClr val="tx1"/>
+          </a:fontRef>
+        </p:style>
+      </p:cxnSp>
+      <p:cxnSp>
+        <p:nvCxnSpPr>
+          <p:cNvPr id="26" name="直接箭头连接符 25">
+            <a:extLst>
+              <a:ext uri="{FF2B5EF4-FFF2-40B4-BE49-F238E27FC236}">
+                <a16:creationId xmlns:a16="http://schemas.microsoft.com/office/drawing/2014/main" id="{5627EE4F-BB3E-46ED-BF94-750628FC2628}"/>
+              </a:ext>
+            </a:extLst>
+          </p:cNvPr>
+          <p:cNvCxnSpPr>
+            <a:cxnSpLocks/>
+            <a:stCxn id="15" idx="3"/>
+            <a:endCxn id="11" idx="1"/>
+          </p:cNvCxnSpPr>
+          <p:nvPr/>
+        </p:nvCxnSpPr>
+        <p:spPr>
+          <a:xfrm>
+            <a:off x="2981383" y="3806768"/>
+            <a:ext cx="2281095" cy="1855048"/>
+          </a:xfrm>
+          <a:prstGeom prst="straightConnector1">
+            <a:avLst/>
+          </a:prstGeom>
+          <a:ln>
+            <a:tailEnd type="triangle"/>
+          </a:ln>
+        </p:spPr>
+        <p:style>
+          <a:lnRef idx="1">
+            <a:schemeClr val="accent1"/>
+          </a:lnRef>
+          <a:fillRef idx="0">
+            <a:schemeClr val="accent1"/>
+          </a:fillRef>
+          <a:effectRef idx="0">
+            <a:schemeClr val="accent1"/>
+          </a:effectRef>
+          <a:fontRef idx="minor">
+            <a:schemeClr val="tx1"/>
+          </a:fontRef>
+        </p:style>
+      </p:cxnSp>
+      <p:sp>
+        <p:nvSpPr>
+          <p:cNvPr id="33" name="文本框 32">
+            <a:extLst>
+              <a:ext uri="{FF2B5EF4-FFF2-40B4-BE49-F238E27FC236}">
+                <a16:creationId xmlns:a16="http://schemas.microsoft.com/office/drawing/2014/main" id="{F4EC1504-ECDC-4B86-B118-76FCB3FA363D}"/>
+              </a:ext>
+            </a:extLst>
+          </p:cNvPr>
+          <p:cNvSpPr txBox="1"/>
+          <p:nvPr/>
+        </p:nvSpPr>
+        <p:spPr>
+          <a:xfrm>
+            <a:off x="8453838" y="499463"/>
+            <a:ext cx="3606800" cy="1754326"/>
+          </a:xfrm>
+          <a:prstGeom prst="rect">
+            <a:avLst/>
+          </a:prstGeom>
+          <a:noFill/>
+        </p:spPr>
+        <p:txBody>
+          <a:bodyPr wrap="square" rtlCol="0">
+            <a:spAutoFit/>
+          </a:bodyPr>
+          <a:lstStyle/>
+          <a:p>
+            <a:r>
+              <a:rPr lang="zh-CN" altLang="en-US" dirty="0"/>
+              <a:t>对象：轨迹、作物、分界线</a:t>
+            </a:r>
+            <a:endParaRPr lang="en-US" altLang="zh-CN" dirty="0"/>
+          </a:p>
+          <a:p>
+            <a:r>
+              <a:rPr lang="zh-CN" altLang="en-US" dirty="0"/>
+              <a:t>不同生长时期</a:t>
+            </a:r>
+            <a:endParaRPr lang="en-US" altLang="zh-CN" dirty="0"/>
+          </a:p>
+          <a:p>
+            <a:r>
+              <a:rPr lang="zh-CN" altLang="en-US" dirty="0"/>
+              <a:t>不同天气环境</a:t>
+            </a:r>
+            <a:endParaRPr lang="en-US" altLang="zh-CN" dirty="0"/>
+          </a:p>
+          <a:p>
+            <a:endParaRPr lang="en-US" altLang="zh-CN" dirty="0"/>
+          </a:p>
+          <a:p>
+            <a:r>
+              <a:rPr lang="zh-CN" altLang="en-US" dirty="0"/>
+              <a:t>水田、旱地</a:t>
+            </a:r>
+            <a:endParaRPr lang="en-US" altLang="zh-CN" dirty="0"/>
+          </a:p>
+          <a:p>
+            <a:endParaRPr lang="en-US" altLang="zh-CN" dirty="0"/>
+          </a:p>
+        </p:txBody>
+      </p:sp>
+      <p:sp>
+        <p:nvSpPr>
+          <p:cNvPr id="34" name="文本框 33">
+            <a:extLst>
+              <a:ext uri="{FF2B5EF4-FFF2-40B4-BE49-F238E27FC236}">
+                <a16:creationId xmlns:a16="http://schemas.microsoft.com/office/drawing/2014/main" id="{6B0C7FE7-3A99-42E0-AAEB-602040D8B6FA}"/>
+              </a:ext>
+            </a:extLst>
+          </p:cNvPr>
+          <p:cNvSpPr txBox="1"/>
+          <p:nvPr/>
+        </p:nvSpPr>
+        <p:spPr>
+          <a:xfrm>
+            <a:off x="8453838" y="2216896"/>
+            <a:ext cx="3606800" cy="369332"/>
+          </a:xfrm>
+          <a:prstGeom prst="rect">
+            <a:avLst/>
+          </a:prstGeom>
+          <a:noFill/>
+        </p:spPr>
+        <p:txBody>
+          <a:bodyPr wrap="square" rtlCol="0">
+            <a:spAutoFit/>
+          </a:bodyPr>
+          <a:lstStyle/>
+          <a:p>
+            <a:r>
+              <a:rPr lang="zh-CN" altLang="en-US" dirty="0"/>
+              <a:t>精度</a:t>
+            </a:r>
+            <a:endParaRPr lang="en-US" altLang="zh-CN" dirty="0"/>
+          </a:p>
+        </p:txBody>
+      </p:sp>
+      <p:sp>
+        <p:nvSpPr>
+          <p:cNvPr id="36" name="矩形: 圆角 35">
+            <a:extLst>
+              <a:ext uri="{FF2B5EF4-FFF2-40B4-BE49-F238E27FC236}">
+                <a16:creationId xmlns:a16="http://schemas.microsoft.com/office/drawing/2014/main" id="{A958173C-6CCE-454F-9287-E6C20130B87C}"/>
+              </a:ext>
+            </a:extLst>
+          </p:cNvPr>
+          <p:cNvSpPr/>
+          <p:nvPr/>
+        </p:nvSpPr>
+        <p:spPr>
+          <a:xfrm>
+            <a:off x="4130776" y="88900"/>
+            <a:ext cx="3191359" cy="6007094"/>
+          </a:xfrm>
+          <a:prstGeom prst="roundRect">
+            <a:avLst/>
+          </a:prstGeom>
+          <a:noFill/>
+          <a:ln>
+            <a:solidFill>
+              <a:schemeClr val="tx1"/>
+            </a:solidFill>
+          </a:ln>
+        </p:spPr>
+        <p:style>
+          <a:lnRef idx="2">
+            <a:schemeClr val="accent1">
+              <a:shade val="50000"/>
+            </a:schemeClr>
+          </a:lnRef>
+          <a:fillRef idx="1">
+            <a:schemeClr val="accent1"/>
+          </a:fillRef>
+          <a:effectRef idx="0">
+            <a:schemeClr val="accent1"/>
+          </a:effectRef>
+          <a:fontRef idx="minor">
+            <a:schemeClr val="lt1"/>
+          </a:fontRef>
+        </p:style>
+        <p:txBody>
+          <a:bodyPr rot="0" spcFirstLastPara="0" vertOverflow="overflow" horzOverflow="overflow" vert="horz" wrap="square" lIns="91440" tIns="45720" rIns="91440" bIns="45720" numCol="1" spcCol="0" rtlCol="0" fromWordArt="0" anchor="ctr" anchorCtr="0" forceAA="0" compatLnSpc="1">
+            <a:prstTxWarp prst="textNoShape">
+              <a:avLst/>
+            </a:prstTxWarp>
+            <a:noAutofit/>
+          </a:bodyPr>
+          <a:lstStyle/>
+          <a:p>
+            <a:pPr algn="ctr"/>
+            <a:endParaRPr lang="zh-CN" altLang="en-US" dirty="0">
+              <a:solidFill>
+                <a:schemeClr val="tx1"/>
+              </a:solidFill>
+            </a:endParaRPr>
+          </a:p>
+        </p:txBody>
+      </p:sp>
+      <p:sp>
+        <p:nvSpPr>
+          <p:cNvPr id="43" name="文本框 42">
+            <a:extLst>
+              <a:ext uri="{FF2B5EF4-FFF2-40B4-BE49-F238E27FC236}">
+                <a16:creationId xmlns:a16="http://schemas.microsoft.com/office/drawing/2014/main" id="{C780F6F4-0CDF-4101-A38F-4A4DF8B798BF}"/>
+              </a:ext>
+            </a:extLst>
+          </p:cNvPr>
+          <p:cNvSpPr txBox="1"/>
+          <p:nvPr/>
+        </p:nvSpPr>
+        <p:spPr>
+          <a:xfrm>
+            <a:off x="4512477" y="1712450"/>
+            <a:ext cx="457200" cy="1200329"/>
+          </a:xfrm>
+          <a:prstGeom prst="rect">
+            <a:avLst/>
+          </a:prstGeom>
+          <a:noFill/>
+        </p:spPr>
+        <p:txBody>
+          <a:bodyPr wrap="square" rtlCol="0">
+            <a:spAutoFit/>
+          </a:bodyPr>
+          <a:lstStyle/>
+          <a:p>
+            <a:r>
+              <a:rPr lang="zh-CN" altLang="en-US" dirty="0"/>
+              <a:t>传统方法</a:t>
+            </a:r>
+          </a:p>
+        </p:txBody>
+      </p:sp>
+      <p:sp>
+        <p:nvSpPr>
+          <p:cNvPr id="44" name="矩形: 圆角 43">
+            <a:extLst>
+              <a:ext uri="{FF2B5EF4-FFF2-40B4-BE49-F238E27FC236}">
+                <a16:creationId xmlns:a16="http://schemas.microsoft.com/office/drawing/2014/main" id="{38B36C71-59B5-4EC0-9798-E4FA19C4FF19}"/>
+              </a:ext>
+            </a:extLst>
+          </p:cNvPr>
+          <p:cNvSpPr/>
+          <p:nvPr/>
+        </p:nvSpPr>
+        <p:spPr>
+          <a:xfrm>
+            <a:off x="812799" y="2066980"/>
+            <a:ext cx="2641601" cy="4581687"/>
+          </a:xfrm>
+          <a:prstGeom prst="roundRect">
+            <a:avLst/>
+          </a:prstGeom>
+          <a:noFill/>
+          <a:ln>
+            <a:solidFill>
+              <a:schemeClr val="tx1"/>
+            </a:solidFill>
+          </a:ln>
+        </p:spPr>
+        <p:style>
+          <a:lnRef idx="2">
+            <a:schemeClr val="accent1">
+              <a:shade val="50000"/>
+            </a:schemeClr>
+          </a:lnRef>
+          <a:fillRef idx="1">
+            <a:schemeClr val="accent1"/>
+          </a:fillRef>
+          <a:effectRef idx="0">
+            <a:schemeClr val="accent1"/>
+          </a:effectRef>
+          <a:fontRef idx="minor">
+            <a:schemeClr val="lt1"/>
+          </a:fontRef>
+        </p:style>
+        <p:txBody>
+          <a:bodyPr rot="0" spcFirstLastPara="0" vertOverflow="overflow" horzOverflow="overflow" vert="horz" wrap="square" lIns="91440" tIns="45720" rIns="91440" bIns="45720" numCol="1" spcCol="0" rtlCol="0" fromWordArt="0" anchor="ctr" anchorCtr="0" forceAA="0" compatLnSpc="1">
+            <a:prstTxWarp prst="textNoShape">
+              <a:avLst/>
+            </a:prstTxWarp>
+            <a:noAutofit/>
+          </a:bodyPr>
+          <a:lstStyle/>
+          <a:p>
+            <a:pPr algn="ctr"/>
+            <a:endParaRPr lang="zh-CN" altLang="en-US" dirty="0">
+              <a:solidFill>
+                <a:schemeClr val="tx1"/>
+              </a:solidFill>
+            </a:endParaRPr>
+          </a:p>
+        </p:txBody>
+      </p:sp>
+      <p:sp>
+        <p:nvSpPr>
+          <p:cNvPr id="45" name="文本框 44">
+            <a:extLst>
+              <a:ext uri="{FF2B5EF4-FFF2-40B4-BE49-F238E27FC236}">
+                <a16:creationId xmlns:a16="http://schemas.microsoft.com/office/drawing/2014/main" id="{701B75CB-7E15-43F4-8B58-B9083E25E6D9}"/>
+              </a:ext>
+            </a:extLst>
+          </p:cNvPr>
+          <p:cNvSpPr txBox="1"/>
+          <p:nvPr/>
+        </p:nvSpPr>
+        <p:spPr>
+          <a:xfrm>
+            <a:off x="1600948" y="2355007"/>
+            <a:ext cx="1107996" cy="369332"/>
+          </a:xfrm>
+          <a:prstGeom prst="rect">
+            <a:avLst/>
+          </a:prstGeom>
+          <a:noFill/>
+        </p:spPr>
+        <p:txBody>
+          <a:bodyPr wrap="none" rtlCol="0">
+            <a:spAutoFit/>
+          </a:bodyPr>
+          <a:lstStyle/>
+          <a:p>
+            <a:r>
+              <a:rPr lang="zh-CN" altLang="en-US" dirty="0"/>
+              <a:t>新型方法</a:t>
+            </a:r>
+          </a:p>
+        </p:txBody>
+      </p:sp>
+      <p:cxnSp>
+        <p:nvCxnSpPr>
+          <p:cNvPr id="50" name="直接箭头连接符 49">
+            <a:extLst>
+              <a:ext uri="{FF2B5EF4-FFF2-40B4-BE49-F238E27FC236}">
+                <a16:creationId xmlns:a16="http://schemas.microsoft.com/office/drawing/2014/main" id="{EC762128-7465-4C89-BF3B-25CF1AF2A61A}"/>
+              </a:ext>
+            </a:extLst>
+          </p:cNvPr>
+          <p:cNvCxnSpPr>
+            <a:cxnSpLocks/>
+            <a:stCxn id="12" idx="2"/>
+            <a:endCxn id="11" idx="1"/>
+          </p:cNvCxnSpPr>
+          <p:nvPr/>
+        </p:nvCxnSpPr>
+        <p:spPr>
+          <a:xfrm>
+            <a:off x="4697384" y="4263272"/>
+            <a:ext cx="565097" cy="1398544"/>
+          </a:xfrm>
+          <a:prstGeom prst="straightConnector1">
+            <a:avLst/>
+          </a:prstGeom>
+          <a:ln>
+            <a:tailEnd type="triangle"/>
+          </a:ln>
+        </p:spPr>
+        <p:style>
+          <a:lnRef idx="1">
+            <a:schemeClr val="accent1"/>
+          </a:lnRef>
+          <a:fillRef idx="0">
+            <a:schemeClr val="accent1"/>
+          </a:fillRef>
+          <a:effectRef idx="0">
+            <a:schemeClr val="accent1"/>
+          </a:effectRef>
+          <a:fontRef idx="minor">
+            <a:schemeClr val="tx1"/>
+          </a:fontRef>
+        </p:style>
+      </p:cxnSp>
+      <p:sp>
+        <p:nvSpPr>
+          <p:cNvPr id="64" name="文本框 63">
+            <a:extLst>
+              <a:ext uri="{FF2B5EF4-FFF2-40B4-BE49-F238E27FC236}">
+                <a16:creationId xmlns:a16="http://schemas.microsoft.com/office/drawing/2014/main" id="{1E632D61-F4A0-417F-9139-AD45FE303F9A}"/>
+              </a:ext>
+            </a:extLst>
+          </p:cNvPr>
+          <p:cNvSpPr txBox="1"/>
+          <p:nvPr/>
+        </p:nvSpPr>
+        <p:spPr>
+          <a:xfrm>
+            <a:off x="1816392" y="6143902"/>
+            <a:ext cx="677108" cy="390465"/>
+          </a:xfrm>
+          <a:prstGeom prst="rect">
+            <a:avLst/>
+          </a:prstGeom>
+          <a:noFill/>
+        </p:spPr>
+        <p:txBody>
+          <a:bodyPr vert="eaVert" wrap="square" rtlCol="0">
+            <a:spAutoFit/>
+          </a:bodyPr>
+          <a:lstStyle/>
+          <a:p>
+            <a:r>
+              <a:rPr lang="en-US" altLang="zh-CN" sz="3200" dirty="0"/>
+              <a:t>···</a:t>
+            </a:r>
+          </a:p>
+        </p:txBody>
+      </p:sp>
+      <p:sp>
+        <p:nvSpPr>
+          <p:cNvPr id="69" name="矩形 68">
+            <a:extLst>
+              <a:ext uri="{FF2B5EF4-FFF2-40B4-BE49-F238E27FC236}">
+                <a16:creationId xmlns:a16="http://schemas.microsoft.com/office/drawing/2014/main" id="{21D68848-F529-4E96-B1EB-BF4DA6D83FF1}"/>
+              </a:ext>
+            </a:extLst>
+          </p:cNvPr>
+          <p:cNvSpPr/>
+          <p:nvPr/>
+        </p:nvSpPr>
+        <p:spPr>
+          <a:xfrm>
+            <a:off x="1328509" y="5360438"/>
+            <a:ext cx="1652874" cy="483712"/>
+          </a:xfrm>
+          <a:prstGeom prst="rect">
+            <a:avLst/>
+          </a:prstGeom>
+          <a:noFill/>
+          <a:ln>
+            <a:solidFill>
+              <a:schemeClr val="tx1"/>
+            </a:solidFill>
+          </a:ln>
+        </p:spPr>
+        <p:style>
+          <a:lnRef idx="2">
+            <a:schemeClr val="accent1">
+              <a:shade val="50000"/>
+            </a:schemeClr>
+          </a:lnRef>
+          <a:fillRef idx="1">
+            <a:schemeClr val="accent1"/>
+          </a:fillRef>
+          <a:effectRef idx="0">
+            <a:schemeClr val="accent1"/>
+          </a:effectRef>
+          <a:fontRef idx="minor">
+            <a:schemeClr val="lt1"/>
+          </a:fontRef>
+        </p:style>
+        <p:txBody>
+          <a:bodyPr rot="0" spcFirstLastPara="0" vertOverflow="overflow" horzOverflow="overflow" vert="horz" wrap="square" lIns="91440" tIns="45720" rIns="91440" bIns="45720" numCol="1" spcCol="0" rtlCol="0" fromWordArt="0" anchor="ctr" anchorCtr="0" forceAA="0" compatLnSpc="1">
+            <a:prstTxWarp prst="textNoShape">
+              <a:avLst/>
+            </a:prstTxWarp>
+            <a:noAutofit/>
+          </a:bodyPr>
+          <a:lstStyle/>
+          <a:p>
+            <a:pPr algn="ctr"/>
+            <a:r>
+              <a:rPr lang="zh-CN" altLang="en-US" dirty="0">
+                <a:solidFill>
+                  <a:schemeClr val="tx1"/>
+                </a:solidFill>
+              </a:rPr>
+              <a:t>动态规划</a:t>
+            </a:r>
+          </a:p>
+        </p:txBody>
+      </p:sp>
+      <p:cxnSp>
+        <p:nvCxnSpPr>
+          <p:cNvPr id="77" name="直接箭头连接符 76">
+            <a:extLst>
+              <a:ext uri="{FF2B5EF4-FFF2-40B4-BE49-F238E27FC236}">
+                <a16:creationId xmlns:a16="http://schemas.microsoft.com/office/drawing/2014/main" id="{956235E4-2504-490F-BBC1-61E60532D94A}"/>
+              </a:ext>
+            </a:extLst>
+          </p:cNvPr>
+          <p:cNvCxnSpPr>
+            <a:cxnSpLocks/>
+            <a:stCxn id="69" idx="3"/>
+            <a:endCxn id="11" idx="1"/>
+          </p:cNvCxnSpPr>
+          <p:nvPr/>
+        </p:nvCxnSpPr>
+        <p:spPr>
+          <a:xfrm>
+            <a:off x="2981383" y="5602294"/>
+            <a:ext cx="2281095" cy="59522"/>
+          </a:xfrm>
+          <a:prstGeom prst="straightConnector1">
+            <a:avLst/>
+          </a:prstGeom>
+          <a:ln>
+            <a:tailEnd type="triangle"/>
+          </a:ln>
+        </p:spPr>
+        <p:style>
+          <a:lnRef idx="1">
+            <a:schemeClr val="accent1"/>
+          </a:lnRef>
+          <a:fillRef idx="0">
+            <a:schemeClr val="accent1"/>
+          </a:fillRef>
+          <a:effectRef idx="0">
+            <a:schemeClr val="accent1"/>
+          </a:effectRef>
+          <a:fontRef idx="minor">
+            <a:schemeClr val="tx1"/>
+          </a:fontRef>
+        </p:style>
+      </p:cxnSp>
+      <p:sp>
+        <p:nvSpPr>
+          <p:cNvPr id="107" name="文本框 106">
+            <a:extLst>
+              <a:ext uri="{FF2B5EF4-FFF2-40B4-BE49-F238E27FC236}">
+                <a16:creationId xmlns:a16="http://schemas.microsoft.com/office/drawing/2014/main" id="{3E4B6559-B1ED-4552-8DEB-9E3C2975BD0C}"/>
+              </a:ext>
+            </a:extLst>
+          </p:cNvPr>
+          <p:cNvSpPr txBox="1"/>
+          <p:nvPr/>
+        </p:nvSpPr>
+        <p:spPr>
+          <a:xfrm>
+            <a:off x="8453837" y="2719883"/>
+            <a:ext cx="1107996" cy="369332"/>
+          </a:xfrm>
+          <a:prstGeom prst="rect">
+            <a:avLst/>
+          </a:prstGeom>
+          <a:noFill/>
+        </p:spPr>
+        <p:txBody>
+          <a:bodyPr wrap="none" rtlCol="0">
+            <a:spAutoFit/>
+          </a:bodyPr>
+          <a:lstStyle/>
+          <a:p>
+            <a:r>
+              <a:rPr lang="zh-CN" altLang="en-US" dirty="0"/>
+              <a:t>适用对象</a:t>
+            </a:r>
+          </a:p>
+        </p:txBody>
+      </p:sp>
+      <p:sp>
+        <p:nvSpPr>
+          <p:cNvPr id="28" name="矩形 27">
+            <a:extLst>
+              <a:ext uri="{FF2B5EF4-FFF2-40B4-BE49-F238E27FC236}">
+                <a16:creationId xmlns:a16="http://schemas.microsoft.com/office/drawing/2014/main" id="{7C458922-A487-45AD-8E91-C2BEC5D0A75E}"/>
+              </a:ext>
+            </a:extLst>
+          </p:cNvPr>
+          <p:cNvSpPr/>
+          <p:nvPr/>
+        </p:nvSpPr>
+        <p:spPr>
+          <a:xfrm>
+            <a:off x="1313277" y="2857500"/>
+            <a:ext cx="1652874" cy="483712"/>
+          </a:xfrm>
+          <a:prstGeom prst="rect">
+            <a:avLst/>
+          </a:prstGeom>
+          <a:noFill/>
+          <a:ln>
+            <a:solidFill>
+              <a:schemeClr val="tx1"/>
+            </a:solidFill>
+          </a:ln>
+        </p:spPr>
+        <p:style>
+          <a:lnRef idx="2">
+            <a:schemeClr val="accent1">
+              <a:shade val="50000"/>
+            </a:schemeClr>
+          </a:lnRef>
+          <a:fillRef idx="1">
+            <a:schemeClr val="accent1"/>
+          </a:fillRef>
+          <a:effectRef idx="0">
+            <a:schemeClr val="accent1"/>
+          </a:effectRef>
+          <a:fontRef idx="minor">
+            <a:schemeClr val="lt1"/>
+          </a:fontRef>
+        </p:style>
+        <p:txBody>
+          <a:bodyPr rot="0" spcFirstLastPara="0" vertOverflow="overflow" horzOverflow="overflow" vert="horz" wrap="square" lIns="91440" tIns="45720" rIns="91440" bIns="45720" numCol="1" spcCol="0" rtlCol="0" fromWordArt="0" anchor="ctr" anchorCtr="0" forceAA="0" compatLnSpc="1">
+            <a:prstTxWarp prst="textNoShape">
+              <a:avLst/>
+            </a:prstTxWarp>
+            <a:noAutofit/>
+          </a:bodyPr>
+          <a:lstStyle/>
+          <a:p>
+            <a:pPr algn="ctr"/>
+            <a:r>
+              <a:rPr lang="zh-CN" altLang="en-US" dirty="0">
+                <a:solidFill>
+                  <a:schemeClr val="tx1"/>
+                </a:solidFill>
+              </a:rPr>
+              <a:t>外接矩形</a:t>
+            </a:r>
+          </a:p>
+        </p:txBody>
+      </p:sp>
+    </p:spTree>
+    <p:extLst>
+      <p:ext uri="{BB962C8B-B14F-4D97-AF65-F5344CB8AC3E}">
+        <p14:creationId xmlns:p14="http://schemas.microsoft.com/office/powerpoint/2010/main" val="925224395"/>
+      </p:ext>
+    </p:extLst>
+  </p:cSld>
+  <p:clrMapOvr>
+    <a:masterClrMapping/>
+  </p:clrMapOvr>
+</p:sld>
+</file>
+
+<file path=ppt/slides/slide6.xml><?xml version="1.0" encoding="utf-8"?>
+<p:sld xmlns:a="http://schemas.openxmlformats.org/drawingml/2006/main" xmlns:r="http://schemas.openxmlformats.org/officeDocument/2006/relationships" xmlns:p="http://schemas.openxmlformats.org/presentationml/2006/main">
+  <p:cSld>
+    <p:spTree>
+      <p:nvGrpSpPr>
+        <p:cNvPr id="1" name=""/>
+        <p:cNvGrpSpPr/>
+        <p:nvPr/>
+      </p:nvGrpSpPr>
+      <p:grpSpPr>
+        <a:xfrm>
+          <a:off x="0" y="0"/>
+          <a:ext cx="0" cy="0"/>
+          <a:chOff x="0" y="0"/>
+          <a:chExt cx="0" cy="0"/>
+        </a:xfrm>
+      </p:grpSpPr>
+      <p:sp>
+        <p:nvSpPr>
           <p:cNvPr id="4" name="矩形: 圆角 3">
             <a:extLst>
               <a:ext uri="{FF2B5EF4-FFF2-40B4-BE49-F238E27FC236}">
@@ -13340,7 +14129,7 @@
 </p:sld>
 </file>
 
-<file path=ppt/slides/slide6.xml><?xml version="1.0" encoding="utf-8"?>
+<file path=ppt/slides/slide7.xml><?xml version="1.0" encoding="utf-8"?>
 <p:sld xmlns:a="http://schemas.openxmlformats.org/drawingml/2006/main" xmlns:r="http://schemas.openxmlformats.org/officeDocument/2006/relationships" xmlns:p="http://schemas.openxmlformats.org/presentationml/2006/main">
   <p:cSld>
     <p:spTree>
@@ -14113,7 +14902,7 @@
 </p:sld>
 </file>
 
-<file path=ppt/slides/slide7.xml><?xml version="1.0" encoding="utf-8"?>
+<file path=ppt/slides/slide8.xml><?xml version="1.0" encoding="utf-8"?>
 <p:sld xmlns:a="http://schemas.openxmlformats.org/drawingml/2006/main" xmlns:r="http://schemas.openxmlformats.org/officeDocument/2006/relationships" xmlns:p="http://schemas.openxmlformats.org/presentationml/2006/main">
   <p:cSld>
     <p:spTree>
@@ -14336,1144 +15125,6 @@
     <p:extLst>
       <p:ext uri="{BB962C8B-B14F-4D97-AF65-F5344CB8AC3E}">
         <p14:creationId xmlns:p14="http://schemas.microsoft.com/office/powerpoint/2010/main" val="924273105"/>
-      </p:ext>
-    </p:extLst>
-  </p:cSld>
-  <p:clrMapOvr>
-    <a:masterClrMapping/>
-  </p:clrMapOvr>
-</p:sld>
-</file>
-
-<file path=ppt/slides/slide8.xml><?xml version="1.0" encoding="utf-8"?>
-<p:sld xmlns:a="http://schemas.openxmlformats.org/drawingml/2006/main" xmlns:r="http://schemas.openxmlformats.org/officeDocument/2006/relationships" xmlns:p="http://schemas.openxmlformats.org/presentationml/2006/main">
-  <p:cSld>
-    <p:spTree>
-      <p:nvGrpSpPr>
-        <p:cNvPr id="1" name=""/>
-        <p:cNvGrpSpPr/>
-        <p:nvPr/>
-      </p:nvGrpSpPr>
-      <p:grpSpPr>
-        <a:xfrm>
-          <a:off x="0" y="0"/>
-          <a:ext cx="0" cy="0"/>
-          <a:chOff x="0" y="0"/>
-          <a:chExt cx="0" cy="0"/>
-        </a:xfrm>
-      </p:grpSpPr>
-      <p:cxnSp>
-        <p:nvCxnSpPr>
-          <p:cNvPr id="6" name="直接箭头连接符 5">
-            <a:extLst>
-              <a:ext uri="{FF2B5EF4-FFF2-40B4-BE49-F238E27FC236}">
-                <a16:creationId xmlns:a16="http://schemas.microsoft.com/office/drawing/2014/main" id="{E989BC5B-04C7-4F3E-85F7-F9638B3D728B}"/>
-              </a:ext>
-            </a:extLst>
-          </p:cNvPr>
-          <p:cNvCxnSpPr/>
-          <p:nvPr/>
-        </p:nvCxnSpPr>
-        <p:spPr>
-          <a:xfrm flipV="1">
-            <a:off x="2988734" y="1151466"/>
-            <a:ext cx="0" cy="1507067"/>
-          </a:xfrm>
-          <a:prstGeom prst="straightConnector1">
-            <a:avLst/>
-          </a:prstGeom>
-          <a:ln w="12700">
-            <a:solidFill>
-              <a:schemeClr val="tx1"/>
-            </a:solidFill>
-            <a:tailEnd type="triangle"/>
-          </a:ln>
-        </p:spPr>
-        <p:style>
-          <a:lnRef idx="1">
-            <a:schemeClr val="accent1"/>
-          </a:lnRef>
-          <a:fillRef idx="0">
-            <a:schemeClr val="accent1"/>
-          </a:fillRef>
-          <a:effectRef idx="0">
-            <a:schemeClr val="accent1"/>
-          </a:effectRef>
-          <a:fontRef idx="minor">
-            <a:schemeClr val="tx1"/>
-          </a:fontRef>
-        </p:style>
-      </p:cxnSp>
-      <p:cxnSp>
-        <p:nvCxnSpPr>
-          <p:cNvPr id="8" name="直接箭头连接符 7">
-            <a:extLst>
-              <a:ext uri="{FF2B5EF4-FFF2-40B4-BE49-F238E27FC236}">
-                <a16:creationId xmlns:a16="http://schemas.microsoft.com/office/drawing/2014/main" id="{6A1AC45B-28B7-4B0D-B0A8-843A81B9F512}"/>
-              </a:ext>
-            </a:extLst>
-          </p:cNvPr>
-          <p:cNvCxnSpPr>
-            <a:cxnSpLocks/>
-          </p:cNvCxnSpPr>
-          <p:nvPr/>
-        </p:nvCxnSpPr>
-        <p:spPr>
-          <a:xfrm>
-            <a:off x="2988734" y="2667000"/>
-            <a:ext cx="2768600" cy="0"/>
-          </a:xfrm>
-          <a:prstGeom prst="straightConnector1">
-            <a:avLst/>
-          </a:prstGeom>
-          <a:ln w="12700">
-            <a:solidFill>
-              <a:schemeClr val="tx1"/>
-            </a:solidFill>
-            <a:tailEnd type="triangle"/>
-          </a:ln>
-        </p:spPr>
-        <p:style>
-          <a:lnRef idx="1">
-            <a:schemeClr val="accent1"/>
-          </a:lnRef>
-          <a:fillRef idx="0">
-            <a:schemeClr val="accent1"/>
-          </a:fillRef>
-          <a:effectRef idx="0">
-            <a:schemeClr val="accent1"/>
-          </a:effectRef>
-          <a:fontRef idx="minor">
-            <a:schemeClr val="tx1"/>
-          </a:fontRef>
-        </p:style>
-      </p:cxnSp>
-      <p:cxnSp>
-        <p:nvCxnSpPr>
-          <p:cNvPr id="10" name="直接箭头连接符 9">
-            <a:extLst>
-              <a:ext uri="{FF2B5EF4-FFF2-40B4-BE49-F238E27FC236}">
-                <a16:creationId xmlns:a16="http://schemas.microsoft.com/office/drawing/2014/main" id="{E423BFDC-19C3-4E29-9403-B13697397E6D}"/>
-              </a:ext>
-            </a:extLst>
-          </p:cNvPr>
-          <p:cNvCxnSpPr/>
-          <p:nvPr/>
-        </p:nvCxnSpPr>
-        <p:spPr>
-          <a:xfrm flipH="1">
-            <a:off x="1651000" y="2658533"/>
-            <a:ext cx="1337734" cy="1837267"/>
-          </a:xfrm>
-          <a:prstGeom prst="straightConnector1">
-            <a:avLst/>
-          </a:prstGeom>
-          <a:ln w="12700">
-            <a:solidFill>
-              <a:schemeClr val="tx1"/>
-            </a:solidFill>
-            <a:tailEnd type="triangle"/>
-          </a:ln>
-        </p:spPr>
-        <p:style>
-          <a:lnRef idx="1">
-            <a:schemeClr val="accent1"/>
-          </a:lnRef>
-          <a:fillRef idx="0">
-            <a:schemeClr val="accent1"/>
-          </a:fillRef>
-          <a:effectRef idx="0">
-            <a:schemeClr val="accent1"/>
-          </a:effectRef>
-          <a:fontRef idx="minor">
-            <a:schemeClr val="tx1"/>
-          </a:fontRef>
-        </p:style>
-      </p:cxnSp>
-      <p:cxnSp>
-        <p:nvCxnSpPr>
-          <p:cNvPr id="12" name="直接箭头连接符 11">
-            <a:extLst>
-              <a:ext uri="{FF2B5EF4-FFF2-40B4-BE49-F238E27FC236}">
-                <a16:creationId xmlns:a16="http://schemas.microsoft.com/office/drawing/2014/main" id="{08B94FCB-DDE2-4A1D-AC9D-56AE0557656A}"/>
-              </a:ext>
-            </a:extLst>
-          </p:cNvPr>
-          <p:cNvCxnSpPr/>
-          <p:nvPr/>
-        </p:nvCxnSpPr>
-        <p:spPr>
-          <a:xfrm flipV="1">
-            <a:off x="2506134" y="1820333"/>
-            <a:ext cx="364066" cy="592667"/>
-          </a:xfrm>
-          <a:prstGeom prst="straightConnector1">
-            <a:avLst/>
-          </a:prstGeom>
-          <a:ln w="12700">
-            <a:solidFill>
-              <a:schemeClr val="tx1"/>
-            </a:solidFill>
-            <a:tailEnd type="triangle"/>
-          </a:ln>
-        </p:spPr>
-        <p:style>
-          <a:lnRef idx="1">
-            <a:schemeClr val="accent1"/>
-          </a:lnRef>
-          <a:fillRef idx="0">
-            <a:schemeClr val="accent1"/>
-          </a:fillRef>
-          <a:effectRef idx="0">
-            <a:schemeClr val="accent1"/>
-          </a:effectRef>
-          <a:fontRef idx="minor">
-            <a:schemeClr val="tx1"/>
-          </a:fontRef>
-        </p:style>
-      </p:cxnSp>
-      <p:cxnSp>
-        <p:nvCxnSpPr>
-          <p:cNvPr id="14" name="直接箭头连接符 13">
-            <a:extLst>
-              <a:ext uri="{FF2B5EF4-FFF2-40B4-BE49-F238E27FC236}">
-                <a16:creationId xmlns:a16="http://schemas.microsoft.com/office/drawing/2014/main" id="{2DEC0D55-4500-4A39-8862-F227FE023E0E}"/>
-              </a:ext>
-            </a:extLst>
-          </p:cNvPr>
-          <p:cNvCxnSpPr/>
-          <p:nvPr/>
-        </p:nvCxnSpPr>
-        <p:spPr>
-          <a:xfrm flipH="1">
-            <a:off x="1708716" y="2410947"/>
-            <a:ext cx="812800" cy="347133"/>
-          </a:xfrm>
-          <a:prstGeom prst="straightConnector1">
-            <a:avLst/>
-          </a:prstGeom>
-          <a:ln w="12700">
-            <a:solidFill>
-              <a:schemeClr val="tx1"/>
-            </a:solidFill>
-            <a:tailEnd type="triangle"/>
-          </a:ln>
-        </p:spPr>
-        <p:style>
-          <a:lnRef idx="1">
-            <a:schemeClr val="accent1"/>
-          </a:lnRef>
-          <a:fillRef idx="0">
-            <a:schemeClr val="accent1"/>
-          </a:fillRef>
-          <a:effectRef idx="0">
-            <a:schemeClr val="accent1"/>
-          </a:effectRef>
-          <a:fontRef idx="minor">
-            <a:schemeClr val="tx1"/>
-          </a:fontRef>
-        </p:style>
-      </p:cxnSp>
-      <p:cxnSp>
-        <p:nvCxnSpPr>
-          <p:cNvPr id="16" name="直接箭头连接符 15">
-            <a:extLst>
-              <a:ext uri="{FF2B5EF4-FFF2-40B4-BE49-F238E27FC236}">
-                <a16:creationId xmlns:a16="http://schemas.microsoft.com/office/drawing/2014/main" id="{272B5A7E-2444-4B84-B2BC-45AB5FAB9F43}"/>
-              </a:ext>
-            </a:extLst>
-          </p:cNvPr>
-          <p:cNvCxnSpPr/>
-          <p:nvPr/>
-        </p:nvCxnSpPr>
-        <p:spPr>
-          <a:xfrm>
-            <a:off x="2506134" y="2413000"/>
-            <a:ext cx="1608666" cy="1320800"/>
-          </a:xfrm>
-          <a:prstGeom prst="straightConnector1">
-            <a:avLst/>
-          </a:prstGeom>
-          <a:ln w="12700">
-            <a:solidFill>
-              <a:schemeClr val="tx1"/>
-            </a:solidFill>
-            <a:tailEnd type="triangle"/>
-          </a:ln>
-        </p:spPr>
-        <p:style>
-          <a:lnRef idx="1">
-            <a:schemeClr val="accent1"/>
-          </a:lnRef>
-          <a:fillRef idx="0">
-            <a:schemeClr val="accent1"/>
-          </a:fillRef>
-          <a:effectRef idx="0">
-            <a:schemeClr val="accent1"/>
-          </a:effectRef>
-          <a:fontRef idx="minor">
-            <a:schemeClr val="tx1"/>
-          </a:fontRef>
-        </p:style>
-      </p:cxnSp>
-      <p:cxnSp>
-        <p:nvCxnSpPr>
-          <p:cNvPr id="18" name="直接箭头连接符 17">
-            <a:extLst>
-              <a:ext uri="{FF2B5EF4-FFF2-40B4-BE49-F238E27FC236}">
-                <a16:creationId xmlns:a16="http://schemas.microsoft.com/office/drawing/2014/main" id="{5796D8B0-57CB-400E-BF91-18BEF2FA9518}"/>
-              </a:ext>
-            </a:extLst>
-          </p:cNvPr>
-          <p:cNvCxnSpPr/>
-          <p:nvPr/>
-        </p:nvCxnSpPr>
-        <p:spPr>
-          <a:xfrm flipV="1">
-            <a:off x="3344334" y="2777066"/>
-            <a:ext cx="224367" cy="338667"/>
-          </a:xfrm>
-          <a:prstGeom prst="straightConnector1">
-            <a:avLst/>
-          </a:prstGeom>
-          <a:ln w="12700">
-            <a:solidFill>
-              <a:schemeClr val="tx1"/>
-            </a:solidFill>
-            <a:tailEnd type="triangle"/>
-          </a:ln>
-        </p:spPr>
-        <p:style>
-          <a:lnRef idx="1">
-            <a:schemeClr val="accent1"/>
-          </a:lnRef>
-          <a:fillRef idx="0">
-            <a:schemeClr val="accent1"/>
-          </a:fillRef>
-          <a:effectRef idx="0">
-            <a:schemeClr val="accent1"/>
-          </a:effectRef>
-          <a:fontRef idx="minor">
-            <a:schemeClr val="tx1"/>
-          </a:fontRef>
-        </p:style>
-      </p:cxnSp>
-      <p:cxnSp>
-        <p:nvCxnSpPr>
-          <p:cNvPr id="20" name="直接箭头连接符 19">
-            <a:extLst>
-              <a:ext uri="{FF2B5EF4-FFF2-40B4-BE49-F238E27FC236}">
-                <a16:creationId xmlns:a16="http://schemas.microsoft.com/office/drawing/2014/main" id="{EBC6E7C7-09AE-467E-829F-2AF3534DA59D}"/>
-              </a:ext>
-            </a:extLst>
-          </p:cNvPr>
-          <p:cNvCxnSpPr/>
-          <p:nvPr/>
-        </p:nvCxnSpPr>
-        <p:spPr>
-          <a:xfrm flipH="1">
-            <a:off x="2901951" y="3115733"/>
-            <a:ext cx="442383" cy="186268"/>
-          </a:xfrm>
-          <a:prstGeom prst="straightConnector1">
-            <a:avLst/>
-          </a:prstGeom>
-          <a:ln w="12700">
-            <a:solidFill>
-              <a:schemeClr val="tx1"/>
-            </a:solidFill>
-            <a:tailEnd type="triangle"/>
-          </a:ln>
-        </p:spPr>
-        <p:style>
-          <a:lnRef idx="1">
-            <a:schemeClr val="accent1"/>
-          </a:lnRef>
-          <a:fillRef idx="0">
-            <a:schemeClr val="accent1"/>
-          </a:fillRef>
-          <a:effectRef idx="0">
-            <a:schemeClr val="accent1"/>
-          </a:effectRef>
-          <a:fontRef idx="minor">
-            <a:schemeClr val="tx1"/>
-          </a:fontRef>
-        </p:style>
-      </p:cxnSp>
-      <p:sp>
-        <p:nvSpPr>
-          <p:cNvPr id="21" name="文本框 20">
-            <a:extLst>
-              <a:ext uri="{FF2B5EF4-FFF2-40B4-BE49-F238E27FC236}">
-                <a16:creationId xmlns:a16="http://schemas.microsoft.com/office/drawing/2014/main" id="{097857C8-F442-4212-91C2-1DF94B4313BE}"/>
-              </a:ext>
-            </a:extLst>
-          </p:cNvPr>
-          <p:cNvSpPr txBox="1"/>
-          <p:nvPr/>
-        </p:nvSpPr>
-        <p:spPr>
-          <a:xfrm>
-            <a:off x="2943986" y="2370667"/>
-            <a:ext cx="521297" cy="369332"/>
-          </a:xfrm>
-          <a:prstGeom prst="rect">
-            <a:avLst/>
-          </a:prstGeom>
-          <a:noFill/>
-        </p:spPr>
-        <p:txBody>
-          <a:bodyPr wrap="none" rtlCol="0">
-            <a:spAutoFit/>
-          </a:bodyPr>
-          <a:lstStyle/>
-          <a:p>
-            <a:r>
-              <a:rPr lang="en-US" altLang="zh-CN" dirty="0"/>
-              <a:t>Ow</a:t>
-            </a:r>
-            <a:endParaRPr lang="zh-CN" altLang="en-US" dirty="0"/>
-          </a:p>
-        </p:txBody>
-      </p:sp>
-      <p:sp>
-        <p:nvSpPr>
-          <p:cNvPr id="22" name="文本框 21">
-            <a:extLst>
-              <a:ext uri="{FF2B5EF4-FFF2-40B4-BE49-F238E27FC236}">
-                <a16:creationId xmlns:a16="http://schemas.microsoft.com/office/drawing/2014/main" id="{DD865E09-380C-4C13-A2F3-6E89E6E70FDD}"/>
-              </a:ext>
-            </a:extLst>
-          </p:cNvPr>
-          <p:cNvSpPr txBox="1"/>
-          <p:nvPr/>
-        </p:nvSpPr>
-        <p:spPr>
-          <a:xfrm>
-            <a:off x="2984851" y="1207069"/>
-            <a:ext cx="478016" cy="369332"/>
-          </a:xfrm>
-          <a:prstGeom prst="rect">
-            <a:avLst/>
-          </a:prstGeom>
-          <a:noFill/>
-        </p:spPr>
-        <p:txBody>
-          <a:bodyPr wrap="none" rtlCol="0">
-            <a:spAutoFit/>
-          </a:bodyPr>
-          <a:lstStyle/>
-          <a:p>
-            <a:r>
-              <a:rPr lang="en-US" altLang="zh-CN" dirty="0" err="1"/>
-              <a:t>Zw</a:t>
-            </a:r>
-            <a:endParaRPr lang="zh-CN" altLang="en-US" dirty="0"/>
-          </a:p>
-        </p:txBody>
-      </p:sp>
-      <p:sp>
-        <p:nvSpPr>
-          <p:cNvPr id="25" name="文本框 24">
-            <a:extLst>
-              <a:ext uri="{FF2B5EF4-FFF2-40B4-BE49-F238E27FC236}">
-                <a16:creationId xmlns:a16="http://schemas.microsoft.com/office/drawing/2014/main" id="{2A923D9C-4B35-424F-834C-19E40596277B}"/>
-              </a:ext>
-            </a:extLst>
-          </p:cNvPr>
-          <p:cNvSpPr txBox="1"/>
-          <p:nvPr/>
-        </p:nvSpPr>
-        <p:spPr>
-          <a:xfrm>
-            <a:off x="5764595" y="2370670"/>
-            <a:ext cx="473206" cy="369332"/>
-          </a:xfrm>
-          <a:prstGeom prst="rect">
-            <a:avLst/>
-          </a:prstGeom>
-          <a:noFill/>
-        </p:spPr>
-        <p:txBody>
-          <a:bodyPr wrap="none" rtlCol="0">
-            <a:spAutoFit/>
-          </a:bodyPr>
-          <a:lstStyle/>
-          <a:p>
-            <a:r>
-              <a:rPr lang="en-US" altLang="zh-CN" dirty="0" err="1"/>
-              <a:t>Yw</a:t>
-            </a:r>
-            <a:endParaRPr lang="zh-CN" altLang="en-US" dirty="0"/>
-          </a:p>
-        </p:txBody>
-      </p:sp>
-      <p:sp>
-        <p:nvSpPr>
-          <p:cNvPr id="28" name="文本框 27">
-            <a:extLst>
-              <a:ext uri="{FF2B5EF4-FFF2-40B4-BE49-F238E27FC236}">
-                <a16:creationId xmlns:a16="http://schemas.microsoft.com/office/drawing/2014/main" id="{17D9E347-5B35-45DF-B179-594D3F921B40}"/>
-              </a:ext>
-            </a:extLst>
-          </p:cNvPr>
-          <p:cNvSpPr txBox="1"/>
-          <p:nvPr/>
-        </p:nvSpPr>
-        <p:spPr>
-          <a:xfrm>
-            <a:off x="1058797" y="4126468"/>
-            <a:ext cx="479618" cy="369332"/>
-          </a:xfrm>
-          <a:prstGeom prst="rect">
-            <a:avLst/>
-          </a:prstGeom>
-          <a:noFill/>
-        </p:spPr>
-        <p:txBody>
-          <a:bodyPr wrap="none" rtlCol="0">
-            <a:spAutoFit/>
-          </a:bodyPr>
-          <a:lstStyle/>
-          <a:p>
-            <a:r>
-              <a:rPr lang="en-US" altLang="zh-CN" dirty="0" err="1"/>
-              <a:t>Xw</a:t>
-            </a:r>
-            <a:endParaRPr lang="zh-CN" altLang="en-US" dirty="0"/>
-          </a:p>
-        </p:txBody>
-      </p:sp>
-      <p:sp>
-        <p:nvSpPr>
-          <p:cNvPr id="29" name="文本框 28">
-            <a:extLst>
-              <a:ext uri="{FF2B5EF4-FFF2-40B4-BE49-F238E27FC236}">
-                <a16:creationId xmlns:a16="http://schemas.microsoft.com/office/drawing/2014/main" id="{C7FB8AB8-CE22-4A59-B24F-982EDE136355}"/>
-              </a:ext>
-            </a:extLst>
-          </p:cNvPr>
-          <p:cNvSpPr txBox="1"/>
-          <p:nvPr/>
-        </p:nvSpPr>
-        <p:spPr>
-          <a:xfrm>
-            <a:off x="1549967" y="2289201"/>
-            <a:ext cx="421910" cy="369332"/>
-          </a:xfrm>
-          <a:prstGeom prst="rect">
-            <a:avLst/>
-          </a:prstGeom>
-          <a:noFill/>
-        </p:spPr>
-        <p:txBody>
-          <a:bodyPr wrap="none" rtlCol="0">
-            <a:spAutoFit/>
-          </a:bodyPr>
-          <a:lstStyle/>
-          <a:p>
-            <a:r>
-              <a:rPr lang="en-US" altLang="zh-CN" dirty="0" err="1"/>
-              <a:t>Xc</a:t>
-            </a:r>
-            <a:endParaRPr lang="zh-CN" altLang="en-US" dirty="0"/>
-          </a:p>
-        </p:txBody>
-      </p:sp>
-      <p:sp>
-        <p:nvSpPr>
-          <p:cNvPr id="30" name="文本框 29">
-            <a:extLst>
-              <a:ext uri="{FF2B5EF4-FFF2-40B4-BE49-F238E27FC236}">
-                <a16:creationId xmlns:a16="http://schemas.microsoft.com/office/drawing/2014/main" id="{C389E267-B1FD-4E64-BADA-0EE1723A49C7}"/>
-              </a:ext>
-            </a:extLst>
-          </p:cNvPr>
-          <p:cNvSpPr txBox="1"/>
-          <p:nvPr/>
-        </p:nvSpPr>
-        <p:spPr>
-          <a:xfrm>
-            <a:off x="2338440" y="1694470"/>
-            <a:ext cx="415498" cy="369332"/>
-          </a:xfrm>
-          <a:prstGeom prst="rect">
-            <a:avLst/>
-          </a:prstGeom>
-          <a:noFill/>
-        </p:spPr>
-        <p:txBody>
-          <a:bodyPr wrap="none" rtlCol="0">
-            <a:spAutoFit/>
-          </a:bodyPr>
-          <a:lstStyle/>
-          <a:p>
-            <a:r>
-              <a:rPr lang="en-US" altLang="zh-CN" dirty="0" err="1"/>
-              <a:t>Yc</a:t>
-            </a:r>
-            <a:endParaRPr lang="zh-CN" altLang="en-US" dirty="0"/>
-          </a:p>
-        </p:txBody>
-      </p:sp>
-      <p:sp>
-        <p:nvSpPr>
-          <p:cNvPr id="31" name="文本框 30">
-            <a:extLst>
-              <a:ext uri="{FF2B5EF4-FFF2-40B4-BE49-F238E27FC236}">
-                <a16:creationId xmlns:a16="http://schemas.microsoft.com/office/drawing/2014/main" id="{8ABB00EC-B501-49B3-958D-507DD2059D85}"/>
-              </a:ext>
-            </a:extLst>
-          </p:cNvPr>
-          <p:cNvSpPr txBox="1"/>
-          <p:nvPr/>
-        </p:nvSpPr>
-        <p:spPr>
-          <a:xfrm>
-            <a:off x="3599046" y="3545690"/>
-            <a:ext cx="420308" cy="369332"/>
-          </a:xfrm>
-          <a:prstGeom prst="rect">
-            <a:avLst/>
-          </a:prstGeom>
-          <a:noFill/>
-        </p:spPr>
-        <p:txBody>
-          <a:bodyPr wrap="none" rtlCol="0">
-            <a:spAutoFit/>
-          </a:bodyPr>
-          <a:lstStyle/>
-          <a:p>
-            <a:r>
-              <a:rPr lang="en-US" altLang="zh-CN" dirty="0" err="1"/>
-              <a:t>Zc</a:t>
-            </a:r>
-            <a:endParaRPr lang="zh-CN" altLang="en-US" dirty="0"/>
-          </a:p>
-        </p:txBody>
-      </p:sp>
-      <p:sp>
-        <p:nvSpPr>
-          <p:cNvPr id="34" name="文本框 33">
-            <a:extLst>
-              <a:ext uri="{FF2B5EF4-FFF2-40B4-BE49-F238E27FC236}">
-                <a16:creationId xmlns:a16="http://schemas.microsoft.com/office/drawing/2014/main" id="{BA184D95-5E61-4205-8BFB-456897CEA215}"/>
-              </a:ext>
-            </a:extLst>
-          </p:cNvPr>
-          <p:cNvSpPr txBox="1"/>
-          <p:nvPr/>
-        </p:nvSpPr>
-        <p:spPr>
-          <a:xfrm>
-            <a:off x="3548393" y="2693516"/>
-            <a:ext cx="311304" cy="369332"/>
-          </a:xfrm>
-          <a:prstGeom prst="rect">
-            <a:avLst/>
-          </a:prstGeom>
-          <a:noFill/>
-        </p:spPr>
-        <p:txBody>
-          <a:bodyPr wrap="none" rtlCol="0">
-            <a:spAutoFit/>
-          </a:bodyPr>
-          <a:lstStyle/>
-          <a:p>
-            <a:r>
-              <a:rPr lang="en-US" altLang="zh-CN" dirty="0"/>
-              <a:t>Y</a:t>
-            </a:r>
-            <a:endParaRPr lang="zh-CN" altLang="en-US" dirty="0"/>
-          </a:p>
-        </p:txBody>
-      </p:sp>
-      <p:sp>
-        <p:nvSpPr>
-          <p:cNvPr id="35" name="文本框 34">
-            <a:extLst>
-              <a:ext uri="{FF2B5EF4-FFF2-40B4-BE49-F238E27FC236}">
-                <a16:creationId xmlns:a16="http://schemas.microsoft.com/office/drawing/2014/main" id="{6773E595-AF34-4BD5-B1BD-45538011A56D}"/>
-              </a:ext>
-            </a:extLst>
-          </p:cNvPr>
-          <p:cNvSpPr txBox="1"/>
-          <p:nvPr/>
-        </p:nvSpPr>
-        <p:spPr>
-          <a:xfrm>
-            <a:off x="3055824" y="3259668"/>
-            <a:ext cx="317716" cy="369332"/>
-          </a:xfrm>
-          <a:prstGeom prst="rect">
-            <a:avLst/>
-          </a:prstGeom>
-          <a:noFill/>
-        </p:spPr>
-        <p:txBody>
-          <a:bodyPr wrap="none" rtlCol="0">
-            <a:spAutoFit/>
-          </a:bodyPr>
-          <a:lstStyle/>
-          <a:p>
-            <a:r>
-              <a:rPr lang="en-US" altLang="zh-CN" dirty="0"/>
-              <a:t>X</a:t>
-            </a:r>
-            <a:endParaRPr lang="zh-CN" altLang="en-US" dirty="0"/>
-          </a:p>
-        </p:txBody>
-      </p:sp>
-      <p:sp>
-        <p:nvSpPr>
-          <p:cNvPr id="36" name="文本框 35">
-            <a:extLst>
-              <a:ext uri="{FF2B5EF4-FFF2-40B4-BE49-F238E27FC236}">
-                <a16:creationId xmlns:a16="http://schemas.microsoft.com/office/drawing/2014/main" id="{526746E1-01AA-48E0-8B6D-BE0084878ED2}"/>
-              </a:ext>
-            </a:extLst>
-          </p:cNvPr>
-          <p:cNvSpPr txBox="1"/>
-          <p:nvPr/>
-        </p:nvSpPr>
-        <p:spPr>
-          <a:xfrm>
-            <a:off x="3356821" y="2921001"/>
-            <a:ext cx="359394" cy="369332"/>
-          </a:xfrm>
-          <a:prstGeom prst="rect">
-            <a:avLst/>
-          </a:prstGeom>
-          <a:noFill/>
-        </p:spPr>
-        <p:txBody>
-          <a:bodyPr wrap="none" rtlCol="0">
-            <a:spAutoFit/>
-          </a:bodyPr>
-          <a:lstStyle/>
-          <a:p>
-            <a:r>
-              <a:rPr lang="en-US" altLang="zh-CN" dirty="0"/>
-              <a:t>O</a:t>
-            </a:r>
-            <a:endParaRPr lang="zh-CN" altLang="en-US" dirty="0"/>
-          </a:p>
-        </p:txBody>
-      </p:sp>
-      <p:cxnSp>
-        <p:nvCxnSpPr>
-          <p:cNvPr id="39" name="直接箭头连接符 38">
-            <a:extLst>
-              <a:ext uri="{FF2B5EF4-FFF2-40B4-BE49-F238E27FC236}">
-                <a16:creationId xmlns:a16="http://schemas.microsoft.com/office/drawing/2014/main" id="{87926663-072B-4E72-B284-9DC2530712A4}"/>
-              </a:ext>
-            </a:extLst>
-          </p:cNvPr>
-          <p:cNvCxnSpPr>
-            <a:cxnSpLocks/>
-          </p:cNvCxnSpPr>
-          <p:nvPr/>
-        </p:nvCxnSpPr>
-        <p:spPr>
-          <a:xfrm>
-            <a:off x="7357697" y="2166555"/>
-            <a:ext cx="0" cy="1228456"/>
-          </a:xfrm>
-          <a:prstGeom prst="straightConnector1">
-            <a:avLst/>
-          </a:prstGeom>
-          <a:ln w="12700">
-            <a:solidFill>
-              <a:schemeClr val="tx1"/>
-            </a:solidFill>
-            <a:tailEnd type="triangle"/>
-          </a:ln>
-        </p:spPr>
-        <p:style>
-          <a:lnRef idx="1">
-            <a:schemeClr val="accent1"/>
-          </a:lnRef>
-          <a:fillRef idx="0">
-            <a:schemeClr val="accent1"/>
-          </a:fillRef>
-          <a:effectRef idx="0">
-            <a:schemeClr val="accent1"/>
-          </a:effectRef>
-          <a:fontRef idx="minor">
-            <a:schemeClr val="tx1"/>
-          </a:fontRef>
-        </p:style>
-      </p:cxnSp>
-      <p:cxnSp>
-        <p:nvCxnSpPr>
-          <p:cNvPr id="41" name="直接箭头连接符 40">
-            <a:extLst>
-              <a:ext uri="{FF2B5EF4-FFF2-40B4-BE49-F238E27FC236}">
-                <a16:creationId xmlns:a16="http://schemas.microsoft.com/office/drawing/2014/main" id="{B79CF328-A6C2-4C41-B498-5FB553FBCA8E}"/>
-              </a:ext>
-            </a:extLst>
-          </p:cNvPr>
-          <p:cNvCxnSpPr/>
-          <p:nvPr/>
-        </p:nvCxnSpPr>
-        <p:spPr>
-          <a:xfrm>
-            <a:off x="7366163" y="2175022"/>
-            <a:ext cx="1244600" cy="0"/>
-          </a:xfrm>
-          <a:prstGeom prst="straightConnector1">
-            <a:avLst/>
-          </a:prstGeom>
-          <a:ln w="12700">
-            <a:solidFill>
-              <a:schemeClr val="tx1"/>
-            </a:solidFill>
-            <a:tailEnd type="triangle"/>
-          </a:ln>
-        </p:spPr>
-        <p:style>
-          <a:lnRef idx="1">
-            <a:schemeClr val="accent1"/>
-          </a:lnRef>
-          <a:fillRef idx="0">
-            <a:schemeClr val="accent1"/>
-          </a:fillRef>
-          <a:effectRef idx="0">
-            <a:schemeClr val="accent1"/>
-          </a:effectRef>
-          <a:fontRef idx="minor">
-            <a:schemeClr val="tx1"/>
-          </a:fontRef>
-        </p:style>
-      </p:cxnSp>
-      <p:cxnSp>
-        <p:nvCxnSpPr>
-          <p:cNvPr id="43" name="直接箭头连接符 42">
-            <a:extLst>
-              <a:ext uri="{FF2B5EF4-FFF2-40B4-BE49-F238E27FC236}">
-                <a16:creationId xmlns:a16="http://schemas.microsoft.com/office/drawing/2014/main" id="{D56182A4-6D5F-4905-B88A-8BC3243773D0}"/>
-              </a:ext>
-            </a:extLst>
-          </p:cNvPr>
-          <p:cNvCxnSpPr>
-            <a:cxnSpLocks/>
-          </p:cNvCxnSpPr>
-          <p:nvPr/>
-        </p:nvCxnSpPr>
-        <p:spPr>
-          <a:xfrm>
-            <a:off x="7886543" y="2660502"/>
-            <a:ext cx="665394" cy="0"/>
-          </a:xfrm>
-          <a:prstGeom prst="straightConnector1">
-            <a:avLst/>
-          </a:prstGeom>
-          <a:ln w="12700">
-            <a:solidFill>
-              <a:schemeClr val="tx1"/>
-            </a:solidFill>
-            <a:tailEnd type="triangle"/>
-          </a:ln>
-        </p:spPr>
-        <p:style>
-          <a:lnRef idx="1">
-            <a:schemeClr val="accent1"/>
-          </a:lnRef>
-          <a:fillRef idx="0">
-            <a:schemeClr val="accent1"/>
-          </a:fillRef>
-          <a:effectRef idx="0">
-            <a:schemeClr val="accent1"/>
-          </a:effectRef>
-          <a:fontRef idx="minor">
-            <a:schemeClr val="tx1"/>
-          </a:fontRef>
-        </p:style>
-      </p:cxnSp>
-      <p:sp>
-        <p:nvSpPr>
-          <p:cNvPr id="46" name="文本框 45">
-            <a:extLst>
-              <a:ext uri="{FF2B5EF4-FFF2-40B4-BE49-F238E27FC236}">
-                <a16:creationId xmlns:a16="http://schemas.microsoft.com/office/drawing/2014/main" id="{4F00C785-7C2E-468A-978E-144E826919D1}"/>
-              </a:ext>
-            </a:extLst>
-          </p:cNvPr>
-          <p:cNvSpPr txBox="1"/>
-          <p:nvPr/>
-        </p:nvSpPr>
-        <p:spPr>
-          <a:xfrm>
-            <a:off x="8651524" y="2588856"/>
-            <a:ext cx="317716" cy="369332"/>
-          </a:xfrm>
-          <a:prstGeom prst="rect">
-            <a:avLst/>
-          </a:prstGeom>
-          <a:noFill/>
-        </p:spPr>
-        <p:txBody>
-          <a:bodyPr wrap="none" rtlCol="0">
-            <a:spAutoFit/>
-          </a:bodyPr>
-          <a:lstStyle/>
-          <a:p>
-            <a:r>
-              <a:rPr lang="en-US" altLang="zh-CN" dirty="0"/>
-              <a:t>X</a:t>
-            </a:r>
-            <a:endParaRPr lang="zh-CN" altLang="en-US" dirty="0"/>
-          </a:p>
-        </p:txBody>
-      </p:sp>
-      <p:sp>
-        <p:nvSpPr>
-          <p:cNvPr id="47" name="文本框 46">
-            <a:extLst>
-              <a:ext uri="{FF2B5EF4-FFF2-40B4-BE49-F238E27FC236}">
-                <a16:creationId xmlns:a16="http://schemas.microsoft.com/office/drawing/2014/main" id="{1261E9A2-9DCB-468E-8AE1-7F1B8475078D}"/>
-              </a:ext>
-            </a:extLst>
-          </p:cNvPr>
-          <p:cNvSpPr txBox="1"/>
-          <p:nvPr/>
-        </p:nvSpPr>
-        <p:spPr>
-          <a:xfrm>
-            <a:off x="7886543" y="1684815"/>
-            <a:ext cx="311304" cy="369332"/>
-          </a:xfrm>
-          <a:prstGeom prst="rect">
-            <a:avLst/>
-          </a:prstGeom>
-          <a:noFill/>
-        </p:spPr>
-        <p:txBody>
-          <a:bodyPr wrap="none" rtlCol="0">
-            <a:spAutoFit/>
-          </a:bodyPr>
-          <a:lstStyle/>
-          <a:p>
-            <a:r>
-              <a:rPr lang="en-US" altLang="zh-CN" dirty="0"/>
-              <a:t>Y</a:t>
-            </a:r>
-            <a:endParaRPr lang="zh-CN" altLang="en-US" dirty="0"/>
-          </a:p>
-        </p:txBody>
-      </p:sp>
-      <p:sp>
-        <p:nvSpPr>
-          <p:cNvPr id="48" name="文本框 47">
-            <a:extLst>
-              <a:ext uri="{FF2B5EF4-FFF2-40B4-BE49-F238E27FC236}">
-                <a16:creationId xmlns:a16="http://schemas.microsoft.com/office/drawing/2014/main" id="{989FC31B-90D2-4BC6-9C00-7229F3821865}"/>
-              </a:ext>
-            </a:extLst>
-          </p:cNvPr>
-          <p:cNvSpPr txBox="1"/>
-          <p:nvPr/>
-        </p:nvSpPr>
-        <p:spPr>
-          <a:xfrm>
-            <a:off x="7113735" y="1840696"/>
-            <a:ext cx="359394" cy="369332"/>
-          </a:xfrm>
-          <a:prstGeom prst="rect">
-            <a:avLst/>
-          </a:prstGeom>
-          <a:noFill/>
-        </p:spPr>
-        <p:txBody>
-          <a:bodyPr wrap="none" rtlCol="0">
-            <a:spAutoFit/>
-          </a:bodyPr>
-          <a:lstStyle/>
-          <a:p>
-            <a:r>
-              <a:rPr lang="en-US" altLang="zh-CN" dirty="0"/>
-              <a:t>O</a:t>
-            </a:r>
-            <a:endParaRPr lang="zh-CN" altLang="en-US" dirty="0"/>
-          </a:p>
-        </p:txBody>
-      </p:sp>
-      <p:sp>
-        <p:nvSpPr>
-          <p:cNvPr id="49" name="文本框 48">
-            <a:extLst>
-              <a:ext uri="{FF2B5EF4-FFF2-40B4-BE49-F238E27FC236}">
-                <a16:creationId xmlns:a16="http://schemas.microsoft.com/office/drawing/2014/main" id="{E56E6EBB-8E9A-4F2B-A4A6-613378EF1DCD}"/>
-              </a:ext>
-            </a:extLst>
-          </p:cNvPr>
-          <p:cNvSpPr txBox="1"/>
-          <p:nvPr/>
-        </p:nvSpPr>
-        <p:spPr>
-          <a:xfrm>
-            <a:off x="8606844" y="1981889"/>
-            <a:ext cx="311304" cy="369332"/>
-          </a:xfrm>
-          <a:prstGeom prst="rect">
-            <a:avLst/>
-          </a:prstGeom>
-          <a:noFill/>
-        </p:spPr>
-        <p:txBody>
-          <a:bodyPr wrap="none" rtlCol="0">
-            <a:spAutoFit/>
-          </a:bodyPr>
-          <a:lstStyle/>
-          <a:p>
-            <a:r>
-              <a:rPr lang="en-US" altLang="zh-CN" dirty="0"/>
-              <a:t>u</a:t>
-            </a:r>
-            <a:endParaRPr lang="zh-CN" altLang="en-US" dirty="0"/>
-          </a:p>
-        </p:txBody>
-      </p:sp>
-      <p:sp>
-        <p:nvSpPr>
-          <p:cNvPr id="50" name="文本框 49">
-            <a:extLst>
-              <a:ext uri="{FF2B5EF4-FFF2-40B4-BE49-F238E27FC236}">
-                <a16:creationId xmlns:a16="http://schemas.microsoft.com/office/drawing/2014/main" id="{F86188F8-43A9-4500-82D6-884B786F4ADA}"/>
-              </a:ext>
-            </a:extLst>
-          </p:cNvPr>
-          <p:cNvSpPr txBox="1"/>
-          <p:nvPr/>
-        </p:nvSpPr>
-        <p:spPr>
-          <a:xfrm>
-            <a:off x="7374396" y="3142046"/>
-            <a:ext cx="292068" cy="369332"/>
-          </a:xfrm>
-          <a:prstGeom prst="rect">
-            <a:avLst/>
-          </a:prstGeom>
-          <a:noFill/>
-        </p:spPr>
-        <p:txBody>
-          <a:bodyPr wrap="none" rtlCol="0">
-            <a:spAutoFit/>
-          </a:bodyPr>
-          <a:lstStyle/>
-          <a:p>
-            <a:r>
-              <a:rPr lang="en-US" altLang="zh-CN" dirty="0"/>
-              <a:t>v</a:t>
-            </a:r>
-            <a:endParaRPr lang="zh-CN" altLang="en-US" dirty="0"/>
-          </a:p>
-        </p:txBody>
-      </p:sp>
-      <p:sp>
-        <p:nvSpPr>
-          <p:cNvPr id="51" name="矩形 50">
-            <a:extLst>
-              <a:ext uri="{FF2B5EF4-FFF2-40B4-BE49-F238E27FC236}">
-                <a16:creationId xmlns:a16="http://schemas.microsoft.com/office/drawing/2014/main" id="{250C7E6D-5BB6-4467-B4E8-A3B61A6A482B}"/>
-              </a:ext>
-            </a:extLst>
-          </p:cNvPr>
-          <p:cNvSpPr/>
-          <p:nvPr/>
-        </p:nvSpPr>
-        <p:spPr>
-          <a:xfrm>
-            <a:off x="7357698" y="2175022"/>
-            <a:ext cx="1059797" cy="967022"/>
-          </a:xfrm>
-          <a:prstGeom prst="rect">
-            <a:avLst/>
-          </a:prstGeom>
-          <a:noFill/>
-          <a:ln>
-            <a:solidFill>
-              <a:schemeClr val="tx1"/>
-            </a:solidFill>
-          </a:ln>
-        </p:spPr>
-        <p:style>
-          <a:lnRef idx="2">
-            <a:schemeClr val="accent1">
-              <a:shade val="50000"/>
-            </a:schemeClr>
-          </a:lnRef>
-          <a:fillRef idx="1">
-            <a:schemeClr val="accent1"/>
-          </a:fillRef>
-          <a:effectRef idx="0">
-            <a:schemeClr val="accent1"/>
-          </a:effectRef>
-          <a:fontRef idx="minor">
-            <a:schemeClr val="lt1"/>
-          </a:fontRef>
-        </p:style>
-        <p:txBody>
-          <a:bodyPr rtlCol="0" anchor="ctr"/>
-          <a:lstStyle/>
-          <a:p>
-            <a:pPr algn="ctr"/>
-            <a:endParaRPr lang="zh-CN" altLang="en-US" dirty="0">
-              <a:solidFill>
-                <a:schemeClr val="tx1"/>
-              </a:solidFill>
-            </a:endParaRPr>
-          </a:p>
-        </p:txBody>
-      </p:sp>
-      <p:cxnSp>
-        <p:nvCxnSpPr>
-          <p:cNvPr id="53" name="直接箭头连接符 52">
-            <a:extLst>
-              <a:ext uri="{FF2B5EF4-FFF2-40B4-BE49-F238E27FC236}">
-                <a16:creationId xmlns:a16="http://schemas.microsoft.com/office/drawing/2014/main" id="{298E23A1-26FA-47E3-BA33-B6A5FA5CAFDA}"/>
-              </a:ext>
-            </a:extLst>
-          </p:cNvPr>
-          <p:cNvCxnSpPr>
-            <a:cxnSpLocks/>
-          </p:cNvCxnSpPr>
-          <p:nvPr/>
-        </p:nvCxnSpPr>
-        <p:spPr>
-          <a:xfrm flipV="1">
-            <a:off x="7889531" y="1787072"/>
-            <a:ext cx="4850" cy="881898"/>
-          </a:xfrm>
-          <a:prstGeom prst="straightConnector1">
-            <a:avLst/>
-          </a:prstGeom>
-          <a:ln w="12700">
-            <a:solidFill>
-              <a:schemeClr val="tx1"/>
-            </a:solidFill>
-            <a:tailEnd type="triangle"/>
-          </a:ln>
-        </p:spPr>
-        <p:style>
-          <a:lnRef idx="1">
-            <a:schemeClr val="accent1"/>
-          </a:lnRef>
-          <a:fillRef idx="0">
-            <a:schemeClr val="accent1"/>
-          </a:fillRef>
-          <a:effectRef idx="0">
-            <a:schemeClr val="accent1"/>
-          </a:effectRef>
-          <a:fontRef idx="minor">
-            <a:schemeClr val="tx1"/>
-          </a:fontRef>
-        </p:style>
-      </p:cxnSp>
-    </p:spTree>
-    <p:extLst>
-      <p:ext uri="{BB962C8B-B14F-4D97-AF65-F5344CB8AC3E}">
-        <p14:creationId xmlns:p14="http://schemas.microsoft.com/office/powerpoint/2010/main" val="90059294"/>
       </p:ext>
     </p:extLst>
   </p:cSld>
@@ -15502,32 +15153,29 @@
       </p:grpSpPr>
       <p:cxnSp>
         <p:nvCxnSpPr>
-          <p:cNvPr id="17" name="直接箭头连接符 16">
-            <a:extLst>
-              <a:ext uri="{FF2B5EF4-FFF2-40B4-BE49-F238E27FC236}">
-                <a16:creationId xmlns:a16="http://schemas.microsoft.com/office/drawing/2014/main" id="{878044BF-7A8F-46A7-A1DD-B718CDE4699A}"/>
-              </a:ext>
-            </a:extLst>
-          </p:cNvPr>
-          <p:cNvCxnSpPr>
-            <a:cxnSpLocks/>
-          </p:cNvCxnSpPr>
+          <p:cNvPr id="6" name="直接箭头连接符 5">
+            <a:extLst>
+              <a:ext uri="{FF2B5EF4-FFF2-40B4-BE49-F238E27FC236}">
+                <a16:creationId xmlns:a16="http://schemas.microsoft.com/office/drawing/2014/main" id="{E989BC5B-04C7-4F3E-85F7-F9638B3D728B}"/>
+              </a:ext>
+            </a:extLst>
+          </p:cNvPr>
+          <p:cNvCxnSpPr/>
           <p:nvPr/>
         </p:nvCxnSpPr>
         <p:spPr>
-          <a:xfrm>
-            <a:off x="3409950" y="2600325"/>
-            <a:ext cx="482600" cy="1600200"/>
+          <a:xfrm flipV="1">
+            <a:off x="2988734" y="1151466"/>
+            <a:ext cx="0" cy="1507067"/>
           </a:xfrm>
           <a:prstGeom prst="straightConnector1">
             <a:avLst/>
           </a:prstGeom>
-          <a:ln w="254000">
+          <a:ln w="12700">
             <a:solidFill>
-              <a:srgbClr val="92D050"/>
+              <a:schemeClr val="tx1"/>
             </a:solidFill>
-            <a:headEnd type="none" w="med" len="med"/>
-            <a:tailEnd type="none" w="med" len="med"/>
+            <a:tailEnd type="triangle"/>
           </a:ln>
         </p:spPr>
         <p:style>
@@ -15547,10 +15195,10 @@
       </p:cxnSp>
       <p:cxnSp>
         <p:nvCxnSpPr>
-          <p:cNvPr id="22" name="直接箭头连接符 21">
-            <a:extLst>
-              <a:ext uri="{FF2B5EF4-FFF2-40B4-BE49-F238E27FC236}">
-                <a16:creationId xmlns:a16="http://schemas.microsoft.com/office/drawing/2014/main" id="{E8B4A8AA-F3BD-474F-B719-C79BFDFC0F4B}"/>
+          <p:cNvPr id="8" name="直接箭头连接符 7">
+            <a:extLst>
+              <a:ext uri="{FF2B5EF4-FFF2-40B4-BE49-F238E27FC236}">
+                <a16:creationId xmlns:a16="http://schemas.microsoft.com/office/drawing/2014/main" id="{6A1AC45B-28B7-4B0D-B0A8-843A81B9F512}"/>
               </a:ext>
             </a:extLst>
           </p:cNvPr>
@@ -15561,18 +15209,17 @@
         </p:nvCxnSpPr>
         <p:spPr>
           <a:xfrm>
-            <a:off x="2667000" y="2600325"/>
-            <a:ext cx="0" cy="1600200"/>
+            <a:off x="2988734" y="2667000"/>
+            <a:ext cx="2768600" cy="0"/>
           </a:xfrm>
           <a:prstGeom prst="straightConnector1">
             <a:avLst/>
           </a:prstGeom>
-          <a:ln w="254000">
+          <a:ln w="12700">
             <a:solidFill>
-              <a:srgbClr val="92D050"/>
+              <a:schemeClr val="tx1"/>
             </a:solidFill>
-            <a:headEnd type="none" w="med" len="med"/>
-            <a:tailEnd type="none" w="med" len="med"/>
+            <a:tailEnd type="triangle"/>
           </a:ln>
         </p:spPr>
         <p:style>
@@ -15592,133 +15239,29 @@
       </p:cxnSp>
       <p:cxnSp>
         <p:nvCxnSpPr>
-          <p:cNvPr id="24" name="直接箭头连接符 23">
-            <a:extLst>
-              <a:ext uri="{FF2B5EF4-FFF2-40B4-BE49-F238E27FC236}">
-                <a16:creationId xmlns:a16="http://schemas.microsoft.com/office/drawing/2014/main" id="{B9CE6F49-C924-439A-B92F-3CF2F5D8344C}"/>
-              </a:ext>
-            </a:extLst>
-          </p:cNvPr>
-          <p:cNvCxnSpPr>
-            <a:cxnSpLocks/>
-          </p:cNvCxnSpPr>
+          <p:cNvPr id="10" name="直接箭头连接符 9">
+            <a:extLst>
+              <a:ext uri="{FF2B5EF4-FFF2-40B4-BE49-F238E27FC236}">
+                <a16:creationId xmlns:a16="http://schemas.microsoft.com/office/drawing/2014/main" id="{E423BFDC-19C3-4E29-9403-B13697397E6D}"/>
+              </a:ext>
+            </a:extLst>
+          </p:cNvPr>
+          <p:cNvCxnSpPr/>
           <p:nvPr/>
         </p:nvCxnSpPr>
         <p:spPr>
           <a:xfrm flipH="1">
-            <a:off x="1435101" y="2600325"/>
-            <a:ext cx="482600" cy="1600200"/>
+            <a:off x="1651000" y="2658533"/>
+            <a:ext cx="1337734" cy="1837267"/>
           </a:xfrm>
           <a:prstGeom prst="straightConnector1">
             <a:avLst/>
           </a:prstGeom>
-          <a:ln w="254000">
-            <a:solidFill>
-              <a:srgbClr val="92D050"/>
-            </a:solidFill>
-            <a:headEnd type="none" w="med" len="med"/>
-            <a:tailEnd type="none" w="med" len="med"/>
-          </a:ln>
-        </p:spPr>
-        <p:style>
-          <a:lnRef idx="1">
-            <a:schemeClr val="accent1"/>
-          </a:lnRef>
-          <a:fillRef idx="0">
-            <a:schemeClr val="accent1"/>
-          </a:fillRef>
-          <a:effectRef idx="0">
-            <a:schemeClr val="accent1"/>
-          </a:effectRef>
-          <a:fontRef idx="minor">
-            <a:schemeClr val="tx1"/>
-          </a:fontRef>
-        </p:style>
-      </p:cxnSp>
-      <p:sp>
-        <p:nvSpPr>
-          <p:cNvPr id="25" name="矩形 24">
-            <a:extLst>
-              <a:ext uri="{FF2B5EF4-FFF2-40B4-BE49-F238E27FC236}">
-                <a16:creationId xmlns:a16="http://schemas.microsoft.com/office/drawing/2014/main" id="{FCF0F767-54C6-42C4-A71B-C2A70AF06E4D}"/>
-              </a:ext>
-            </a:extLst>
-          </p:cNvPr>
-          <p:cNvSpPr/>
-          <p:nvPr/>
-        </p:nvSpPr>
-        <p:spPr>
-          <a:xfrm>
-            <a:off x="889000" y="2435225"/>
-            <a:ext cx="3556000" cy="1993900"/>
-          </a:xfrm>
-          <a:prstGeom prst="rect">
-            <a:avLst/>
-          </a:prstGeom>
-          <a:noFill/>
-          <a:ln>
+          <a:ln w="12700">
             <a:solidFill>
               <a:schemeClr val="tx1"/>
             </a:solidFill>
-          </a:ln>
-        </p:spPr>
-        <p:style>
-          <a:lnRef idx="2">
-            <a:schemeClr val="accent1">
-              <a:shade val="50000"/>
-            </a:schemeClr>
-          </a:lnRef>
-          <a:fillRef idx="1">
-            <a:schemeClr val="accent1"/>
-          </a:fillRef>
-          <a:effectRef idx="0">
-            <a:schemeClr val="accent1"/>
-          </a:effectRef>
-          <a:fontRef idx="minor">
-            <a:schemeClr val="lt1"/>
-          </a:fontRef>
-        </p:style>
-        <p:txBody>
-          <a:bodyPr rtlCol="0" anchor="ctr"/>
-          <a:lstStyle/>
-          <a:p>
-            <a:pPr algn="ctr"/>
-            <a:endParaRPr lang="zh-CN" altLang="en-US" dirty="0">
-              <a:solidFill>
-                <a:schemeClr val="tx1"/>
-              </a:solidFill>
-            </a:endParaRPr>
-          </a:p>
-        </p:txBody>
-      </p:sp>
-      <p:cxnSp>
-        <p:nvCxnSpPr>
-          <p:cNvPr id="26" name="直接箭头连接符 25">
-            <a:extLst>
-              <a:ext uri="{FF2B5EF4-FFF2-40B4-BE49-F238E27FC236}">
-                <a16:creationId xmlns:a16="http://schemas.microsoft.com/office/drawing/2014/main" id="{1CA9B91F-4693-42A8-8D63-195CF0F46E56}"/>
-              </a:ext>
-            </a:extLst>
-          </p:cNvPr>
-          <p:cNvCxnSpPr>
-            <a:cxnSpLocks/>
-          </p:cNvCxnSpPr>
-          <p:nvPr/>
-        </p:nvCxnSpPr>
-        <p:spPr>
-          <a:xfrm>
-            <a:off x="8890000" y="2600325"/>
-            <a:ext cx="0" cy="1600200"/>
-          </a:xfrm>
-          <a:prstGeom prst="straightConnector1">
-            <a:avLst/>
-          </a:prstGeom>
-          <a:ln w="254000">
-            <a:solidFill>
-              <a:srgbClr val="92D050"/>
-            </a:solidFill>
-            <a:headEnd type="none" w="med" len="med"/>
-            <a:tailEnd type="none" w="med" len="med"/>
+            <a:tailEnd type="triangle"/>
           </a:ln>
         </p:spPr>
         <p:style>
@@ -15738,32 +15281,29 @@
       </p:cxnSp>
       <p:cxnSp>
         <p:nvCxnSpPr>
-          <p:cNvPr id="27" name="直接箭头连接符 26">
-            <a:extLst>
-              <a:ext uri="{FF2B5EF4-FFF2-40B4-BE49-F238E27FC236}">
-                <a16:creationId xmlns:a16="http://schemas.microsoft.com/office/drawing/2014/main" id="{E8074AC6-88BB-4E6B-9107-B8DB09DAF0FE}"/>
-              </a:ext>
-            </a:extLst>
-          </p:cNvPr>
-          <p:cNvCxnSpPr>
-            <a:cxnSpLocks/>
-          </p:cNvCxnSpPr>
+          <p:cNvPr id="12" name="直接箭头连接符 11">
+            <a:extLst>
+              <a:ext uri="{FF2B5EF4-FFF2-40B4-BE49-F238E27FC236}">
+                <a16:creationId xmlns:a16="http://schemas.microsoft.com/office/drawing/2014/main" id="{08B94FCB-DDE2-4A1D-AC9D-56AE0557656A}"/>
+              </a:ext>
+            </a:extLst>
+          </p:cNvPr>
+          <p:cNvCxnSpPr/>
           <p:nvPr/>
         </p:nvCxnSpPr>
         <p:spPr>
-          <a:xfrm>
-            <a:off x="8039100" y="2600325"/>
-            <a:ext cx="0" cy="1600200"/>
+          <a:xfrm flipV="1">
+            <a:off x="2506134" y="1820333"/>
+            <a:ext cx="364066" cy="592667"/>
           </a:xfrm>
           <a:prstGeom prst="straightConnector1">
             <a:avLst/>
           </a:prstGeom>
-          <a:ln w="254000">
+          <a:ln w="12700">
             <a:solidFill>
-              <a:srgbClr val="92D050"/>
+              <a:schemeClr val="tx1"/>
             </a:solidFill>
-            <a:headEnd type="none" w="med" len="med"/>
-            <a:tailEnd type="none" w="med" len="med"/>
+            <a:tailEnd type="triangle"/>
           </a:ln>
         </p:spPr>
         <p:style>
@@ -15783,32 +15323,29 @@
       </p:cxnSp>
       <p:cxnSp>
         <p:nvCxnSpPr>
-          <p:cNvPr id="28" name="直接箭头连接符 27">
-            <a:extLst>
-              <a:ext uri="{FF2B5EF4-FFF2-40B4-BE49-F238E27FC236}">
-                <a16:creationId xmlns:a16="http://schemas.microsoft.com/office/drawing/2014/main" id="{8C116723-5477-4CD7-9EEB-8EEBC4465B84}"/>
-              </a:ext>
-            </a:extLst>
-          </p:cNvPr>
-          <p:cNvCxnSpPr>
-            <a:cxnSpLocks/>
-          </p:cNvCxnSpPr>
+          <p:cNvPr id="14" name="直接箭头连接符 13">
+            <a:extLst>
+              <a:ext uri="{FF2B5EF4-FFF2-40B4-BE49-F238E27FC236}">
+                <a16:creationId xmlns:a16="http://schemas.microsoft.com/office/drawing/2014/main" id="{2DEC0D55-4500-4A39-8862-F227FE023E0E}"/>
+              </a:ext>
+            </a:extLst>
+          </p:cNvPr>
+          <p:cNvCxnSpPr/>
           <p:nvPr/>
         </p:nvCxnSpPr>
         <p:spPr>
-          <a:xfrm>
-            <a:off x="7188201" y="2600325"/>
-            <a:ext cx="0" cy="1600200"/>
+          <a:xfrm flipH="1">
+            <a:off x="1708716" y="2410947"/>
+            <a:ext cx="812800" cy="347133"/>
           </a:xfrm>
           <a:prstGeom prst="straightConnector1">
             <a:avLst/>
           </a:prstGeom>
-          <a:ln w="254000">
+          <a:ln w="12700">
             <a:solidFill>
-              <a:srgbClr val="92D050"/>
+              <a:schemeClr val="tx1"/>
             </a:solidFill>
-            <a:headEnd type="none" w="med" len="med"/>
-            <a:tailEnd type="none" w="med" len="med"/>
+            <a:tailEnd type="triangle"/>
           </a:ln>
         </p:spPr>
         <p:style>
@@ -15826,12 +15363,808 @@
           </a:fontRef>
         </p:style>
       </p:cxnSp>
-      <p:sp>
-        <p:nvSpPr>
-          <p:cNvPr id="29" name="矩形 28">
-            <a:extLst>
-              <a:ext uri="{FF2B5EF4-FFF2-40B4-BE49-F238E27FC236}">
-                <a16:creationId xmlns:a16="http://schemas.microsoft.com/office/drawing/2014/main" id="{89C9600E-F72E-421E-9B6D-373D9D5D2467}"/>
+      <p:cxnSp>
+        <p:nvCxnSpPr>
+          <p:cNvPr id="16" name="直接箭头连接符 15">
+            <a:extLst>
+              <a:ext uri="{FF2B5EF4-FFF2-40B4-BE49-F238E27FC236}">
+                <a16:creationId xmlns:a16="http://schemas.microsoft.com/office/drawing/2014/main" id="{272B5A7E-2444-4B84-B2BC-45AB5FAB9F43}"/>
+              </a:ext>
+            </a:extLst>
+          </p:cNvPr>
+          <p:cNvCxnSpPr/>
+          <p:nvPr/>
+        </p:nvCxnSpPr>
+        <p:spPr>
+          <a:xfrm>
+            <a:off x="2506134" y="2413000"/>
+            <a:ext cx="1608666" cy="1320800"/>
+          </a:xfrm>
+          <a:prstGeom prst="straightConnector1">
+            <a:avLst/>
+          </a:prstGeom>
+          <a:ln w="12700">
+            <a:solidFill>
+              <a:schemeClr val="tx1"/>
+            </a:solidFill>
+            <a:tailEnd type="triangle"/>
+          </a:ln>
+        </p:spPr>
+        <p:style>
+          <a:lnRef idx="1">
+            <a:schemeClr val="accent1"/>
+          </a:lnRef>
+          <a:fillRef idx="0">
+            <a:schemeClr val="accent1"/>
+          </a:fillRef>
+          <a:effectRef idx="0">
+            <a:schemeClr val="accent1"/>
+          </a:effectRef>
+          <a:fontRef idx="minor">
+            <a:schemeClr val="tx1"/>
+          </a:fontRef>
+        </p:style>
+      </p:cxnSp>
+      <p:cxnSp>
+        <p:nvCxnSpPr>
+          <p:cNvPr id="18" name="直接箭头连接符 17">
+            <a:extLst>
+              <a:ext uri="{FF2B5EF4-FFF2-40B4-BE49-F238E27FC236}">
+                <a16:creationId xmlns:a16="http://schemas.microsoft.com/office/drawing/2014/main" id="{5796D8B0-57CB-400E-BF91-18BEF2FA9518}"/>
+              </a:ext>
+            </a:extLst>
+          </p:cNvPr>
+          <p:cNvCxnSpPr/>
+          <p:nvPr/>
+        </p:nvCxnSpPr>
+        <p:spPr>
+          <a:xfrm flipV="1">
+            <a:off x="3344334" y="2777066"/>
+            <a:ext cx="224367" cy="338667"/>
+          </a:xfrm>
+          <a:prstGeom prst="straightConnector1">
+            <a:avLst/>
+          </a:prstGeom>
+          <a:ln w="12700">
+            <a:solidFill>
+              <a:schemeClr val="tx1"/>
+            </a:solidFill>
+            <a:tailEnd type="triangle"/>
+          </a:ln>
+        </p:spPr>
+        <p:style>
+          <a:lnRef idx="1">
+            <a:schemeClr val="accent1"/>
+          </a:lnRef>
+          <a:fillRef idx="0">
+            <a:schemeClr val="accent1"/>
+          </a:fillRef>
+          <a:effectRef idx="0">
+            <a:schemeClr val="accent1"/>
+          </a:effectRef>
+          <a:fontRef idx="minor">
+            <a:schemeClr val="tx1"/>
+          </a:fontRef>
+        </p:style>
+      </p:cxnSp>
+      <p:cxnSp>
+        <p:nvCxnSpPr>
+          <p:cNvPr id="20" name="直接箭头连接符 19">
+            <a:extLst>
+              <a:ext uri="{FF2B5EF4-FFF2-40B4-BE49-F238E27FC236}">
+                <a16:creationId xmlns:a16="http://schemas.microsoft.com/office/drawing/2014/main" id="{EBC6E7C7-09AE-467E-829F-2AF3534DA59D}"/>
+              </a:ext>
+            </a:extLst>
+          </p:cNvPr>
+          <p:cNvCxnSpPr/>
+          <p:nvPr/>
+        </p:nvCxnSpPr>
+        <p:spPr>
+          <a:xfrm flipH="1">
+            <a:off x="2901951" y="3115733"/>
+            <a:ext cx="442383" cy="186268"/>
+          </a:xfrm>
+          <a:prstGeom prst="straightConnector1">
+            <a:avLst/>
+          </a:prstGeom>
+          <a:ln w="12700">
+            <a:solidFill>
+              <a:schemeClr val="tx1"/>
+            </a:solidFill>
+            <a:tailEnd type="triangle"/>
+          </a:ln>
+        </p:spPr>
+        <p:style>
+          <a:lnRef idx="1">
+            <a:schemeClr val="accent1"/>
+          </a:lnRef>
+          <a:fillRef idx="0">
+            <a:schemeClr val="accent1"/>
+          </a:fillRef>
+          <a:effectRef idx="0">
+            <a:schemeClr val="accent1"/>
+          </a:effectRef>
+          <a:fontRef idx="minor">
+            <a:schemeClr val="tx1"/>
+          </a:fontRef>
+        </p:style>
+      </p:cxnSp>
+      <p:sp>
+        <p:nvSpPr>
+          <p:cNvPr id="21" name="文本框 20">
+            <a:extLst>
+              <a:ext uri="{FF2B5EF4-FFF2-40B4-BE49-F238E27FC236}">
+                <a16:creationId xmlns:a16="http://schemas.microsoft.com/office/drawing/2014/main" id="{097857C8-F442-4212-91C2-1DF94B4313BE}"/>
+              </a:ext>
+            </a:extLst>
+          </p:cNvPr>
+          <p:cNvSpPr txBox="1"/>
+          <p:nvPr/>
+        </p:nvSpPr>
+        <p:spPr>
+          <a:xfrm>
+            <a:off x="2943986" y="2370667"/>
+            <a:ext cx="521297" cy="369332"/>
+          </a:xfrm>
+          <a:prstGeom prst="rect">
+            <a:avLst/>
+          </a:prstGeom>
+          <a:noFill/>
+        </p:spPr>
+        <p:txBody>
+          <a:bodyPr wrap="none" rtlCol="0">
+            <a:spAutoFit/>
+          </a:bodyPr>
+          <a:lstStyle/>
+          <a:p>
+            <a:r>
+              <a:rPr lang="en-US" altLang="zh-CN" dirty="0"/>
+              <a:t>Ow</a:t>
+            </a:r>
+            <a:endParaRPr lang="zh-CN" altLang="en-US" dirty="0"/>
+          </a:p>
+        </p:txBody>
+      </p:sp>
+      <p:sp>
+        <p:nvSpPr>
+          <p:cNvPr id="22" name="文本框 21">
+            <a:extLst>
+              <a:ext uri="{FF2B5EF4-FFF2-40B4-BE49-F238E27FC236}">
+                <a16:creationId xmlns:a16="http://schemas.microsoft.com/office/drawing/2014/main" id="{DD865E09-380C-4C13-A2F3-6E89E6E70FDD}"/>
+              </a:ext>
+            </a:extLst>
+          </p:cNvPr>
+          <p:cNvSpPr txBox="1"/>
+          <p:nvPr/>
+        </p:nvSpPr>
+        <p:spPr>
+          <a:xfrm>
+            <a:off x="2984851" y="1207069"/>
+            <a:ext cx="478016" cy="369332"/>
+          </a:xfrm>
+          <a:prstGeom prst="rect">
+            <a:avLst/>
+          </a:prstGeom>
+          <a:noFill/>
+        </p:spPr>
+        <p:txBody>
+          <a:bodyPr wrap="none" rtlCol="0">
+            <a:spAutoFit/>
+          </a:bodyPr>
+          <a:lstStyle/>
+          <a:p>
+            <a:r>
+              <a:rPr lang="en-US" altLang="zh-CN" dirty="0" err="1"/>
+              <a:t>Zw</a:t>
+            </a:r>
+            <a:endParaRPr lang="zh-CN" altLang="en-US" dirty="0"/>
+          </a:p>
+        </p:txBody>
+      </p:sp>
+      <p:sp>
+        <p:nvSpPr>
+          <p:cNvPr id="25" name="文本框 24">
+            <a:extLst>
+              <a:ext uri="{FF2B5EF4-FFF2-40B4-BE49-F238E27FC236}">
+                <a16:creationId xmlns:a16="http://schemas.microsoft.com/office/drawing/2014/main" id="{2A923D9C-4B35-424F-834C-19E40596277B}"/>
+              </a:ext>
+            </a:extLst>
+          </p:cNvPr>
+          <p:cNvSpPr txBox="1"/>
+          <p:nvPr/>
+        </p:nvSpPr>
+        <p:spPr>
+          <a:xfrm>
+            <a:off x="5764595" y="2370670"/>
+            <a:ext cx="473206" cy="369332"/>
+          </a:xfrm>
+          <a:prstGeom prst="rect">
+            <a:avLst/>
+          </a:prstGeom>
+          <a:noFill/>
+        </p:spPr>
+        <p:txBody>
+          <a:bodyPr wrap="none" rtlCol="0">
+            <a:spAutoFit/>
+          </a:bodyPr>
+          <a:lstStyle/>
+          <a:p>
+            <a:r>
+              <a:rPr lang="en-US" altLang="zh-CN" dirty="0" err="1"/>
+              <a:t>Yw</a:t>
+            </a:r>
+            <a:endParaRPr lang="zh-CN" altLang="en-US" dirty="0"/>
+          </a:p>
+        </p:txBody>
+      </p:sp>
+      <p:sp>
+        <p:nvSpPr>
+          <p:cNvPr id="28" name="文本框 27">
+            <a:extLst>
+              <a:ext uri="{FF2B5EF4-FFF2-40B4-BE49-F238E27FC236}">
+                <a16:creationId xmlns:a16="http://schemas.microsoft.com/office/drawing/2014/main" id="{17D9E347-5B35-45DF-B179-594D3F921B40}"/>
+              </a:ext>
+            </a:extLst>
+          </p:cNvPr>
+          <p:cNvSpPr txBox="1"/>
+          <p:nvPr/>
+        </p:nvSpPr>
+        <p:spPr>
+          <a:xfrm>
+            <a:off x="1058797" y="4126468"/>
+            <a:ext cx="479618" cy="369332"/>
+          </a:xfrm>
+          <a:prstGeom prst="rect">
+            <a:avLst/>
+          </a:prstGeom>
+          <a:noFill/>
+        </p:spPr>
+        <p:txBody>
+          <a:bodyPr wrap="none" rtlCol="0">
+            <a:spAutoFit/>
+          </a:bodyPr>
+          <a:lstStyle/>
+          <a:p>
+            <a:r>
+              <a:rPr lang="en-US" altLang="zh-CN" dirty="0" err="1"/>
+              <a:t>Xw</a:t>
+            </a:r>
+            <a:endParaRPr lang="zh-CN" altLang="en-US" dirty="0"/>
+          </a:p>
+        </p:txBody>
+      </p:sp>
+      <p:sp>
+        <p:nvSpPr>
+          <p:cNvPr id="29" name="文本框 28">
+            <a:extLst>
+              <a:ext uri="{FF2B5EF4-FFF2-40B4-BE49-F238E27FC236}">
+                <a16:creationId xmlns:a16="http://schemas.microsoft.com/office/drawing/2014/main" id="{C7FB8AB8-CE22-4A59-B24F-982EDE136355}"/>
+              </a:ext>
+            </a:extLst>
+          </p:cNvPr>
+          <p:cNvSpPr txBox="1"/>
+          <p:nvPr/>
+        </p:nvSpPr>
+        <p:spPr>
+          <a:xfrm>
+            <a:off x="1549967" y="2289201"/>
+            <a:ext cx="421910" cy="369332"/>
+          </a:xfrm>
+          <a:prstGeom prst="rect">
+            <a:avLst/>
+          </a:prstGeom>
+          <a:noFill/>
+        </p:spPr>
+        <p:txBody>
+          <a:bodyPr wrap="none" rtlCol="0">
+            <a:spAutoFit/>
+          </a:bodyPr>
+          <a:lstStyle/>
+          <a:p>
+            <a:r>
+              <a:rPr lang="en-US" altLang="zh-CN" dirty="0" err="1"/>
+              <a:t>Xc</a:t>
+            </a:r>
+            <a:endParaRPr lang="zh-CN" altLang="en-US" dirty="0"/>
+          </a:p>
+        </p:txBody>
+      </p:sp>
+      <p:sp>
+        <p:nvSpPr>
+          <p:cNvPr id="30" name="文本框 29">
+            <a:extLst>
+              <a:ext uri="{FF2B5EF4-FFF2-40B4-BE49-F238E27FC236}">
+                <a16:creationId xmlns:a16="http://schemas.microsoft.com/office/drawing/2014/main" id="{C389E267-B1FD-4E64-BADA-0EE1723A49C7}"/>
+              </a:ext>
+            </a:extLst>
+          </p:cNvPr>
+          <p:cNvSpPr txBox="1"/>
+          <p:nvPr/>
+        </p:nvSpPr>
+        <p:spPr>
+          <a:xfrm>
+            <a:off x="2338440" y="1694470"/>
+            <a:ext cx="415498" cy="369332"/>
+          </a:xfrm>
+          <a:prstGeom prst="rect">
+            <a:avLst/>
+          </a:prstGeom>
+          <a:noFill/>
+        </p:spPr>
+        <p:txBody>
+          <a:bodyPr wrap="none" rtlCol="0">
+            <a:spAutoFit/>
+          </a:bodyPr>
+          <a:lstStyle/>
+          <a:p>
+            <a:r>
+              <a:rPr lang="en-US" altLang="zh-CN" dirty="0" err="1"/>
+              <a:t>Yc</a:t>
+            </a:r>
+            <a:endParaRPr lang="zh-CN" altLang="en-US" dirty="0"/>
+          </a:p>
+        </p:txBody>
+      </p:sp>
+      <p:sp>
+        <p:nvSpPr>
+          <p:cNvPr id="31" name="文本框 30">
+            <a:extLst>
+              <a:ext uri="{FF2B5EF4-FFF2-40B4-BE49-F238E27FC236}">
+                <a16:creationId xmlns:a16="http://schemas.microsoft.com/office/drawing/2014/main" id="{8ABB00EC-B501-49B3-958D-507DD2059D85}"/>
+              </a:ext>
+            </a:extLst>
+          </p:cNvPr>
+          <p:cNvSpPr txBox="1"/>
+          <p:nvPr/>
+        </p:nvSpPr>
+        <p:spPr>
+          <a:xfrm>
+            <a:off x="3599046" y="3545690"/>
+            <a:ext cx="420308" cy="369332"/>
+          </a:xfrm>
+          <a:prstGeom prst="rect">
+            <a:avLst/>
+          </a:prstGeom>
+          <a:noFill/>
+        </p:spPr>
+        <p:txBody>
+          <a:bodyPr wrap="none" rtlCol="0">
+            <a:spAutoFit/>
+          </a:bodyPr>
+          <a:lstStyle/>
+          <a:p>
+            <a:r>
+              <a:rPr lang="en-US" altLang="zh-CN" dirty="0" err="1"/>
+              <a:t>Zc</a:t>
+            </a:r>
+            <a:endParaRPr lang="zh-CN" altLang="en-US" dirty="0"/>
+          </a:p>
+        </p:txBody>
+      </p:sp>
+      <p:sp>
+        <p:nvSpPr>
+          <p:cNvPr id="34" name="文本框 33">
+            <a:extLst>
+              <a:ext uri="{FF2B5EF4-FFF2-40B4-BE49-F238E27FC236}">
+                <a16:creationId xmlns:a16="http://schemas.microsoft.com/office/drawing/2014/main" id="{BA184D95-5E61-4205-8BFB-456897CEA215}"/>
+              </a:ext>
+            </a:extLst>
+          </p:cNvPr>
+          <p:cNvSpPr txBox="1"/>
+          <p:nvPr/>
+        </p:nvSpPr>
+        <p:spPr>
+          <a:xfrm>
+            <a:off x="3548393" y="2693516"/>
+            <a:ext cx="311304" cy="369332"/>
+          </a:xfrm>
+          <a:prstGeom prst="rect">
+            <a:avLst/>
+          </a:prstGeom>
+          <a:noFill/>
+        </p:spPr>
+        <p:txBody>
+          <a:bodyPr wrap="none" rtlCol="0">
+            <a:spAutoFit/>
+          </a:bodyPr>
+          <a:lstStyle/>
+          <a:p>
+            <a:r>
+              <a:rPr lang="en-US" altLang="zh-CN" dirty="0"/>
+              <a:t>Y</a:t>
+            </a:r>
+            <a:endParaRPr lang="zh-CN" altLang="en-US" dirty="0"/>
+          </a:p>
+        </p:txBody>
+      </p:sp>
+      <p:sp>
+        <p:nvSpPr>
+          <p:cNvPr id="35" name="文本框 34">
+            <a:extLst>
+              <a:ext uri="{FF2B5EF4-FFF2-40B4-BE49-F238E27FC236}">
+                <a16:creationId xmlns:a16="http://schemas.microsoft.com/office/drawing/2014/main" id="{6773E595-AF34-4BD5-B1BD-45538011A56D}"/>
+              </a:ext>
+            </a:extLst>
+          </p:cNvPr>
+          <p:cNvSpPr txBox="1"/>
+          <p:nvPr/>
+        </p:nvSpPr>
+        <p:spPr>
+          <a:xfrm>
+            <a:off x="3055824" y="3259668"/>
+            <a:ext cx="317716" cy="369332"/>
+          </a:xfrm>
+          <a:prstGeom prst="rect">
+            <a:avLst/>
+          </a:prstGeom>
+          <a:noFill/>
+        </p:spPr>
+        <p:txBody>
+          <a:bodyPr wrap="none" rtlCol="0">
+            <a:spAutoFit/>
+          </a:bodyPr>
+          <a:lstStyle/>
+          <a:p>
+            <a:r>
+              <a:rPr lang="en-US" altLang="zh-CN" dirty="0"/>
+              <a:t>X</a:t>
+            </a:r>
+            <a:endParaRPr lang="zh-CN" altLang="en-US" dirty="0"/>
+          </a:p>
+        </p:txBody>
+      </p:sp>
+      <p:sp>
+        <p:nvSpPr>
+          <p:cNvPr id="36" name="文本框 35">
+            <a:extLst>
+              <a:ext uri="{FF2B5EF4-FFF2-40B4-BE49-F238E27FC236}">
+                <a16:creationId xmlns:a16="http://schemas.microsoft.com/office/drawing/2014/main" id="{526746E1-01AA-48E0-8B6D-BE0084878ED2}"/>
+              </a:ext>
+            </a:extLst>
+          </p:cNvPr>
+          <p:cNvSpPr txBox="1"/>
+          <p:nvPr/>
+        </p:nvSpPr>
+        <p:spPr>
+          <a:xfrm>
+            <a:off x="3356821" y="2921001"/>
+            <a:ext cx="359394" cy="369332"/>
+          </a:xfrm>
+          <a:prstGeom prst="rect">
+            <a:avLst/>
+          </a:prstGeom>
+          <a:noFill/>
+        </p:spPr>
+        <p:txBody>
+          <a:bodyPr wrap="none" rtlCol="0">
+            <a:spAutoFit/>
+          </a:bodyPr>
+          <a:lstStyle/>
+          <a:p>
+            <a:r>
+              <a:rPr lang="en-US" altLang="zh-CN" dirty="0"/>
+              <a:t>O</a:t>
+            </a:r>
+            <a:endParaRPr lang="zh-CN" altLang="en-US" dirty="0"/>
+          </a:p>
+        </p:txBody>
+      </p:sp>
+      <p:cxnSp>
+        <p:nvCxnSpPr>
+          <p:cNvPr id="39" name="直接箭头连接符 38">
+            <a:extLst>
+              <a:ext uri="{FF2B5EF4-FFF2-40B4-BE49-F238E27FC236}">
+                <a16:creationId xmlns:a16="http://schemas.microsoft.com/office/drawing/2014/main" id="{87926663-072B-4E72-B284-9DC2530712A4}"/>
+              </a:ext>
+            </a:extLst>
+          </p:cNvPr>
+          <p:cNvCxnSpPr>
+            <a:cxnSpLocks/>
+          </p:cNvCxnSpPr>
+          <p:nvPr/>
+        </p:nvCxnSpPr>
+        <p:spPr>
+          <a:xfrm>
+            <a:off x="7357697" y="2166555"/>
+            <a:ext cx="0" cy="1228456"/>
+          </a:xfrm>
+          <a:prstGeom prst="straightConnector1">
+            <a:avLst/>
+          </a:prstGeom>
+          <a:ln w="12700">
+            <a:solidFill>
+              <a:schemeClr val="tx1"/>
+            </a:solidFill>
+            <a:tailEnd type="triangle"/>
+          </a:ln>
+        </p:spPr>
+        <p:style>
+          <a:lnRef idx="1">
+            <a:schemeClr val="accent1"/>
+          </a:lnRef>
+          <a:fillRef idx="0">
+            <a:schemeClr val="accent1"/>
+          </a:fillRef>
+          <a:effectRef idx="0">
+            <a:schemeClr val="accent1"/>
+          </a:effectRef>
+          <a:fontRef idx="minor">
+            <a:schemeClr val="tx1"/>
+          </a:fontRef>
+        </p:style>
+      </p:cxnSp>
+      <p:cxnSp>
+        <p:nvCxnSpPr>
+          <p:cNvPr id="41" name="直接箭头连接符 40">
+            <a:extLst>
+              <a:ext uri="{FF2B5EF4-FFF2-40B4-BE49-F238E27FC236}">
+                <a16:creationId xmlns:a16="http://schemas.microsoft.com/office/drawing/2014/main" id="{B79CF328-A6C2-4C41-B498-5FB553FBCA8E}"/>
+              </a:ext>
+            </a:extLst>
+          </p:cNvPr>
+          <p:cNvCxnSpPr/>
+          <p:nvPr/>
+        </p:nvCxnSpPr>
+        <p:spPr>
+          <a:xfrm>
+            <a:off x="7366163" y="2175022"/>
+            <a:ext cx="1244600" cy="0"/>
+          </a:xfrm>
+          <a:prstGeom prst="straightConnector1">
+            <a:avLst/>
+          </a:prstGeom>
+          <a:ln w="12700">
+            <a:solidFill>
+              <a:schemeClr val="tx1"/>
+            </a:solidFill>
+            <a:tailEnd type="triangle"/>
+          </a:ln>
+        </p:spPr>
+        <p:style>
+          <a:lnRef idx="1">
+            <a:schemeClr val="accent1"/>
+          </a:lnRef>
+          <a:fillRef idx="0">
+            <a:schemeClr val="accent1"/>
+          </a:fillRef>
+          <a:effectRef idx="0">
+            <a:schemeClr val="accent1"/>
+          </a:effectRef>
+          <a:fontRef idx="minor">
+            <a:schemeClr val="tx1"/>
+          </a:fontRef>
+        </p:style>
+      </p:cxnSp>
+      <p:cxnSp>
+        <p:nvCxnSpPr>
+          <p:cNvPr id="43" name="直接箭头连接符 42">
+            <a:extLst>
+              <a:ext uri="{FF2B5EF4-FFF2-40B4-BE49-F238E27FC236}">
+                <a16:creationId xmlns:a16="http://schemas.microsoft.com/office/drawing/2014/main" id="{D56182A4-6D5F-4905-B88A-8BC3243773D0}"/>
+              </a:ext>
+            </a:extLst>
+          </p:cNvPr>
+          <p:cNvCxnSpPr>
+            <a:cxnSpLocks/>
+          </p:cNvCxnSpPr>
+          <p:nvPr/>
+        </p:nvCxnSpPr>
+        <p:spPr>
+          <a:xfrm>
+            <a:off x="7886543" y="2660502"/>
+            <a:ext cx="665394" cy="0"/>
+          </a:xfrm>
+          <a:prstGeom prst="straightConnector1">
+            <a:avLst/>
+          </a:prstGeom>
+          <a:ln w="12700">
+            <a:solidFill>
+              <a:schemeClr val="tx1"/>
+            </a:solidFill>
+            <a:tailEnd type="triangle"/>
+          </a:ln>
+        </p:spPr>
+        <p:style>
+          <a:lnRef idx="1">
+            <a:schemeClr val="accent1"/>
+          </a:lnRef>
+          <a:fillRef idx="0">
+            <a:schemeClr val="accent1"/>
+          </a:fillRef>
+          <a:effectRef idx="0">
+            <a:schemeClr val="accent1"/>
+          </a:effectRef>
+          <a:fontRef idx="minor">
+            <a:schemeClr val="tx1"/>
+          </a:fontRef>
+        </p:style>
+      </p:cxnSp>
+      <p:sp>
+        <p:nvSpPr>
+          <p:cNvPr id="46" name="文本框 45">
+            <a:extLst>
+              <a:ext uri="{FF2B5EF4-FFF2-40B4-BE49-F238E27FC236}">
+                <a16:creationId xmlns:a16="http://schemas.microsoft.com/office/drawing/2014/main" id="{4F00C785-7C2E-468A-978E-144E826919D1}"/>
+              </a:ext>
+            </a:extLst>
+          </p:cNvPr>
+          <p:cNvSpPr txBox="1"/>
+          <p:nvPr/>
+        </p:nvSpPr>
+        <p:spPr>
+          <a:xfrm>
+            <a:off x="8651524" y="2588856"/>
+            <a:ext cx="317716" cy="369332"/>
+          </a:xfrm>
+          <a:prstGeom prst="rect">
+            <a:avLst/>
+          </a:prstGeom>
+          <a:noFill/>
+        </p:spPr>
+        <p:txBody>
+          <a:bodyPr wrap="none" rtlCol="0">
+            <a:spAutoFit/>
+          </a:bodyPr>
+          <a:lstStyle/>
+          <a:p>
+            <a:r>
+              <a:rPr lang="en-US" altLang="zh-CN" dirty="0"/>
+              <a:t>X</a:t>
+            </a:r>
+            <a:endParaRPr lang="zh-CN" altLang="en-US" dirty="0"/>
+          </a:p>
+        </p:txBody>
+      </p:sp>
+      <p:sp>
+        <p:nvSpPr>
+          <p:cNvPr id="47" name="文本框 46">
+            <a:extLst>
+              <a:ext uri="{FF2B5EF4-FFF2-40B4-BE49-F238E27FC236}">
+                <a16:creationId xmlns:a16="http://schemas.microsoft.com/office/drawing/2014/main" id="{1261E9A2-9DCB-468E-8AE1-7F1B8475078D}"/>
+              </a:ext>
+            </a:extLst>
+          </p:cNvPr>
+          <p:cNvSpPr txBox="1"/>
+          <p:nvPr/>
+        </p:nvSpPr>
+        <p:spPr>
+          <a:xfrm>
+            <a:off x="7886543" y="1684815"/>
+            <a:ext cx="311304" cy="369332"/>
+          </a:xfrm>
+          <a:prstGeom prst="rect">
+            <a:avLst/>
+          </a:prstGeom>
+          <a:noFill/>
+        </p:spPr>
+        <p:txBody>
+          <a:bodyPr wrap="none" rtlCol="0">
+            <a:spAutoFit/>
+          </a:bodyPr>
+          <a:lstStyle/>
+          <a:p>
+            <a:r>
+              <a:rPr lang="en-US" altLang="zh-CN" dirty="0"/>
+              <a:t>Y</a:t>
+            </a:r>
+            <a:endParaRPr lang="zh-CN" altLang="en-US" dirty="0"/>
+          </a:p>
+        </p:txBody>
+      </p:sp>
+      <p:sp>
+        <p:nvSpPr>
+          <p:cNvPr id="48" name="文本框 47">
+            <a:extLst>
+              <a:ext uri="{FF2B5EF4-FFF2-40B4-BE49-F238E27FC236}">
+                <a16:creationId xmlns:a16="http://schemas.microsoft.com/office/drawing/2014/main" id="{989FC31B-90D2-4BC6-9C00-7229F3821865}"/>
+              </a:ext>
+            </a:extLst>
+          </p:cNvPr>
+          <p:cNvSpPr txBox="1"/>
+          <p:nvPr/>
+        </p:nvSpPr>
+        <p:spPr>
+          <a:xfrm>
+            <a:off x="7113735" y="1840696"/>
+            <a:ext cx="359394" cy="369332"/>
+          </a:xfrm>
+          <a:prstGeom prst="rect">
+            <a:avLst/>
+          </a:prstGeom>
+          <a:noFill/>
+        </p:spPr>
+        <p:txBody>
+          <a:bodyPr wrap="none" rtlCol="0">
+            <a:spAutoFit/>
+          </a:bodyPr>
+          <a:lstStyle/>
+          <a:p>
+            <a:r>
+              <a:rPr lang="en-US" altLang="zh-CN" dirty="0"/>
+              <a:t>O</a:t>
+            </a:r>
+            <a:endParaRPr lang="zh-CN" altLang="en-US" dirty="0"/>
+          </a:p>
+        </p:txBody>
+      </p:sp>
+      <p:sp>
+        <p:nvSpPr>
+          <p:cNvPr id="49" name="文本框 48">
+            <a:extLst>
+              <a:ext uri="{FF2B5EF4-FFF2-40B4-BE49-F238E27FC236}">
+                <a16:creationId xmlns:a16="http://schemas.microsoft.com/office/drawing/2014/main" id="{E56E6EBB-8E9A-4F2B-A4A6-613378EF1DCD}"/>
+              </a:ext>
+            </a:extLst>
+          </p:cNvPr>
+          <p:cNvSpPr txBox="1"/>
+          <p:nvPr/>
+        </p:nvSpPr>
+        <p:spPr>
+          <a:xfrm>
+            <a:off x="8606844" y="1981889"/>
+            <a:ext cx="311304" cy="369332"/>
+          </a:xfrm>
+          <a:prstGeom prst="rect">
+            <a:avLst/>
+          </a:prstGeom>
+          <a:noFill/>
+        </p:spPr>
+        <p:txBody>
+          <a:bodyPr wrap="none" rtlCol="0">
+            <a:spAutoFit/>
+          </a:bodyPr>
+          <a:lstStyle/>
+          <a:p>
+            <a:r>
+              <a:rPr lang="en-US" altLang="zh-CN" dirty="0"/>
+              <a:t>u</a:t>
+            </a:r>
+            <a:endParaRPr lang="zh-CN" altLang="en-US" dirty="0"/>
+          </a:p>
+        </p:txBody>
+      </p:sp>
+      <p:sp>
+        <p:nvSpPr>
+          <p:cNvPr id="50" name="文本框 49">
+            <a:extLst>
+              <a:ext uri="{FF2B5EF4-FFF2-40B4-BE49-F238E27FC236}">
+                <a16:creationId xmlns:a16="http://schemas.microsoft.com/office/drawing/2014/main" id="{F86188F8-43A9-4500-82D6-884B786F4ADA}"/>
+              </a:ext>
+            </a:extLst>
+          </p:cNvPr>
+          <p:cNvSpPr txBox="1"/>
+          <p:nvPr/>
+        </p:nvSpPr>
+        <p:spPr>
+          <a:xfrm>
+            <a:off x="7374396" y="3142046"/>
+            <a:ext cx="292068" cy="369332"/>
+          </a:xfrm>
+          <a:prstGeom prst="rect">
+            <a:avLst/>
+          </a:prstGeom>
+          <a:noFill/>
+        </p:spPr>
+        <p:txBody>
+          <a:bodyPr wrap="none" rtlCol="0">
+            <a:spAutoFit/>
+          </a:bodyPr>
+          <a:lstStyle/>
+          <a:p>
+            <a:r>
+              <a:rPr lang="en-US" altLang="zh-CN" dirty="0"/>
+              <a:t>v</a:t>
+            </a:r>
+            <a:endParaRPr lang="zh-CN" altLang="en-US" dirty="0"/>
+          </a:p>
+        </p:txBody>
+      </p:sp>
+      <p:sp>
+        <p:nvSpPr>
+          <p:cNvPr id="51" name="矩形 50">
+            <a:extLst>
+              <a:ext uri="{FF2B5EF4-FFF2-40B4-BE49-F238E27FC236}">
+                <a16:creationId xmlns:a16="http://schemas.microsoft.com/office/drawing/2014/main" id="{250C7E6D-5BB6-4467-B4E8-A3B61A6A482B}"/>
               </a:ext>
             </a:extLst>
           </p:cNvPr>
@@ -15840,107 +16173,12 @@
         </p:nvSpPr>
         <p:spPr>
           <a:xfrm>
-            <a:off x="6261100" y="2435225"/>
-            <a:ext cx="3556000" cy="1987550"/>
-          </a:xfrm>
-          <a:custGeom>
-            <a:avLst/>
-            <a:gdLst>
-              <a:gd name="connsiteX0" fmla="*/ 0 w 3556000"/>
-              <a:gd name="connsiteY0" fmla="*/ 0 h 1993900"/>
-              <a:gd name="connsiteX1" fmla="*/ 3556000 w 3556000"/>
-              <a:gd name="connsiteY1" fmla="*/ 0 h 1993900"/>
-              <a:gd name="connsiteX2" fmla="*/ 3556000 w 3556000"/>
-              <a:gd name="connsiteY2" fmla="*/ 1993900 h 1993900"/>
-              <a:gd name="connsiteX3" fmla="*/ 0 w 3556000"/>
-              <a:gd name="connsiteY3" fmla="*/ 1993900 h 1993900"/>
-              <a:gd name="connsiteX4" fmla="*/ 0 w 3556000"/>
-              <a:gd name="connsiteY4" fmla="*/ 0 h 1993900"/>
-              <a:gd name="connsiteX0" fmla="*/ 0 w 3556000"/>
-              <a:gd name="connsiteY0" fmla="*/ 0 h 1993900"/>
-              <a:gd name="connsiteX1" fmla="*/ 3556000 w 3556000"/>
-              <a:gd name="connsiteY1" fmla="*/ 0 h 1993900"/>
-              <a:gd name="connsiteX2" fmla="*/ 3556000 w 3556000"/>
-              <a:gd name="connsiteY2" fmla="*/ 1993900 h 1993900"/>
-              <a:gd name="connsiteX3" fmla="*/ 673100 w 3556000"/>
-              <a:gd name="connsiteY3" fmla="*/ 1962150 h 1993900"/>
-              <a:gd name="connsiteX4" fmla="*/ 0 w 3556000"/>
-              <a:gd name="connsiteY4" fmla="*/ 1993900 h 1993900"/>
-              <a:gd name="connsiteX5" fmla="*/ 0 w 3556000"/>
-              <a:gd name="connsiteY5" fmla="*/ 0 h 1993900"/>
-              <a:gd name="connsiteX0" fmla="*/ 0 w 3556000"/>
-              <a:gd name="connsiteY0" fmla="*/ 0 h 1993900"/>
-              <a:gd name="connsiteX1" fmla="*/ 3556000 w 3556000"/>
-              <a:gd name="connsiteY1" fmla="*/ 0 h 1993900"/>
-              <a:gd name="connsiteX2" fmla="*/ 3556000 w 3556000"/>
-              <a:gd name="connsiteY2" fmla="*/ 1993900 h 1993900"/>
-              <a:gd name="connsiteX3" fmla="*/ 673100 w 3556000"/>
-              <a:gd name="connsiteY3" fmla="*/ 1962150 h 1993900"/>
-              <a:gd name="connsiteX4" fmla="*/ 0 w 3556000"/>
-              <a:gd name="connsiteY4" fmla="*/ 0 h 1993900"/>
-              <a:gd name="connsiteX0" fmla="*/ 0 w 3556000"/>
-              <a:gd name="connsiteY0" fmla="*/ 0 h 1993900"/>
-              <a:gd name="connsiteX1" fmla="*/ 3556000 w 3556000"/>
-              <a:gd name="connsiteY1" fmla="*/ 0 h 1993900"/>
-              <a:gd name="connsiteX2" fmla="*/ 3556000 w 3556000"/>
-              <a:gd name="connsiteY2" fmla="*/ 1993900 h 1993900"/>
-              <a:gd name="connsiteX3" fmla="*/ 2794000 w 3556000"/>
-              <a:gd name="connsiteY3" fmla="*/ 1987550 h 1993900"/>
-              <a:gd name="connsiteX4" fmla="*/ 673100 w 3556000"/>
-              <a:gd name="connsiteY4" fmla="*/ 1962150 h 1993900"/>
-              <a:gd name="connsiteX5" fmla="*/ 0 w 3556000"/>
-              <a:gd name="connsiteY5" fmla="*/ 0 h 1993900"/>
-              <a:gd name="connsiteX0" fmla="*/ 0 w 3556000"/>
-              <a:gd name="connsiteY0" fmla="*/ 0 h 1987550"/>
-              <a:gd name="connsiteX1" fmla="*/ 3556000 w 3556000"/>
-              <a:gd name="connsiteY1" fmla="*/ 0 h 1987550"/>
-              <a:gd name="connsiteX2" fmla="*/ 2794000 w 3556000"/>
-              <a:gd name="connsiteY2" fmla="*/ 1987550 h 1987550"/>
-              <a:gd name="connsiteX3" fmla="*/ 673100 w 3556000"/>
-              <a:gd name="connsiteY3" fmla="*/ 1962150 h 1987550"/>
-              <a:gd name="connsiteX4" fmla="*/ 0 w 3556000"/>
-              <a:gd name="connsiteY4" fmla="*/ 0 h 1987550"/>
-            </a:gdLst>
-            <a:ahLst/>
-            <a:cxnLst>
-              <a:cxn ang="0">
-                <a:pos x="connsiteX0" y="connsiteY0"/>
-              </a:cxn>
-              <a:cxn ang="0">
-                <a:pos x="connsiteX1" y="connsiteY1"/>
-              </a:cxn>
-              <a:cxn ang="0">
-                <a:pos x="connsiteX2" y="connsiteY2"/>
-              </a:cxn>
-              <a:cxn ang="0">
-                <a:pos x="connsiteX3" y="connsiteY3"/>
-              </a:cxn>
-              <a:cxn ang="0">
-                <a:pos x="connsiteX4" y="connsiteY4"/>
-              </a:cxn>
-            </a:cxnLst>
-            <a:rect l="l" t="t" r="r" b="b"/>
-            <a:pathLst>
-              <a:path w="3556000" h="1987550">
-                <a:moveTo>
-                  <a:pt x="0" y="0"/>
-                </a:moveTo>
-                <a:lnTo>
-                  <a:pt x="3556000" y="0"/>
-                </a:lnTo>
-                <a:lnTo>
-                  <a:pt x="2794000" y="1987550"/>
-                </a:lnTo>
-                <a:lnTo>
-                  <a:pt x="673100" y="1962150"/>
-                </a:lnTo>
-                <a:lnTo>
-                  <a:pt x="0" y="0"/>
-                </a:lnTo>
-                <a:close/>
-              </a:path>
-            </a:pathLst>
-          </a:custGeom>
+            <a:off x="7357698" y="2175022"/>
+            <a:ext cx="1059797" cy="967022"/>
+          </a:xfrm>
+          <a:prstGeom prst="rect">
+            <a:avLst/>
+          </a:prstGeom>
           <a:noFill/>
           <a:ln>
             <a:solidFill>
@@ -15979,25 +16217,27 @@
       </p:sp>
       <p:cxnSp>
         <p:nvCxnSpPr>
-          <p:cNvPr id="33" name="直接箭头连接符 32">
-            <a:extLst>
-              <a:ext uri="{FF2B5EF4-FFF2-40B4-BE49-F238E27FC236}">
-                <a16:creationId xmlns:a16="http://schemas.microsoft.com/office/drawing/2014/main" id="{D42B3530-5BAB-4312-94F5-E306F39FBE51}"/>
-              </a:ext>
-            </a:extLst>
-          </p:cNvPr>
-          <p:cNvCxnSpPr/>
+          <p:cNvPr id="53" name="直接箭头连接符 52">
+            <a:extLst>
+              <a:ext uri="{FF2B5EF4-FFF2-40B4-BE49-F238E27FC236}">
+                <a16:creationId xmlns:a16="http://schemas.microsoft.com/office/drawing/2014/main" id="{298E23A1-26FA-47E3-BA33-B6A5FA5CAFDA}"/>
+              </a:ext>
+            </a:extLst>
+          </p:cNvPr>
+          <p:cNvCxnSpPr>
+            <a:cxnSpLocks/>
+          </p:cNvCxnSpPr>
           <p:nvPr/>
         </p:nvCxnSpPr>
         <p:spPr>
-          <a:xfrm>
-            <a:off x="4800600" y="3432175"/>
-            <a:ext cx="1295400" cy="0"/>
+          <a:xfrm flipV="1">
+            <a:off x="7889531" y="1787072"/>
+            <a:ext cx="4850" cy="881898"/>
           </a:xfrm>
           <a:prstGeom prst="straightConnector1">
             <a:avLst/>
           </a:prstGeom>
-          <a:ln w="19050">
+          <a:ln w="12700">
             <a:solidFill>
               <a:schemeClr val="tx1"/>
             </a:solidFill>
@@ -16019,122 +16259,10 @@
           </a:fontRef>
         </p:style>
       </p:cxnSp>
-      <p:sp>
-        <p:nvSpPr>
-          <p:cNvPr id="34" name="文本框 33">
-            <a:extLst>
-              <a:ext uri="{FF2B5EF4-FFF2-40B4-BE49-F238E27FC236}">
-                <a16:creationId xmlns:a16="http://schemas.microsoft.com/office/drawing/2014/main" id="{53D244E3-AEBE-4C1C-896A-C4E127E4BE71}"/>
-              </a:ext>
-            </a:extLst>
-          </p:cNvPr>
-          <p:cNvSpPr txBox="1"/>
-          <p:nvPr/>
-        </p:nvSpPr>
-        <p:spPr>
-          <a:xfrm>
-            <a:off x="4754510" y="2924178"/>
-            <a:ext cx="1338828" cy="369332"/>
-          </a:xfrm>
-          <a:prstGeom prst="rect">
-            <a:avLst/>
-          </a:prstGeom>
-          <a:noFill/>
-        </p:spPr>
-        <p:txBody>
-          <a:bodyPr wrap="none" rtlCol="0">
-            <a:spAutoFit/>
-          </a:bodyPr>
-          <a:lstStyle/>
-          <a:p>
-            <a:r>
-              <a:rPr lang="zh-CN" altLang="en-US" dirty="0"/>
-              <a:t>逆透视变换</a:t>
-            </a:r>
-          </a:p>
-        </p:txBody>
-      </p:sp>
-      <p:cxnSp>
-        <p:nvCxnSpPr>
-          <p:cNvPr id="38" name="直接箭头连接符 37">
-            <a:extLst>
-              <a:ext uri="{FF2B5EF4-FFF2-40B4-BE49-F238E27FC236}">
-                <a16:creationId xmlns:a16="http://schemas.microsoft.com/office/drawing/2014/main" id="{76DE8F9B-5188-439A-A16A-3EF3D9D7811B}"/>
-              </a:ext>
-            </a:extLst>
-          </p:cNvPr>
-          <p:cNvCxnSpPr/>
-          <p:nvPr/>
-        </p:nvCxnSpPr>
-        <p:spPr>
-          <a:xfrm>
-            <a:off x="9652000" y="3429000"/>
-            <a:ext cx="1295400" cy="0"/>
-          </a:xfrm>
-          <a:prstGeom prst="straightConnector1">
-            <a:avLst/>
-          </a:prstGeom>
-          <a:ln w="19050">
-            <a:solidFill>
-              <a:schemeClr val="tx1"/>
-            </a:solidFill>
-            <a:tailEnd type="triangle"/>
-          </a:ln>
-        </p:spPr>
-        <p:style>
-          <a:lnRef idx="1">
-            <a:schemeClr val="accent1"/>
-          </a:lnRef>
-          <a:fillRef idx="0">
-            <a:schemeClr val="accent1"/>
-          </a:fillRef>
-          <a:effectRef idx="0">
-            <a:schemeClr val="accent1"/>
-          </a:effectRef>
-          <a:fontRef idx="minor">
-            <a:schemeClr val="tx1"/>
-          </a:fontRef>
-        </p:style>
-      </p:cxnSp>
-      <p:sp>
-        <p:nvSpPr>
-          <p:cNvPr id="39" name="文本框 38">
-            <a:extLst>
-              <a:ext uri="{FF2B5EF4-FFF2-40B4-BE49-F238E27FC236}">
-                <a16:creationId xmlns:a16="http://schemas.microsoft.com/office/drawing/2014/main" id="{F9D819F6-EEF8-43D4-A01D-F91BE05C197D}"/>
-              </a:ext>
-            </a:extLst>
-          </p:cNvPr>
-          <p:cNvSpPr txBox="1"/>
-          <p:nvPr/>
-        </p:nvSpPr>
-        <p:spPr>
-          <a:xfrm>
-            <a:off x="9817100" y="2757269"/>
-            <a:ext cx="1130300" cy="646331"/>
-          </a:xfrm>
-          <a:prstGeom prst="rect">
-            <a:avLst/>
-          </a:prstGeom>
-          <a:noFill/>
-        </p:spPr>
-        <p:txBody>
-          <a:bodyPr wrap="square" rtlCol="0">
-            <a:spAutoFit/>
-          </a:bodyPr>
-          <a:lstStyle/>
-          <a:p>
-            <a:r>
-              <a:rPr lang="zh-CN" altLang="en-US" dirty="0"/>
-              <a:t>处理得到导航参数</a:t>
-            </a:r>
-          </a:p>
-        </p:txBody>
-      </p:sp>
     </p:spTree>
     <p:extLst>
       <p:ext uri="{BB962C8B-B14F-4D97-AF65-F5344CB8AC3E}">
-        <p14:creationId xmlns:p14="http://schemas.microsoft.com/office/powerpoint/2010/main" val="2073283311"/>
+        <p14:creationId xmlns:p14="http://schemas.microsoft.com/office/powerpoint/2010/main" val="90059294"/>
       </p:ext>
     </p:extLst>
   </p:cSld>
